--- a/Heart Attack Analysis.pptx
+++ b/Heart Attack Analysis.pptx
@@ -8,26 +8,29 @@
     <p:sldId id="256" r:id="rId2"/>
     <p:sldId id="257" r:id="rId3"/>
     <p:sldId id="259" r:id="rId4"/>
-    <p:sldId id="260" r:id="rId5"/>
-    <p:sldId id="261" r:id="rId6"/>
-    <p:sldId id="262" r:id="rId7"/>
-    <p:sldId id="271" r:id="rId8"/>
-    <p:sldId id="273" r:id="rId9"/>
-    <p:sldId id="263" r:id="rId10"/>
-    <p:sldId id="265" r:id="rId11"/>
-    <p:sldId id="267" r:id="rId12"/>
-    <p:sldId id="276" r:id="rId13"/>
-    <p:sldId id="264" r:id="rId14"/>
-    <p:sldId id="277" r:id="rId15"/>
-    <p:sldId id="274" r:id="rId16"/>
-    <p:sldId id="275" r:id="rId17"/>
-    <p:sldId id="278" r:id="rId18"/>
-    <p:sldId id="279" r:id="rId19"/>
-    <p:sldId id="280" r:id="rId20"/>
-    <p:sldId id="283" r:id="rId21"/>
-    <p:sldId id="269" r:id="rId22"/>
-    <p:sldId id="270" r:id="rId23"/>
-    <p:sldId id="272" r:id="rId24"/>
+    <p:sldId id="284" r:id="rId5"/>
+    <p:sldId id="286" r:id="rId6"/>
+    <p:sldId id="288" r:id="rId7"/>
+    <p:sldId id="260" r:id="rId8"/>
+    <p:sldId id="261" r:id="rId9"/>
+    <p:sldId id="262" r:id="rId10"/>
+    <p:sldId id="271" r:id="rId11"/>
+    <p:sldId id="273" r:id="rId12"/>
+    <p:sldId id="263" r:id="rId13"/>
+    <p:sldId id="265" r:id="rId14"/>
+    <p:sldId id="267" r:id="rId15"/>
+    <p:sldId id="276" r:id="rId16"/>
+    <p:sldId id="264" r:id="rId17"/>
+    <p:sldId id="277" r:id="rId18"/>
+    <p:sldId id="274" r:id="rId19"/>
+    <p:sldId id="275" r:id="rId20"/>
+    <p:sldId id="278" r:id="rId21"/>
+    <p:sldId id="279" r:id="rId22"/>
+    <p:sldId id="280" r:id="rId23"/>
+    <p:sldId id="283" r:id="rId24"/>
+    <p:sldId id="269" r:id="rId25"/>
+    <p:sldId id="270" r:id="rId26"/>
+    <p:sldId id="272" r:id="rId27"/>
   </p:sldIdLst>
   <p:sldSz cx="12192000" cy="6858000"/>
   <p:notesSz cx="6858000" cy="9144000"/>
@@ -12388,6 +12391,699 @@
           <p:cNvPr id="8" name="Rectangle 7">
             <a:extLst>
               <a:ext uri="{FF2B5EF4-FFF2-40B4-BE49-F238E27FC236}">
+                <a16:creationId xmlns:a16="http://schemas.microsoft.com/office/drawing/2014/main" id="{16F9E488-0718-4E1E-9D12-26779F606252}"/>
+              </a:ext>
+              <a:ext uri="{C183D7F6-B498-43B3-948B-1728B52AA6E4}">
+                <adec:decorative xmlns:adec="http://schemas.microsoft.com/office/drawing/2017/decorative" val="1"/>
+              </a:ext>
+            </a:extLst>
+          </p:cNvPr>
+          <p:cNvSpPr>
+            <a:spLocks noGrp="1" noRot="1" noChangeAspect="1" noMove="1" noResize="1" noEditPoints="1" noAdjustHandles="1" noChangeArrowheads="1" noChangeShapeType="1" noTextEdit="1"/>
+          </p:cNvSpPr>
+          <p:nvPr>
+            <p:extLst>
+              <p:ext uri="{386F3935-93C4-4BCD-93E2-E3B085C9AB24}">
+                <p16:designElem xmlns:p16="http://schemas.microsoft.com/office/powerpoint/2015/main" val="1"/>
+              </p:ext>
+            </p:extLst>
+          </p:nvPr>
+        </p:nvSpPr>
+        <p:spPr>
+          <a:xfrm>
+            <a:off x="0" y="0"/>
+            <a:ext cx="12192000" cy="6858000"/>
+          </a:xfrm>
+          <a:prstGeom prst="rect">
+            <a:avLst/>
+          </a:prstGeom>
+          <a:ln>
+            <a:noFill/>
+          </a:ln>
+        </p:spPr>
+        <p:style>
+          <a:lnRef idx="2">
+            <a:schemeClr val="accent1">
+              <a:shade val="50000"/>
+            </a:schemeClr>
+          </a:lnRef>
+          <a:fillRef idx="1">
+            <a:schemeClr val="accent1"/>
+          </a:fillRef>
+          <a:effectRef idx="0">
+            <a:schemeClr val="accent1"/>
+          </a:effectRef>
+          <a:fontRef idx="minor">
+            <a:schemeClr val="lt1"/>
+          </a:fontRef>
+        </p:style>
+        <p:txBody>
+          <a:bodyPr rtlCol="0" anchor="ctr"/>
+          <a:lstStyle/>
+          <a:p>
+            <a:pPr algn="ctr"/>
+            <a:endParaRPr lang="en-US"/>
+          </a:p>
+        </p:txBody>
+      </p:sp>
+      <p:sp>
+        <p:nvSpPr>
+          <p:cNvPr id="10" name="Freeform: Shape 9">
+            <a:extLst>
+              <a:ext uri="{FF2B5EF4-FFF2-40B4-BE49-F238E27FC236}">
+                <a16:creationId xmlns:a16="http://schemas.microsoft.com/office/drawing/2014/main" id="{09BE6F6B-19BD-443C-8FB0-FA45F13F9535}"/>
+              </a:ext>
+              <a:ext uri="{C183D7F6-B498-43B3-948B-1728B52AA6E4}">
+                <adec:decorative xmlns:adec="http://schemas.microsoft.com/office/drawing/2017/decorative" val="1"/>
+              </a:ext>
+            </a:extLst>
+          </p:cNvPr>
+          <p:cNvSpPr>
+            <a:spLocks noGrp="1" noRot="1" noChangeAspect="1" noMove="1" noResize="1" noEditPoints="1" noAdjustHandles="1" noChangeArrowheads="1" noChangeShapeType="1" noTextEdit="1"/>
+          </p:cNvSpPr>
+          <p:nvPr>
+            <p:extLst>
+              <p:ext uri="{386F3935-93C4-4BCD-93E2-E3B085C9AB24}">
+                <p16:designElem xmlns:p16="http://schemas.microsoft.com/office/powerpoint/2015/main" val="1"/>
+              </p:ext>
+            </p:extLst>
+          </p:nvPr>
+        </p:nvSpPr>
+        <p:spPr>
+          <a:xfrm>
+            <a:off x="0" y="0"/>
+            <a:ext cx="7539505" cy="6857542"/>
+          </a:xfrm>
+          <a:custGeom>
+            <a:avLst/>
+            <a:gdLst>
+              <a:gd name="connsiteX0" fmla="*/ 0 w 7539505"/>
+              <a:gd name="connsiteY0" fmla="*/ 0 h 6857542"/>
+              <a:gd name="connsiteX1" fmla="*/ 6392832 w 7539505"/>
+              <a:gd name="connsiteY1" fmla="*/ 0 h 6857542"/>
+              <a:gd name="connsiteX2" fmla="*/ 6405479 w 7539505"/>
+              <a:gd name="connsiteY2" fmla="*/ 31774 h 6857542"/>
+              <a:gd name="connsiteX3" fmla="*/ 7460487 w 7539505"/>
+              <a:gd name="connsiteY3" fmla="*/ 2682457 h 6857542"/>
+              <a:gd name="connsiteX4" fmla="*/ 7460487 w 7539505"/>
+              <a:gd name="connsiteY4" fmla="*/ 3752208 h 6857542"/>
+              <a:gd name="connsiteX5" fmla="*/ 6302983 w 7539505"/>
+              <a:gd name="connsiteY5" fmla="*/ 6660411 h 6857542"/>
+              <a:gd name="connsiteX6" fmla="*/ 6224521 w 7539505"/>
+              <a:gd name="connsiteY6" fmla="*/ 6857542 h 6857542"/>
+              <a:gd name="connsiteX7" fmla="*/ 0 w 7539505"/>
+              <a:gd name="connsiteY7" fmla="*/ 6857542 h 6857542"/>
+            </a:gdLst>
+            <a:ahLst/>
+            <a:cxnLst>
+              <a:cxn ang="0">
+                <a:pos x="connsiteX0" y="connsiteY0"/>
+              </a:cxn>
+              <a:cxn ang="0">
+                <a:pos x="connsiteX1" y="connsiteY1"/>
+              </a:cxn>
+              <a:cxn ang="0">
+                <a:pos x="connsiteX2" y="connsiteY2"/>
+              </a:cxn>
+              <a:cxn ang="0">
+                <a:pos x="connsiteX3" y="connsiteY3"/>
+              </a:cxn>
+              <a:cxn ang="0">
+                <a:pos x="connsiteX4" y="connsiteY4"/>
+              </a:cxn>
+              <a:cxn ang="0">
+                <a:pos x="connsiteX5" y="connsiteY5"/>
+              </a:cxn>
+              <a:cxn ang="0">
+                <a:pos x="connsiteX6" y="connsiteY6"/>
+              </a:cxn>
+              <a:cxn ang="0">
+                <a:pos x="connsiteX7" y="connsiteY7"/>
+              </a:cxn>
+            </a:cxnLst>
+            <a:rect l="l" t="t" r="r" b="b"/>
+            <a:pathLst>
+              <a:path w="7539505" h="6857542">
+                <a:moveTo>
+                  <a:pt x="0" y="0"/>
+                </a:moveTo>
+                <a:lnTo>
+                  <a:pt x="6392832" y="0"/>
+                </a:lnTo>
+                <a:lnTo>
+                  <a:pt x="6405479" y="31774"/>
+                </a:lnTo>
+                <a:cubicBezTo>
+                  <a:pt x="7460487" y="2682457"/>
+                  <a:pt x="7460487" y="2682457"/>
+                  <a:pt x="7460487" y="2682457"/>
+                </a:cubicBezTo>
+                <a:cubicBezTo>
+                  <a:pt x="7565845" y="2988100"/>
+                  <a:pt x="7565845" y="3446565"/>
+                  <a:pt x="7460487" y="3752208"/>
+                </a:cubicBezTo>
+                <a:cubicBezTo>
+                  <a:pt x="6976500" y="4968215"/>
+                  <a:pt x="6598385" y="5918220"/>
+                  <a:pt x="6302983" y="6660411"/>
+                </a:cubicBezTo>
+                <a:lnTo>
+                  <a:pt x="6224521" y="6857542"/>
+                </a:lnTo>
+                <a:lnTo>
+                  <a:pt x="0" y="6857542"/>
+                </a:lnTo>
+                <a:close/>
+              </a:path>
+            </a:pathLst>
+          </a:custGeom>
+          <a:solidFill>
+            <a:schemeClr val="tx1"/>
+          </a:solidFill>
+          <a:ln>
+            <a:noFill/>
+          </a:ln>
+        </p:spPr>
+        <p:style>
+          <a:lnRef idx="2">
+            <a:schemeClr val="accent1">
+              <a:shade val="50000"/>
+            </a:schemeClr>
+          </a:lnRef>
+          <a:fillRef idx="1">
+            <a:schemeClr val="accent1"/>
+          </a:fillRef>
+          <a:effectRef idx="0">
+            <a:schemeClr val="accent1"/>
+          </a:effectRef>
+          <a:fontRef idx="minor">
+            <a:schemeClr val="lt1"/>
+          </a:fontRef>
+        </p:style>
+        <p:txBody>
+          <a:bodyPr wrap="square" rtlCol="0" anchor="ctr">
+            <a:noAutofit/>
+          </a:bodyPr>
+          <a:lstStyle/>
+          <a:p>
+            <a:pPr algn="ctr"/>
+            <a:endParaRPr lang="en-US"/>
+          </a:p>
+        </p:txBody>
+      </p:sp>
+      <p:grpSp>
+        <p:nvGrpSpPr>
+          <p:cNvPr id="12" name="Group 11">
+            <a:extLst>
+              <a:ext uri="{FF2B5EF4-FFF2-40B4-BE49-F238E27FC236}">
+                <a16:creationId xmlns:a16="http://schemas.microsoft.com/office/drawing/2014/main" id="{92AAE609-C327-4952-BB48-254E9015AD81}"/>
+              </a:ext>
+              <a:ext uri="{C183D7F6-B498-43B3-948B-1728B52AA6E4}">
+                <adec:decorative xmlns:adec="http://schemas.microsoft.com/office/drawing/2017/decorative" val="1"/>
+              </a:ext>
+            </a:extLst>
+          </p:cNvPr>
+          <p:cNvGrpSpPr>
+            <a:grpSpLocks noGrp="1" noUngrp="1" noRot="1" noChangeAspect="1" noMove="1" noResize="1"/>
+          </p:cNvGrpSpPr>
+          <p:nvPr>
+            <p:extLst>
+              <p:ext uri="{386F3935-93C4-4BCD-93E2-E3B085C9AB24}">
+                <p16:designElem xmlns:p16="http://schemas.microsoft.com/office/powerpoint/2015/main" val="1"/>
+              </p:ext>
+            </p:extLst>
+          </p:nvPr>
+        </p:nvGrpSpPr>
+        <p:grpSpPr>
+          <a:xfrm>
+            <a:off x="7293178" y="681628"/>
+            <a:ext cx="1562267" cy="1172973"/>
+            <a:chOff x="7493121" y="1000124"/>
+            <a:chExt cx="1562267" cy="1172973"/>
+          </a:xfrm>
+        </p:grpSpPr>
+        <p:sp>
+          <p:nvSpPr>
+            <p:cNvPr id="13" name="Freeform 5">
+              <a:extLst>
+                <a:ext uri="{FF2B5EF4-FFF2-40B4-BE49-F238E27FC236}">
+                  <a16:creationId xmlns:a16="http://schemas.microsoft.com/office/drawing/2014/main" id="{94F06CAB-1C7B-4E12-B1B8-5F7067FDAD11}"/>
+                </a:ext>
+                <a:ext uri="{C183D7F6-B498-43B3-948B-1728B52AA6E4}">
+                  <adec:decorative xmlns:adec="http://schemas.microsoft.com/office/drawing/2017/decorative" val="1"/>
+                </a:ext>
+              </a:extLst>
+            </p:cNvPr>
+            <p:cNvSpPr>
+              <a:spLocks/>
+            </p:cNvSpPr>
+            <p:nvPr>
+              <p:extLst>
+                <p:ext uri="{386F3935-93C4-4BCD-93E2-E3B085C9AB24}">
+                  <p16:designElem xmlns:p16="http://schemas.microsoft.com/office/powerpoint/2015/main" val="1"/>
+                </p:ext>
+              </p:extLst>
+            </p:nvPr>
+          </p:nvSpPr>
+          <p:spPr bwMode="auto">
+            <a:xfrm>
+              <a:off x="7493121" y="1348782"/>
+              <a:ext cx="935037" cy="824315"/>
+            </a:xfrm>
+            <a:custGeom>
+              <a:avLst/>
+              <a:gdLst>
+                <a:gd name="T0" fmla="*/ 225 w 785"/>
+                <a:gd name="T1" fmla="*/ 692 h 692"/>
+                <a:gd name="T2" fmla="*/ 177 w 785"/>
+                <a:gd name="T3" fmla="*/ 665 h 692"/>
+                <a:gd name="T4" fmla="*/ 9 w 785"/>
+                <a:gd name="T5" fmla="*/ 374 h 692"/>
+                <a:gd name="T6" fmla="*/ 9 w 785"/>
+                <a:gd name="T7" fmla="*/ 318 h 692"/>
+                <a:gd name="T8" fmla="*/ 177 w 785"/>
+                <a:gd name="T9" fmla="*/ 27 h 692"/>
+                <a:gd name="T10" fmla="*/ 225 w 785"/>
+                <a:gd name="T11" fmla="*/ 0 h 692"/>
+                <a:gd name="T12" fmla="*/ 561 w 785"/>
+                <a:gd name="T13" fmla="*/ 0 h 692"/>
+                <a:gd name="T14" fmla="*/ 609 w 785"/>
+                <a:gd name="T15" fmla="*/ 27 h 692"/>
+                <a:gd name="T16" fmla="*/ 777 w 785"/>
+                <a:gd name="T17" fmla="*/ 318 h 692"/>
+                <a:gd name="T18" fmla="*/ 777 w 785"/>
+                <a:gd name="T19" fmla="*/ 374 h 692"/>
+                <a:gd name="T20" fmla="*/ 609 w 785"/>
+                <a:gd name="T21" fmla="*/ 665 h 692"/>
+                <a:gd name="T22" fmla="*/ 561 w 785"/>
+                <a:gd name="T23" fmla="*/ 692 h 692"/>
+                <a:gd name="T24" fmla="*/ 225 w 785"/>
+                <a:gd name="T25" fmla="*/ 692 h 692"/>
+              </a:gdLst>
+              <a:ahLst/>
+              <a:cxnLst>
+                <a:cxn ang="0">
+                  <a:pos x="T0" y="T1"/>
+                </a:cxn>
+                <a:cxn ang="0">
+                  <a:pos x="T2" y="T3"/>
+                </a:cxn>
+                <a:cxn ang="0">
+                  <a:pos x="T4" y="T5"/>
+                </a:cxn>
+                <a:cxn ang="0">
+                  <a:pos x="T6" y="T7"/>
+                </a:cxn>
+                <a:cxn ang="0">
+                  <a:pos x="T8" y="T9"/>
+                </a:cxn>
+                <a:cxn ang="0">
+                  <a:pos x="T10" y="T11"/>
+                </a:cxn>
+                <a:cxn ang="0">
+                  <a:pos x="T12" y="T13"/>
+                </a:cxn>
+                <a:cxn ang="0">
+                  <a:pos x="T14" y="T15"/>
+                </a:cxn>
+                <a:cxn ang="0">
+                  <a:pos x="T16" y="T17"/>
+                </a:cxn>
+                <a:cxn ang="0">
+                  <a:pos x="T18" y="T19"/>
+                </a:cxn>
+                <a:cxn ang="0">
+                  <a:pos x="T20" y="T21"/>
+                </a:cxn>
+                <a:cxn ang="0">
+                  <a:pos x="T22" y="T23"/>
+                </a:cxn>
+                <a:cxn ang="0">
+                  <a:pos x="T24" y="T25"/>
+                </a:cxn>
+              </a:cxnLst>
+              <a:rect l="0" t="0" r="r" b="b"/>
+              <a:pathLst>
+                <a:path w="785" h="692">
+                  <a:moveTo>
+                    <a:pt x="225" y="692"/>
+                  </a:moveTo>
+                  <a:cubicBezTo>
+                    <a:pt x="207" y="692"/>
+                    <a:pt x="185" y="680"/>
+                    <a:pt x="177" y="665"/>
+                  </a:cubicBezTo>
+                  <a:cubicBezTo>
+                    <a:pt x="9" y="374"/>
+                    <a:pt x="9" y="374"/>
+                    <a:pt x="9" y="374"/>
+                  </a:cubicBezTo>
+                  <a:cubicBezTo>
+                    <a:pt x="0" y="358"/>
+                    <a:pt x="0" y="334"/>
+                    <a:pt x="9" y="318"/>
+                  </a:cubicBezTo>
+                  <a:cubicBezTo>
+                    <a:pt x="177" y="27"/>
+                    <a:pt x="177" y="27"/>
+                    <a:pt x="177" y="27"/>
+                  </a:cubicBezTo>
+                  <a:cubicBezTo>
+                    <a:pt x="185" y="12"/>
+                    <a:pt x="207" y="0"/>
+                    <a:pt x="225" y="0"/>
+                  </a:cubicBezTo>
+                  <a:cubicBezTo>
+                    <a:pt x="561" y="0"/>
+                    <a:pt x="561" y="0"/>
+                    <a:pt x="561" y="0"/>
+                  </a:cubicBezTo>
+                  <a:cubicBezTo>
+                    <a:pt x="578" y="0"/>
+                    <a:pt x="600" y="12"/>
+                    <a:pt x="609" y="27"/>
+                  </a:cubicBezTo>
+                  <a:cubicBezTo>
+                    <a:pt x="777" y="318"/>
+                    <a:pt x="777" y="318"/>
+                    <a:pt x="777" y="318"/>
+                  </a:cubicBezTo>
+                  <a:cubicBezTo>
+                    <a:pt x="785" y="334"/>
+                    <a:pt x="785" y="358"/>
+                    <a:pt x="777" y="374"/>
+                  </a:cubicBezTo>
+                  <a:cubicBezTo>
+                    <a:pt x="609" y="665"/>
+                    <a:pt x="609" y="665"/>
+                    <a:pt x="609" y="665"/>
+                  </a:cubicBezTo>
+                  <a:cubicBezTo>
+                    <a:pt x="600" y="680"/>
+                    <a:pt x="578" y="692"/>
+                    <a:pt x="561" y="692"/>
+                  </a:cubicBezTo>
+                  <a:lnTo>
+                    <a:pt x="225" y="692"/>
+                  </a:lnTo>
+                  <a:close/>
+                </a:path>
+              </a:pathLst>
+            </a:custGeom>
+            <a:noFill/>
+            <a:ln w="28575" cmpd="sng">
+              <a:solidFill>
+                <a:schemeClr val="tx1"/>
+              </a:solidFill>
+            </a:ln>
+          </p:spPr>
+          <p:txBody>
+            <a:bodyPr vert="horz" wrap="square" lIns="91440" tIns="45720" rIns="91440" bIns="45720" numCol="1" anchor="t" anchorCtr="0" compatLnSpc="1">
+              <a:prstTxWarp prst="textNoShape">
+                <a:avLst/>
+              </a:prstTxWarp>
+            </a:bodyPr>
+            <a:lstStyle/>
+            <a:p>
+              <a:endParaRPr lang="en-US"/>
+            </a:p>
+          </p:txBody>
+        </p:sp>
+        <p:sp>
+          <p:nvSpPr>
+            <p:cNvPr id="14" name="Freeform 5">
+              <a:extLst>
+                <a:ext uri="{FF2B5EF4-FFF2-40B4-BE49-F238E27FC236}">
+                  <a16:creationId xmlns:a16="http://schemas.microsoft.com/office/drawing/2014/main" id="{48448472-893D-4CE9-9024-B0F79813BF2A}"/>
+                </a:ext>
+                <a:ext uri="{C183D7F6-B498-43B3-948B-1728B52AA6E4}">
+                  <adec:decorative xmlns:adec="http://schemas.microsoft.com/office/drawing/2017/decorative" val="1"/>
+                </a:ext>
+              </a:extLst>
+            </p:cNvPr>
+            <p:cNvSpPr>
+              <a:spLocks/>
+            </p:cNvSpPr>
+            <p:nvPr>
+              <p:extLst>
+                <p:ext uri="{386F3935-93C4-4BCD-93E2-E3B085C9AB24}">
+                  <p16:designElem xmlns:p16="http://schemas.microsoft.com/office/powerpoint/2015/main" val="1"/>
+                </p:ext>
+              </p:extLst>
+            </p:nvPr>
+          </p:nvSpPr>
+          <p:spPr bwMode="auto">
+            <a:xfrm>
+              <a:off x="8293221" y="1000124"/>
+              <a:ext cx="762167" cy="671915"/>
+            </a:xfrm>
+            <a:custGeom>
+              <a:avLst/>
+              <a:gdLst>
+                <a:gd name="T0" fmla="*/ 225 w 785"/>
+                <a:gd name="T1" fmla="*/ 692 h 692"/>
+                <a:gd name="T2" fmla="*/ 177 w 785"/>
+                <a:gd name="T3" fmla="*/ 665 h 692"/>
+                <a:gd name="T4" fmla="*/ 9 w 785"/>
+                <a:gd name="T5" fmla="*/ 374 h 692"/>
+                <a:gd name="T6" fmla="*/ 9 w 785"/>
+                <a:gd name="T7" fmla="*/ 318 h 692"/>
+                <a:gd name="T8" fmla="*/ 177 w 785"/>
+                <a:gd name="T9" fmla="*/ 27 h 692"/>
+                <a:gd name="T10" fmla="*/ 225 w 785"/>
+                <a:gd name="T11" fmla="*/ 0 h 692"/>
+                <a:gd name="T12" fmla="*/ 561 w 785"/>
+                <a:gd name="T13" fmla="*/ 0 h 692"/>
+                <a:gd name="T14" fmla="*/ 609 w 785"/>
+                <a:gd name="T15" fmla="*/ 27 h 692"/>
+                <a:gd name="T16" fmla="*/ 777 w 785"/>
+                <a:gd name="T17" fmla="*/ 318 h 692"/>
+                <a:gd name="T18" fmla="*/ 777 w 785"/>
+                <a:gd name="T19" fmla="*/ 374 h 692"/>
+                <a:gd name="T20" fmla="*/ 609 w 785"/>
+                <a:gd name="T21" fmla="*/ 665 h 692"/>
+                <a:gd name="T22" fmla="*/ 561 w 785"/>
+                <a:gd name="T23" fmla="*/ 692 h 692"/>
+                <a:gd name="T24" fmla="*/ 225 w 785"/>
+                <a:gd name="T25" fmla="*/ 692 h 692"/>
+              </a:gdLst>
+              <a:ahLst/>
+              <a:cxnLst>
+                <a:cxn ang="0">
+                  <a:pos x="T0" y="T1"/>
+                </a:cxn>
+                <a:cxn ang="0">
+                  <a:pos x="T2" y="T3"/>
+                </a:cxn>
+                <a:cxn ang="0">
+                  <a:pos x="T4" y="T5"/>
+                </a:cxn>
+                <a:cxn ang="0">
+                  <a:pos x="T6" y="T7"/>
+                </a:cxn>
+                <a:cxn ang="0">
+                  <a:pos x="T8" y="T9"/>
+                </a:cxn>
+                <a:cxn ang="0">
+                  <a:pos x="T10" y="T11"/>
+                </a:cxn>
+                <a:cxn ang="0">
+                  <a:pos x="T12" y="T13"/>
+                </a:cxn>
+                <a:cxn ang="0">
+                  <a:pos x="T14" y="T15"/>
+                </a:cxn>
+                <a:cxn ang="0">
+                  <a:pos x="T16" y="T17"/>
+                </a:cxn>
+                <a:cxn ang="0">
+                  <a:pos x="T18" y="T19"/>
+                </a:cxn>
+                <a:cxn ang="0">
+                  <a:pos x="T20" y="T21"/>
+                </a:cxn>
+                <a:cxn ang="0">
+                  <a:pos x="T22" y="T23"/>
+                </a:cxn>
+                <a:cxn ang="0">
+                  <a:pos x="T24" y="T25"/>
+                </a:cxn>
+              </a:cxnLst>
+              <a:rect l="0" t="0" r="r" b="b"/>
+              <a:pathLst>
+                <a:path w="785" h="692">
+                  <a:moveTo>
+                    <a:pt x="225" y="692"/>
+                  </a:moveTo>
+                  <a:cubicBezTo>
+                    <a:pt x="207" y="692"/>
+                    <a:pt x="185" y="680"/>
+                    <a:pt x="177" y="665"/>
+                  </a:cubicBezTo>
+                  <a:cubicBezTo>
+                    <a:pt x="9" y="374"/>
+                    <a:pt x="9" y="374"/>
+                    <a:pt x="9" y="374"/>
+                  </a:cubicBezTo>
+                  <a:cubicBezTo>
+                    <a:pt x="0" y="358"/>
+                    <a:pt x="0" y="334"/>
+                    <a:pt x="9" y="318"/>
+                  </a:cubicBezTo>
+                  <a:cubicBezTo>
+                    <a:pt x="177" y="27"/>
+                    <a:pt x="177" y="27"/>
+                    <a:pt x="177" y="27"/>
+                  </a:cubicBezTo>
+                  <a:cubicBezTo>
+                    <a:pt x="185" y="12"/>
+                    <a:pt x="207" y="0"/>
+                    <a:pt x="225" y="0"/>
+                  </a:cubicBezTo>
+                  <a:cubicBezTo>
+                    <a:pt x="561" y="0"/>
+                    <a:pt x="561" y="0"/>
+                    <a:pt x="561" y="0"/>
+                  </a:cubicBezTo>
+                  <a:cubicBezTo>
+                    <a:pt x="578" y="0"/>
+                    <a:pt x="600" y="12"/>
+                    <a:pt x="609" y="27"/>
+                  </a:cubicBezTo>
+                  <a:cubicBezTo>
+                    <a:pt x="777" y="318"/>
+                    <a:pt x="777" y="318"/>
+                    <a:pt x="777" y="318"/>
+                  </a:cubicBezTo>
+                  <a:cubicBezTo>
+                    <a:pt x="785" y="334"/>
+                    <a:pt x="785" y="358"/>
+                    <a:pt x="777" y="374"/>
+                  </a:cubicBezTo>
+                  <a:cubicBezTo>
+                    <a:pt x="609" y="665"/>
+                    <a:pt x="609" y="665"/>
+                    <a:pt x="609" y="665"/>
+                  </a:cubicBezTo>
+                  <a:cubicBezTo>
+                    <a:pt x="600" y="680"/>
+                    <a:pt x="578" y="692"/>
+                    <a:pt x="561" y="692"/>
+                  </a:cubicBezTo>
+                  <a:lnTo>
+                    <a:pt x="225" y="692"/>
+                  </a:lnTo>
+                  <a:close/>
+                </a:path>
+              </a:pathLst>
+            </a:custGeom>
+            <a:noFill/>
+            <a:ln w="28575" cmpd="sng">
+              <a:solidFill>
+                <a:schemeClr val="tx1"/>
+              </a:solidFill>
+            </a:ln>
+          </p:spPr>
+          <p:txBody>
+            <a:bodyPr vert="horz" wrap="square" lIns="91440" tIns="45720" rIns="91440" bIns="45720" numCol="1" anchor="t" anchorCtr="0" compatLnSpc="1">
+              <a:prstTxWarp prst="textNoShape">
+                <a:avLst/>
+              </a:prstTxWarp>
+            </a:bodyPr>
+            <a:lstStyle/>
+            <a:p>
+              <a:endParaRPr lang="en-US"/>
+            </a:p>
+          </p:txBody>
+        </p:sp>
+      </p:grpSp>
+      <p:sp>
+        <p:nvSpPr>
+          <p:cNvPr id="2" name="Title 1">
+            <a:extLst>
+              <a:ext uri="{FF2B5EF4-FFF2-40B4-BE49-F238E27FC236}">
+                <a16:creationId xmlns:a16="http://schemas.microsoft.com/office/drawing/2014/main" id="{ECD5F0A1-25F3-42C2-AEFC-1AC289FFD694}"/>
+              </a:ext>
+            </a:extLst>
+          </p:cNvPr>
+          <p:cNvSpPr>
+            <a:spLocks noGrp="1"/>
+          </p:cNvSpPr>
+          <p:nvPr>
+            <p:ph type="title"/>
+          </p:nvPr>
+        </p:nvSpPr>
+        <p:spPr>
+          <a:xfrm>
+            <a:off x="539414" y="1270007"/>
+            <a:ext cx="5845097" cy="4317987"/>
+          </a:xfrm>
+        </p:spPr>
+        <p:txBody>
+          <a:bodyPr vert="horz" lIns="91440" tIns="45720" rIns="91440" bIns="45720" rtlCol="0" anchor="ctr">
+            <a:normAutofit/>
+          </a:bodyPr>
+          <a:lstStyle/>
+          <a:p>
+            <a:pPr algn="r"/>
+            <a:r>
+              <a:rPr lang="en-US" sz="7200" kern="1200" dirty="0">
+                <a:solidFill>
+                  <a:schemeClr val="bg1"/>
+                </a:solidFill>
+                <a:latin typeface="+mj-lt"/>
+                <a:ea typeface="+mj-ea"/>
+                <a:cs typeface="+mj-cs"/>
+              </a:rPr>
+              <a:t>Supervised Analysis</a:t>
+            </a:r>
+          </a:p>
+        </p:txBody>
+      </p:sp>
+    </p:spTree>
+    <p:extLst>
+      <p:ext uri="{BB962C8B-B14F-4D97-AF65-F5344CB8AC3E}">
+        <p14:creationId xmlns:p14="http://schemas.microsoft.com/office/powerpoint/2010/main" val="2845539485"/>
+      </p:ext>
+    </p:extLst>
+  </p:cSld>
+  <p:clrMapOvr>
+    <a:masterClrMapping/>
+  </p:clrMapOvr>
+</p:sld>
+</file>
+
+<file path=ppt/slides/slide11.xml><?xml version="1.0" encoding="utf-8"?>
+<p:sld xmlns:a="http://schemas.openxmlformats.org/drawingml/2006/main" xmlns:r="http://schemas.openxmlformats.org/officeDocument/2006/relationships" xmlns:p="http://schemas.openxmlformats.org/presentationml/2006/main">
+  <p:cSld>
+    <p:bg>
+      <p:bgPr>
+        <a:solidFill>
+          <a:schemeClr val="bg1"/>
+        </a:solidFill>
+        <a:effectLst/>
+      </p:bgPr>
+    </p:bg>
+    <p:spTree>
+      <p:nvGrpSpPr>
+        <p:cNvPr id="1" name=""/>
+        <p:cNvGrpSpPr/>
+        <p:nvPr/>
+      </p:nvGrpSpPr>
+      <p:grpSpPr>
+        <a:xfrm>
+          <a:off x="0" y="0"/>
+          <a:ext cx="0" cy="0"/>
+          <a:chOff x="0" y="0"/>
+          <a:chExt cx="0" cy="0"/>
+        </a:xfrm>
+      </p:grpSpPr>
+      <p:sp useBgFill="1">
+        <p:nvSpPr>
+          <p:cNvPr id="8" name="Rectangle 7">
+            <a:extLst>
+              <a:ext uri="{FF2B5EF4-FFF2-40B4-BE49-F238E27FC236}">
                 <a16:creationId xmlns:a16="http://schemas.microsoft.com/office/drawing/2014/main" id="{33CD251C-A887-4D2F-925B-FC097198538B}"/>
               </a:ext>
               <a:ext uri="{C183D7F6-B498-43B3-948B-1728B52AA6E4}">
@@ -12917,7 +13613,743 @@
           <p:cNvPr id="2" name="Title 1">
             <a:extLst>
               <a:ext uri="{FF2B5EF4-FFF2-40B4-BE49-F238E27FC236}">
-                <a16:creationId xmlns:a16="http://schemas.microsoft.com/office/drawing/2014/main" id="{65E576FF-8041-47D0-8408-9206A5476684}"/>
+                <a16:creationId xmlns:a16="http://schemas.microsoft.com/office/drawing/2014/main" id="{04FE2D99-49C7-41E3-AB50-E93B050C33BE}"/>
+              </a:ext>
+            </a:extLst>
+          </p:cNvPr>
+          <p:cNvSpPr>
+            <a:spLocks noGrp="1"/>
+          </p:cNvSpPr>
+          <p:nvPr>
+            <p:ph type="title"/>
+          </p:nvPr>
+        </p:nvSpPr>
+        <p:spPr>
+          <a:xfrm>
+            <a:off x="767290" y="1166932"/>
+            <a:ext cx="3692743" cy="4279709"/>
+          </a:xfrm>
+        </p:spPr>
+        <p:txBody>
+          <a:bodyPr anchor="ctr">
+            <a:normAutofit/>
+          </a:bodyPr>
+          <a:lstStyle/>
+          <a:p>
+            <a:r>
+              <a:rPr lang="en-US" sz="4800" dirty="0">
+                <a:solidFill>
+                  <a:schemeClr val="bg1"/>
+                </a:solidFill>
+              </a:rPr>
+              <a:t>Preprocessing</a:t>
+            </a:r>
+          </a:p>
+        </p:txBody>
+      </p:sp>
+      <p:pic>
+        <p:nvPicPr>
+          <p:cNvPr id="5" name="Picture 4">
+            <a:extLst>
+              <a:ext uri="{FF2B5EF4-FFF2-40B4-BE49-F238E27FC236}">
+                <a16:creationId xmlns:a16="http://schemas.microsoft.com/office/drawing/2014/main" id="{E04845F3-78F6-48E2-8AE2-70B7D3539E89}"/>
+              </a:ext>
+            </a:extLst>
+          </p:cNvPr>
+          <p:cNvPicPr>
+            <a:picLocks noChangeAspect="1"/>
+          </p:cNvPicPr>
+          <p:nvPr/>
+        </p:nvPicPr>
+        <p:blipFill>
+          <a:blip r:embed="rId2"/>
+          <a:stretch>
+            <a:fillRect/>
+          </a:stretch>
+        </p:blipFill>
+        <p:spPr>
+          <a:xfrm>
+            <a:off x="4694548" y="2709400"/>
+            <a:ext cx="7097115" cy="1105054"/>
+          </a:xfrm>
+          <a:prstGeom prst="rect">
+            <a:avLst/>
+          </a:prstGeom>
+        </p:spPr>
+      </p:pic>
+      <p:pic>
+        <p:nvPicPr>
+          <p:cNvPr id="11" name="Picture 10">
+            <a:extLst>
+              <a:ext uri="{FF2B5EF4-FFF2-40B4-BE49-F238E27FC236}">
+                <a16:creationId xmlns:a16="http://schemas.microsoft.com/office/drawing/2014/main" id="{0A14F37F-B554-4426-9892-C452675CECD4}"/>
+              </a:ext>
+            </a:extLst>
+          </p:cNvPr>
+          <p:cNvPicPr>
+            <a:picLocks noChangeAspect="1"/>
+          </p:cNvPicPr>
+          <p:nvPr/>
+        </p:nvPicPr>
+        <p:blipFill>
+          <a:blip r:embed="rId3"/>
+          <a:stretch>
+            <a:fillRect/>
+          </a:stretch>
+        </p:blipFill>
+        <p:spPr>
+          <a:xfrm>
+            <a:off x="4708053" y="4679302"/>
+            <a:ext cx="7116168" cy="533474"/>
+          </a:xfrm>
+          <a:prstGeom prst="rect">
+            <a:avLst/>
+          </a:prstGeom>
+        </p:spPr>
+      </p:pic>
+      <p:sp>
+        <p:nvSpPr>
+          <p:cNvPr id="15" name="TextBox 14">
+            <a:extLst>
+              <a:ext uri="{FF2B5EF4-FFF2-40B4-BE49-F238E27FC236}">
+                <a16:creationId xmlns:a16="http://schemas.microsoft.com/office/drawing/2014/main" id="{A080007A-E0FA-438E-B242-459C7074A447}"/>
+              </a:ext>
+            </a:extLst>
+          </p:cNvPr>
+          <p:cNvSpPr txBox="1"/>
+          <p:nvPr/>
+        </p:nvSpPr>
+        <p:spPr>
+          <a:xfrm>
+            <a:off x="5369313" y="2063069"/>
+            <a:ext cx="5766637" cy="646331"/>
+          </a:xfrm>
+          <a:prstGeom prst="rect">
+            <a:avLst/>
+          </a:prstGeom>
+          <a:noFill/>
+        </p:spPr>
+        <p:txBody>
+          <a:bodyPr wrap="square" rtlCol="0">
+            <a:spAutoFit/>
+          </a:bodyPr>
+          <a:lstStyle/>
+          <a:p>
+            <a:r>
+              <a:rPr lang="en-US" dirty="0"/>
+              <a:t>Normalizing features and splitting them into training and validation sets with 8 to 2 training to validation ratio. </a:t>
+            </a:r>
+          </a:p>
+        </p:txBody>
+      </p:sp>
+      <p:sp>
+        <p:nvSpPr>
+          <p:cNvPr id="16" name="TextBox 15">
+            <a:extLst>
+              <a:ext uri="{FF2B5EF4-FFF2-40B4-BE49-F238E27FC236}">
+                <a16:creationId xmlns:a16="http://schemas.microsoft.com/office/drawing/2014/main" id="{545DFA09-2C8C-465D-85F0-4B8B40817899}"/>
+              </a:ext>
+            </a:extLst>
+          </p:cNvPr>
+          <p:cNvSpPr txBox="1"/>
+          <p:nvPr/>
+        </p:nvSpPr>
+        <p:spPr>
+          <a:xfrm>
+            <a:off x="5626359" y="4309970"/>
+            <a:ext cx="5112245" cy="369332"/>
+          </a:xfrm>
+          <a:prstGeom prst="rect">
+            <a:avLst/>
+          </a:prstGeom>
+          <a:noFill/>
+        </p:spPr>
+        <p:txBody>
+          <a:bodyPr wrap="square" rtlCol="0">
+            <a:spAutoFit/>
+          </a:bodyPr>
+          <a:lstStyle/>
+          <a:p>
+            <a:r>
+              <a:rPr lang="en-US" dirty="0"/>
+              <a:t>Lists to hold accuracies of each of the three models</a:t>
+            </a:r>
+          </a:p>
+        </p:txBody>
+      </p:sp>
+    </p:spTree>
+    <p:extLst>
+      <p:ext uri="{BB962C8B-B14F-4D97-AF65-F5344CB8AC3E}">
+        <p14:creationId xmlns:p14="http://schemas.microsoft.com/office/powerpoint/2010/main" val="2235975646"/>
+      </p:ext>
+    </p:extLst>
+  </p:cSld>
+  <p:clrMapOvr>
+    <a:masterClrMapping/>
+  </p:clrMapOvr>
+</p:sld>
+</file>
+
+<file path=ppt/slides/slide12.xml><?xml version="1.0" encoding="utf-8"?>
+<p:sld xmlns:a="http://schemas.openxmlformats.org/drawingml/2006/main" xmlns:r="http://schemas.openxmlformats.org/officeDocument/2006/relationships" xmlns:p="http://schemas.openxmlformats.org/presentationml/2006/main">
+  <p:cSld>
+    <p:bg>
+      <p:bgPr>
+        <a:solidFill>
+          <a:schemeClr val="bg1"/>
+        </a:solidFill>
+        <a:effectLst/>
+      </p:bgPr>
+    </p:bg>
+    <p:spTree>
+      <p:nvGrpSpPr>
+        <p:cNvPr id="1" name=""/>
+        <p:cNvGrpSpPr/>
+        <p:nvPr/>
+      </p:nvGrpSpPr>
+      <p:grpSpPr>
+        <a:xfrm>
+          <a:off x="0" y="0"/>
+          <a:ext cx="0" cy="0"/>
+          <a:chOff x="0" y="0"/>
+          <a:chExt cx="0" cy="0"/>
+        </a:xfrm>
+      </p:grpSpPr>
+      <p:sp useBgFill="1">
+        <p:nvSpPr>
+          <p:cNvPr id="17" name="Rectangle 16">
+            <a:extLst>
+              <a:ext uri="{FF2B5EF4-FFF2-40B4-BE49-F238E27FC236}">
+                <a16:creationId xmlns:a16="http://schemas.microsoft.com/office/drawing/2014/main" id="{33CD251C-A887-4D2F-925B-FC097198538B}"/>
+              </a:ext>
+              <a:ext uri="{C183D7F6-B498-43B3-948B-1728B52AA6E4}">
+                <adec:decorative xmlns:adec="http://schemas.microsoft.com/office/drawing/2017/decorative" val="1"/>
+              </a:ext>
+            </a:extLst>
+          </p:cNvPr>
+          <p:cNvSpPr>
+            <a:spLocks noGrp="1" noRot="1" noChangeAspect="1" noMove="1" noResize="1" noEditPoints="1" noAdjustHandles="1" noChangeArrowheads="1" noChangeShapeType="1" noTextEdit="1"/>
+          </p:cNvSpPr>
+          <p:nvPr>
+            <p:extLst>
+              <p:ext uri="{386F3935-93C4-4BCD-93E2-E3B085C9AB24}">
+                <p16:designElem xmlns:p16="http://schemas.microsoft.com/office/powerpoint/2015/main" val="1"/>
+              </p:ext>
+            </p:extLst>
+          </p:nvPr>
+        </p:nvSpPr>
+        <p:spPr>
+          <a:xfrm>
+            <a:off x="0" y="0"/>
+            <a:ext cx="12192000" cy="6858000"/>
+          </a:xfrm>
+          <a:prstGeom prst="rect">
+            <a:avLst/>
+          </a:prstGeom>
+          <a:ln>
+            <a:noFill/>
+          </a:ln>
+        </p:spPr>
+        <p:style>
+          <a:lnRef idx="2">
+            <a:schemeClr val="accent1">
+              <a:shade val="50000"/>
+            </a:schemeClr>
+          </a:lnRef>
+          <a:fillRef idx="1">
+            <a:schemeClr val="accent1"/>
+          </a:fillRef>
+          <a:effectRef idx="0">
+            <a:schemeClr val="accent1"/>
+          </a:effectRef>
+          <a:fontRef idx="minor">
+            <a:schemeClr val="lt1"/>
+          </a:fontRef>
+        </p:style>
+        <p:txBody>
+          <a:bodyPr rtlCol="0" anchor="ctr"/>
+          <a:lstStyle/>
+          <a:p>
+            <a:pPr algn="ctr"/>
+            <a:endParaRPr lang="en-US"/>
+          </a:p>
+        </p:txBody>
+      </p:sp>
+      <p:sp>
+        <p:nvSpPr>
+          <p:cNvPr id="19" name="Rectangle 18">
+            <a:extLst>
+              <a:ext uri="{FF2B5EF4-FFF2-40B4-BE49-F238E27FC236}">
+                <a16:creationId xmlns:a16="http://schemas.microsoft.com/office/drawing/2014/main" id="{B19D093C-27FB-4032-B282-42C4563F257C}"/>
+              </a:ext>
+              <a:ext uri="{C183D7F6-B498-43B3-948B-1728B52AA6E4}">
+                <adec:decorative xmlns:adec="http://schemas.microsoft.com/office/drawing/2017/decorative" val="1"/>
+              </a:ext>
+            </a:extLst>
+          </p:cNvPr>
+          <p:cNvSpPr>
+            <a:spLocks noGrp="1" noRot="1" noChangeAspect="1" noMove="1" noResize="1" noEditPoints="1" noAdjustHandles="1" noChangeArrowheads="1" noChangeShapeType="1" noTextEdit="1"/>
+          </p:cNvSpPr>
+          <p:nvPr>
+            <p:extLst>
+              <p:ext uri="{386F3935-93C4-4BCD-93E2-E3B085C9AB24}">
+                <p16:designElem xmlns:p16="http://schemas.microsoft.com/office/powerpoint/2015/main" val="1"/>
+              </p:ext>
+            </p:extLst>
+          </p:nvPr>
+        </p:nvSpPr>
+        <p:spPr>
+          <a:xfrm>
+            <a:off x="0" y="0"/>
+            <a:ext cx="4694548" cy="6858000"/>
+          </a:xfrm>
+          <a:prstGeom prst="rect">
+            <a:avLst/>
+          </a:prstGeom>
+          <a:solidFill>
+            <a:schemeClr val="tx1"/>
+          </a:solidFill>
+          <a:ln>
+            <a:noFill/>
+          </a:ln>
+        </p:spPr>
+        <p:style>
+          <a:lnRef idx="2">
+            <a:schemeClr val="accent1">
+              <a:shade val="50000"/>
+            </a:schemeClr>
+          </a:lnRef>
+          <a:fillRef idx="1">
+            <a:schemeClr val="accent1"/>
+          </a:fillRef>
+          <a:effectRef idx="0">
+            <a:schemeClr val="accent1"/>
+          </a:effectRef>
+          <a:fontRef idx="minor">
+            <a:schemeClr val="lt1"/>
+          </a:fontRef>
+        </p:style>
+        <p:txBody>
+          <a:bodyPr rtlCol="0" anchor="ctr"/>
+          <a:lstStyle/>
+          <a:p>
+            <a:pPr algn="ctr"/>
+            <a:endParaRPr lang="en-US"/>
+          </a:p>
+        </p:txBody>
+      </p:sp>
+      <p:grpSp>
+        <p:nvGrpSpPr>
+          <p:cNvPr id="21" name="Group 20">
+            <a:extLst>
+              <a:ext uri="{FF2B5EF4-FFF2-40B4-BE49-F238E27FC236}">
+                <a16:creationId xmlns:a16="http://schemas.microsoft.com/office/drawing/2014/main" id="{35EE815E-1BD3-4777-B652-6D98825BF66B}"/>
+              </a:ext>
+              <a:ext uri="{C183D7F6-B498-43B3-948B-1728B52AA6E4}">
+                <adec:decorative xmlns:adec="http://schemas.microsoft.com/office/drawing/2017/decorative" val="1"/>
+              </a:ext>
+            </a:extLst>
+          </p:cNvPr>
+          <p:cNvGrpSpPr>
+            <a:grpSpLocks noGrp="1" noUngrp="1" noRot="1" noChangeAspect="1" noMove="1" noResize="1"/>
+          </p:cNvGrpSpPr>
+          <p:nvPr>
+            <p:extLst>
+              <p:ext uri="{386F3935-93C4-4BCD-93E2-E3B085C9AB24}">
+                <p16:designElem xmlns:p16="http://schemas.microsoft.com/office/powerpoint/2015/main" val="1"/>
+              </p:ext>
+            </p:extLst>
+          </p:nvPr>
+        </p:nvGrpSpPr>
+        <p:grpSpPr>
+          <a:xfrm>
+            <a:off x="767290" y="681628"/>
+            <a:ext cx="1128382" cy="847206"/>
+            <a:chOff x="668003" y="1684057"/>
+            <a:chExt cx="1128382" cy="847206"/>
+          </a:xfrm>
+        </p:grpSpPr>
+        <p:sp>
+          <p:nvSpPr>
+            <p:cNvPr id="22" name="Freeform 5">
+              <a:extLst>
+                <a:ext uri="{FF2B5EF4-FFF2-40B4-BE49-F238E27FC236}">
+                  <a16:creationId xmlns:a16="http://schemas.microsoft.com/office/drawing/2014/main" id="{E6692982-4A7D-4392-87CD-F0CD4B027DDE}"/>
+                </a:ext>
+                <a:ext uri="{C183D7F6-B498-43B3-948B-1728B52AA6E4}">
+                  <adec:decorative xmlns:adec="http://schemas.microsoft.com/office/drawing/2017/decorative" val="1"/>
+                </a:ext>
+              </a:extLst>
+            </p:cNvPr>
+            <p:cNvSpPr>
+              <a:spLocks/>
+            </p:cNvSpPr>
+            <p:nvPr>
+              <p:extLst>
+                <p:ext uri="{386F3935-93C4-4BCD-93E2-E3B085C9AB24}">
+                  <p16:designElem xmlns:p16="http://schemas.microsoft.com/office/powerpoint/2015/main" val="1"/>
+                </p:ext>
+              </p:extLst>
+            </p:nvPr>
+          </p:nvSpPr>
+          <p:spPr bwMode="auto">
+            <a:xfrm>
+              <a:off x="668003" y="1935883"/>
+              <a:ext cx="675351" cy="595380"/>
+            </a:xfrm>
+            <a:custGeom>
+              <a:avLst/>
+              <a:gdLst>
+                <a:gd name="T0" fmla="*/ 225 w 785"/>
+                <a:gd name="T1" fmla="*/ 692 h 692"/>
+                <a:gd name="T2" fmla="*/ 177 w 785"/>
+                <a:gd name="T3" fmla="*/ 665 h 692"/>
+                <a:gd name="T4" fmla="*/ 9 w 785"/>
+                <a:gd name="T5" fmla="*/ 374 h 692"/>
+                <a:gd name="T6" fmla="*/ 9 w 785"/>
+                <a:gd name="T7" fmla="*/ 318 h 692"/>
+                <a:gd name="T8" fmla="*/ 177 w 785"/>
+                <a:gd name="T9" fmla="*/ 27 h 692"/>
+                <a:gd name="T10" fmla="*/ 225 w 785"/>
+                <a:gd name="T11" fmla="*/ 0 h 692"/>
+                <a:gd name="T12" fmla="*/ 561 w 785"/>
+                <a:gd name="T13" fmla="*/ 0 h 692"/>
+                <a:gd name="T14" fmla="*/ 609 w 785"/>
+                <a:gd name="T15" fmla="*/ 27 h 692"/>
+                <a:gd name="T16" fmla="*/ 777 w 785"/>
+                <a:gd name="T17" fmla="*/ 318 h 692"/>
+                <a:gd name="T18" fmla="*/ 777 w 785"/>
+                <a:gd name="T19" fmla="*/ 374 h 692"/>
+                <a:gd name="T20" fmla="*/ 609 w 785"/>
+                <a:gd name="T21" fmla="*/ 665 h 692"/>
+                <a:gd name="T22" fmla="*/ 561 w 785"/>
+                <a:gd name="T23" fmla="*/ 692 h 692"/>
+                <a:gd name="T24" fmla="*/ 225 w 785"/>
+                <a:gd name="T25" fmla="*/ 692 h 692"/>
+              </a:gdLst>
+              <a:ahLst/>
+              <a:cxnLst>
+                <a:cxn ang="0">
+                  <a:pos x="T0" y="T1"/>
+                </a:cxn>
+                <a:cxn ang="0">
+                  <a:pos x="T2" y="T3"/>
+                </a:cxn>
+                <a:cxn ang="0">
+                  <a:pos x="T4" y="T5"/>
+                </a:cxn>
+                <a:cxn ang="0">
+                  <a:pos x="T6" y="T7"/>
+                </a:cxn>
+                <a:cxn ang="0">
+                  <a:pos x="T8" y="T9"/>
+                </a:cxn>
+                <a:cxn ang="0">
+                  <a:pos x="T10" y="T11"/>
+                </a:cxn>
+                <a:cxn ang="0">
+                  <a:pos x="T12" y="T13"/>
+                </a:cxn>
+                <a:cxn ang="0">
+                  <a:pos x="T14" y="T15"/>
+                </a:cxn>
+                <a:cxn ang="0">
+                  <a:pos x="T16" y="T17"/>
+                </a:cxn>
+                <a:cxn ang="0">
+                  <a:pos x="T18" y="T19"/>
+                </a:cxn>
+                <a:cxn ang="0">
+                  <a:pos x="T20" y="T21"/>
+                </a:cxn>
+                <a:cxn ang="0">
+                  <a:pos x="T22" y="T23"/>
+                </a:cxn>
+                <a:cxn ang="0">
+                  <a:pos x="T24" y="T25"/>
+                </a:cxn>
+              </a:cxnLst>
+              <a:rect l="0" t="0" r="r" b="b"/>
+              <a:pathLst>
+                <a:path w="785" h="692">
+                  <a:moveTo>
+                    <a:pt x="225" y="692"/>
+                  </a:moveTo>
+                  <a:cubicBezTo>
+                    <a:pt x="207" y="692"/>
+                    <a:pt x="185" y="680"/>
+                    <a:pt x="177" y="665"/>
+                  </a:cubicBezTo>
+                  <a:cubicBezTo>
+                    <a:pt x="9" y="374"/>
+                    <a:pt x="9" y="374"/>
+                    <a:pt x="9" y="374"/>
+                  </a:cubicBezTo>
+                  <a:cubicBezTo>
+                    <a:pt x="0" y="358"/>
+                    <a:pt x="0" y="334"/>
+                    <a:pt x="9" y="318"/>
+                  </a:cubicBezTo>
+                  <a:cubicBezTo>
+                    <a:pt x="177" y="27"/>
+                    <a:pt x="177" y="27"/>
+                    <a:pt x="177" y="27"/>
+                  </a:cubicBezTo>
+                  <a:cubicBezTo>
+                    <a:pt x="185" y="12"/>
+                    <a:pt x="207" y="0"/>
+                    <a:pt x="225" y="0"/>
+                  </a:cubicBezTo>
+                  <a:cubicBezTo>
+                    <a:pt x="561" y="0"/>
+                    <a:pt x="561" y="0"/>
+                    <a:pt x="561" y="0"/>
+                  </a:cubicBezTo>
+                  <a:cubicBezTo>
+                    <a:pt x="578" y="0"/>
+                    <a:pt x="600" y="12"/>
+                    <a:pt x="609" y="27"/>
+                  </a:cubicBezTo>
+                  <a:cubicBezTo>
+                    <a:pt x="777" y="318"/>
+                    <a:pt x="777" y="318"/>
+                    <a:pt x="777" y="318"/>
+                  </a:cubicBezTo>
+                  <a:cubicBezTo>
+                    <a:pt x="785" y="334"/>
+                    <a:pt x="785" y="358"/>
+                    <a:pt x="777" y="374"/>
+                  </a:cubicBezTo>
+                  <a:cubicBezTo>
+                    <a:pt x="609" y="665"/>
+                    <a:pt x="609" y="665"/>
+                    <a:pt x="609" y="665"/>
+                  </a:cubicBezTo>
+                  <a:cubicBezTo>
+                    <a:pt x="600" y="680"/>
+                    <a:pt x="578" y="692"/>
+                    <a:pt x="561" y="692"/>
+                  </a:cubicBezTo>
+                  <a:lnTo>
+                    <a:pt x="225" y="692"/>
+                  </a:lnTo>
+                  <a:close/>
+                </a:path>
+              </a:pathLst>
+            </a:custGeom>
+            <a:noFill/>
+            <a:ln w="28575" cmpd="sng">
+              <a:solidFill>
+                <a:schemeClr val="bg1"/>
+              </a:solidFill>
+            </a:ln>
+          </p:spPr>
+          <p:txBody>
+            <a:bodyPr vert="horz" wrap="square" lIns="91440" tIns="45720" rIns="91440" bIns="45720" numCol="1" anchor="t" anchorCtr="0" compatLnSpc="1">
+              <a:prstTxWarp prst="textNoShape">
+                <a:avLst/>
+              </a:prstTxWarp>
+            </a:bodyPr>
+            <a:lstStyle/>
+            <a:p>
+              <a:endParaRPr lang="en-US"/>
+            </a:p>
+          </p:txBody>
+        </p:sp>
+        <p:sp>
+          <p:nvSpPr>
+            <p:cNvPr id="27" name="Freeform 5">
+              <a:extLst>
+                <a:ext uri="{FF2B5EF4-FFF2-40B4-BE49-F238E27FC236}">
+                  <a16:creationId xmlns:a16="http://schemas.microsoft.com/office/drawing/2014/main" id="{196485F7-F277-4123-AC53-98EA4C858774}"/>
+                </a:ext>
+                <a:ext uri="{C183D7F6-B498-43B3-948B-1728B52AA6E4}">
+                  <adec:decorative xmlns:adec="http://schemas.microsoft.com/office/drawing/2017/decorative" val="1"/>
+                </a:ext>
+              </a:extLst>
+            </p:cNvPr>
+            <p:cNvSpPr>
+              <a:spLocks/>
+            </p:cNvSpPr>
+            <p:nvPr>
+              <p:extLst>
+                <p:ext uri="{386F3935-93C4-4BCD-93E2-E3B085C9AB24}">
+                  <p16:designElem xmlns:p16="http://schemas.microsoft.com/office/powerpoint/2015/main" val="1"/>
+                </p:ext>
+              </p:extLst>
+            </p:nvPr>
+          </p:nvSpPr>
+          <p:spPr bwMode="auto">
+            <a:xfrm>
+              <a:off x="1245893" y="1684057"/>
+              <a:ext cx="550492" cy="485306"/>
+            </a:xfrm>
+            <a:custGeom>
+              <a:avLst/>
+              <a:gdLst>
+                <a:gd name="T0" fmla="*/ 225 w 785"/>
+                <a:gd name="T1" fmla="*/ 692 h 692"/>
+                <a:gd name="T2" fmla="*/ 177 w 785"/>
+                <a:gd name="T3" fmla="*/ 665 h 692"/>
+                <a:gd name="T4" fmla="*/ 9 w 785"/>
+                <a:gd name="T5" fmla="*/ 374 h 692"/>
+                <a:gd name="T6" fmla="*/ 9 w 785"/>
+                <a:gd name="T7" fmla="*/ 318 h 692"/>
+                <a:gd name="T8" fmla="*/ 177 w 785"/>
+                <a:gd name="T9" fmla="*/ 27 h 692"/>
+                <a:gd name="T10" fmla="*/ 225 w 785"/>
+                <a:gd name="T11" fmla="*/ 0 h 692"/>
+                <a:gd name="T12" fmla="*/ 561 w 785"/>
+                <a:gd name="T13" fmla="*/ 0 h 692"/>
+                <a:gd name="T14" fmla="*/ 609 w 785"/>
+                <a:gd name="T15" fmla="*/ 27 h 692"/>
+                <a:gd name="T16" fmla="*/ 777 w 785"/>
+                <a:gd name="T17" fmla="*/ 318 h 692"/>
+                <a:gd name="T18" fmla="*/ 777 w 785"/>
+                <a:gd name="T19" fmla="*/ 374 h 692"/>
+                <a:gd name="T20" fmla="*/ 609 w 785"/>
+                <a:gd name="T21" fmla="*/ 665 h 692"/>
+                <a:gd name="T22" fmla="*/ 561 w 785"/>
+                <a:gd name="T23" fmla="*/ 692 h 692"/>
+                <a:gd name="T24" fmla="*/ 225 w 785"/>
+                <a:gd name="T25" fmla="*/ 692 h 692"/>
+              </a:gdLst>
+              <a:ahLst/>
+              <a:cxnLst>
+                <a:cxn ang="0">
+                  <a:pos x="T0" y="T1"/>
+                </a:cxn>
+                <a:cxn ang="0">
+                  <a:pos x="T2" y="T3"/>
+                </a:cxn>
+                <a:cxn ang="0">
+                  <a:pos x="T4" y="T5"/>
+                </a:cxn>
+                <a:cxn ang="0">
+                  <a:pos x="T6" y="T7"/>
+                </a:cxn>
+                <a:cxn ang="0">
+                  <a:pos x="T8" y="T9"/>
+                </a:cxn>
+                <a:cxn ang="0">
+                  <a:pos x="T10" y="T11"/>
+                </a:cxn>
+                <a:cxn ang="0">
+                  <a:pos x="T12" y="T13"/>
+                </a:cxn>
+                <a:cxn ang="0">
+                  <a:pos x="T14" y="T15"/>
+                </a:cxn>
+                <a:cxn ang="0">
+                  <a:pos x="T16" y="T17"/>
+                </a:cxn>
+                <a:cxn ang="0">
+                  <a:pos x="T18" y="T19"/>
+                </a:cxn>
+                <a:cxn ang="0">
+                  <a:pos x="T20" y="T21"/>
+                </a:cxn>
+                <a:cxn ang="0">
+                  <a:pos x="T22" y="T23"/>
+                </a:cxn>
+                <a:cxn ang="0">
+                  <a:pos x="T24" y="T25"/>
+                </a:cxn>
+              </a:cxnLst>
+              <a:rect l="0" t="0" r="r" b="b"/>
+              <a:pathLst>
+                <a:path w="785" h="692">
+                  <a:moveTo>
+                    <a:pt x="225" y="692"/>
+                  </a:moveTo>
+                  <a:cubicBezTo>
+                    <a:pt x="207" y="692"/>
+                    <a:pt x="185" y="680"/>
+                    <a:pt x="177" y="665"/>
+                  </a:cubicBezTo>
+                  <a:cubicBezTo>
+                    <a:pt x="9" y="374"/>
+                    <a:pt x="9" y="374"/>
+                    <a:pt x="9" y="374"/>
+                  </a:cubicBezTo>
+                  <a:cubicBezTo>
+                    <a:pt x="0" y="358"/>
+                    <a:pt x="0" y="334"/>
+                    <a:pt x="9" y="318"/>
+                  </a:cubicBezTo>
+                  <a:cubicBezTo>
+                    <a:pt x="177" y="27"/>
+                    <a:pt x="177" y="27"/>
+                    <a:pt x="177" y="27"/>
+                  </a:cubicBezTo>
+                  <a:cubicBezTo>
+                    <a:pt x="185" y="12"/>
+                    <a:pt x="207" y="0"/>
+                    <a:pt x="225" y="0"/>
+                  </a:cubicBezTo>
+                  <a:cubicBezTo>
+                    <a:pt x="561" y="0"/>
+                    <a:pt x="561" y="0"/>
+                    <a:pt x="561" y="0"/>
+                  </a:cubicBezTo>
+                  <a:cubicBezTo>
+                    <a:pt x="578" y="0"/>
+                    <a:pt x="600" y="12"/>
+                    <a:pt x="609" y="27"/>
+                  </a:cubicBezTo>
+                  <a:cubicBezTo>
+                    <a:pt x="777" y="318"/>
+                    <a:pt x="777" y="318"/>
+                    <a:pt x="777" y="318"/>
+                  </a:cubicBezTo>
+                  <a:cubicBezTo>
+                    <a:pt x="785" y="334"/>
+                    <a:pt x="785" y="358"/>
+                    <a:pt x="777" y="374"/>
+                  </a:cubicBezTo>
+                  <a:cubicBezTo>
+                    <a:pt x="609" y="665"/>
+                    <a:pt x="609" y="665"/>
+                    <a:pt x="609" y="665"/>
+                  </a:cubicBezTo>
+                  <a:cubicBezTo>
+                    <a:pt x="600" y="680"/>
+                    <a:pt x="578" y="692"/>
+                    <a:pt x="561" y="692"/>
+                  </a:cubicBezTo>
+                  <a:lnTo>
+                    <a:pt x="225" y="692"/>
+                  </a:lnTo>
+                  <a:close/>
+                </a:path>
+              </a:pathLst>
+            </a:custGeom>
+            <a:noFill/>
+            <a:ln w="28575" cmpd="sng">
+              <a:solidFill>
+                <a:schemeClr val="bg1"/>
+              </a:solidFill>
+            </a:ln>
+          </p:spPr>
+          <p:txBody>
+            <a:bodyPr vert="horz" wrap="square" lIns="91440" tIns="45720" rIns="91440" bIns="45720" numCol="1" anchor="t" anchorCtr="0" compatLnSpc="1">
+              <a:prstTxWarp prst="textNoShape">
+                <a:avLst/>
+              </a:prstTxWarp>
+            </a:bodyPr>
+            <a:lstStyle/>
+            <a:p>
+              <a:endParaRPr lang="en-US"/>
+            </a:p>
+          </p:txBody>
+        </p:sp>
+      </p:grpSp>
+      <p:sp>
+        <p:nvSpPr>
+          <p:cNvPr id="2" name="Title 1">
+            <a:extLst>
+              <a:ext uri="{FF2B5EF4-FFF2-40B4-BE49-F238E27FC236}">
+                <a16:creationId xmlns:a16="http://schemas.microsoft.com/office/drawing/2014/main" id="{D2E1C42A-F6A8-4097-97E4-364CC28E6C8D}"/>
               </a:ext>
             </a:extLst>
           </p:cNvPr>
@@ -12946,7 +14378,7 @@
                   <a:schemeClr val="bg1"/>
                 </a:solidFill>
               </a:rPr>
-              <a:t>SVM</a:t>
+              <a:t>Linear Logistic Regression</a:t>
             </a:r>
           </a:p>
         </p:txBody>
@@ -12956,7 +14388,7 @@
           <p:cNvPr id="5" name="Picture 4">
             <a:extLst>
               <a:ext uri="{FF2B5EF4-FFF2-40B4-BE49-F238E27FC236}">
-                <a16:creationId xmlns:a16="http://schemas.microsoft.com/office/drawing/2014/main" id="{830846E4-932A-44DC-A5D4-97052AF36495}"/>
+                <a16:creationId xmlns:a16="http://schemas.microsoft.com/office/drawing/2014/main" id="{DAB70133-3DA9-4925-A02D-DF7E25F2FCD6}"/>
               </a:ext>
             </a:extLst>
           </p:cNvPr>
@@ -12973,8 +14405,8 @@
         </p:blipFill>
         <p:spPr>
           <a:xfrm>
-            <a:off x="4694548" y="2178729"/>
-            <a:ext cx="7497452" cy="2256114"/>
+            <a:off x="4694548" y="2382158"/>
+            <a:ext cx="7497452" cy="1814670"/>
           </a:xfrm>
           <a:prstGeom prst="rect">
             <a:avLst/>
@@ -12984,7 +14416,7 @@
     </p:spTree>
     <p:extLst>
       <p:ext uri="{BB962C8B-B14F-4D97-AF65-F5344CB8AC3E}">
-        <p14:creationId xmlns:p14="http://schemas.microsoft.com/office/powerpoint/2010/main" val="3439758523"/>
+        <p14:creationId xmlns:p14="http://schemas.microsoft.com/office/powerpoint/2010/main" val="3853422498"/>
       </p:ext>
     </p:extLst>
   </p:cSld>
@@ -12994,7 +14426,7 @@
 </p:sld>
 </file>
 
-<file path=ppt/slides/slide11.xml><?xml version="1.0" encoding="utf-8"?>
+<file path=ppt/slides/slide13.xml><?xml version="1.0" encoding="utf-8"?>
 <p:sld xmlns:a="http://schemas.openxmlformats.org/drawingml/2006/main" xmlns:r="http://schemas.openxmlformats.org/officeDocument/2006/relationships" xmlns:p="http://schemas.openxmlformats.org/presentationml/2006/main">
   <p:cSld>
     <p:bg>
@@ -13553,7 +14985,7 @@
           <p:cNvPr id="2" name="Title 1">
             <a:extLst>
               <a:ext uri="{FF2B5EF4-FFF2-40B4-BE49-F238E27FC236}">
-                <a16:creationId xmlns:a16="http://schemas.microsoft.com/office/drawing/2014/main" id="{C4F198A7-5524-41BB-9C01-40FE5E3CAFE4}"/>
+                <a16:creationId xmlns:a16="http://schemas.microsoft.com/office/drawing/2014/main" id="{65E576FF-8041-47D0-8408-9206A5476684}"/>
               </a:ext>
             </a:extLst>
           </p:cNvPr>
@@ -13582,7 +15014,7 @@
                   <a:schemeClr val="bg1"/>
                 </a:solidFill>
               </a:rPr>
-              <a:t>Neural Networks</a:t>
+              <a:t>SVM</a:t>
             </a:r>
           </a:p>
         </p:txBody>
@@ -13592,7 +15024,7 @@
           <p:cNvPr id="5" name="Picture 4">
             <a:extLst>
               <a:ext uri="{FF2B5EF4-FFF2-40B4-BE49-F238E27FC236}">
-                <a16:creationId xmlns:a16="http://schemas.microsoft.com/office/drawing/2014/main" id="{8F29C9F0-88CE-487D-882C-CC0B0C2ECA76}"/>
+                <a16:creationId xmlns:a16="http://schemas.microsoft.com/office/drawing/2014/main" id="{830846E4-932A-44DC-A5D4-97052AF36495}"/>
               </a:ext>
             </a:extLst>
           </p:cNvPr>
@@ -13609,8 +15041,8 @@
         </p:blipFill>
         <p:spPr>
           <a:xfrm>
-            <a:off x="4694548" y="2450166"/>
-            <a:ext cx="7497452" cy="1957668"/>
+            <a:off x="4694548" y="2178729"/>
+            <a:ext cx="7497452" cy="2256114"/>
           </a:xfrm>
           <a:prstGeom prst="rect">
             <a:avLst/>
@@ -13620,7 +15052,7 @@
     </p:spTree>
     <p:extLst>
       <p:ext uri="{BB962C8B-B14F-4D97-AF65-F5344CB8AC3E}">
-        <p14:creationId xmlns:p14="http://schemas.microsoft.com/office/powerpoint/2010/main" val="739506208"/>
+        <p14:creationId xmlns:p14="http://schemas.microsoft.com/office/powerpoint/2010/main" val="3439758523"/>
       </p:ext>
     </p:extLst>
   </p:cSld>
@@ -13630,7 +15062,7 @@
 </p:sld>
 </file>
 
-<file path=ppt/slides/slide12.xml><?xml version="1.0" encoding="utf-8"?>
+<file path=ppt/slides/slide14.xml><?xml version="1.0" encoding="utf-8"?>
 <p:sld xmlns:a="http://schemas.openxmlformats.org/drawingml/2006/main" xmlns:r="http://schemas.openxmlformats.org/officeDocument/2006/relationships" xmlns:p="http://schemas.openxmlformats.org/presentationml/2006/main">
   <p:cSld>
     <p:bg>
@@ -14189,6 +15621,642 @@
           <p:cNvPr id="2" name="Title 1">
             <a:extLst>
               <a:ext uri="{FF2B5EF4-FFF2-40B4-BE49-F238E27FC236}">
+                <a16:creationId xmlns:a16="http://schemas.microsoft.com/office/drawing/2014/main" id="{C4F198A7-5524-41BB-9C01-40FE5E3CAFE4}"/>
+              </a:ext>
+            </a:extLst>
+          </p:cNvPr>
+          <p:cNvSpPr>
+            <a:spLocks noGrp="1"/>
+          </p:cNvSpPr>
+          <p:nvPr>
+            <p:ph type="title"/>
+          </p:nvPr>
+        </p:nvSpPr>
+        <p:spPr>
+          <a:xfrm>
+            <a:off x="767290" y="1166932"/>
+            <a:ext cx="3582073" cy="4279709"/>
+          </a:xfrm>
+        </p:spPr>
+        <p:txBody>
+          <a:bodyPr anchor="ctr">
+            <a:normAutofit/>
+          </a:bodyPr>
+          <a:lstStyle/>
+          <a:p>
+            <a:r>
+              <a:rPr lang="en-US" sz="4800" dirty="0">
+                <a:solidFill>
+                  <a:schemeClr val="bg1"/>
+                </a:solidFill>
+              </a:rPr>
+              <a:t>Neural Networks</a:t>
+            </a:r>
+          </a:p>
+        </p:txBody>
+      </p:sp>
+      <p:pic>
+        <p:nvPicPr>
+          <p:cNvPr id="5" name="Picture 4">
+            <a:extLst>
+              <a:ext uri="{FF2B5EF4-FFF2-40B4-BE49-F238E27FC236}">
+                <a16:creationId xmlns:a16="http://schemas.microsoft.com/office/drawing/2014/main" id="{8F29C9F0-88CE-487D-882C-CC0B0C2ECA76}"/>
+              </a:ext>
+            </a:extLst>
+          </p:cNvPr>
+          <p:cNvPicPr>
+            <a:picLocks noChangeAspect="1"/>
+          </p:cNvPicPr>
+          <p:nvPr/>
+        </p:nvPicPr>
+        <p:blipFill>
+          <a:blip r:embed="rId2"/>
+          <a:stretch>
+            <a:fillRect/>
+          </a:stretch>
+        </p:blipFill>
+        <p:spPr>
+          <a:xfrm>
+            <a:off x="4694548" y="2450166"/>
+            <a:ext cx="7497452" cy="1957668"/>
+          </a:xfrm>
+          <a:prstGeom prst="rect">
+            <a:avLst/>
+          </a:prstGeom>
+        </p:spPr>
+      </p:pic>
+    </p:spTree>
+    <p:extLst>
+      <p:ext uri="{BB962C8B-B14F-4D97-AF65-F5344CB8AC3E}">
+        <p14:creationId xmlns:p14="http://schemas.microsoft.com/office/powerpoint/2010/main" val="739506208"/>
+      </p:ext>
+    </p:extLst>
+  </p:cSld>
+  <p:clrMapOvr>
+    <a:masterClrMapping/>
+  </p:clrMapOvr>
+</p:sld>
+</file>
+
+<file path=ppt/slides/slide15.xml><?xml version="1.0" encoding="utf-8"?>
+<p:sld xmlns:a="http://schemas.openxmlformats.org/drawingml/2006/main" xmlns:r="http://schemas.openxmlformats.org/officeDocument/2006/relationships" xmlns:p="http://schemas.openxmlformats.org/presentationml/2006/main">
+  <p:cSld>
+    <p:bg>
+      <p:bgPr>
+        <a:solidFill>
+          <a:schemeClr val="bg1"/>
+        </a:solidFill>
+        <a:effectLst/>
+      </p:bgPr>
+    </p:bg>
+    <p:spTree>
+      <p:nvGrpSpPr>
+        <p:cNvPr id="1" name=""/>
+        <p:cNvGrpSpPr/>
+        <p:nvPr/>
+      </p:nvGrpSpPr>
+      <p:grpSpPr>
+        <a:xfrm>
+          <a:off x="0" y="0"/>
+          <a:ext cx="0" cy="0"/>
+          <a:chOff x="0" y="0"/>
+          <a:chExt cx="0" cy="0"/>
+        </a:xfrm>
+      </p:grpSpPr>
+      <p:sp useBgFill="1">
+        <p:nvSpPr>
+          <p:cNvPr id="8" name="Rectangle 7">
+            <a:extLst>
+              <a:ext uri="{FF2B5EF4-FFF2-40B4-BE49-F238E27FC236}">
+                <a16:creationId xmlns:a16="http://schemas.microsoft.com/office/drawing/2014/main" id="{33CD251C-A887-4D2F-925B-FC097198538B}"/>
+              </a:ext>
+              <a:ext uri="{C183D7F6-B498-43B3-948B-1728B52AA6E4}">
+                <adec:decorative xmlns:adec="http://schemas.microsoft.com/office/drawing/2017/decorative" val="1"/>
+              </a:ext>
+            </a:extLst>
+          </p:cNvPr>
+          <p:cNvSpPr>
+            <a:spLocks noGrp="1" noRot="1" noChangeAspect="1" noMove="1" noResize="1" noEditPoints="1" noAdjustHandles="1" noChangeArrowheads="1" noChangeShapeType="1" noTextEdit="1"/>
+          </p:cNvSpPr>
+          <p:nvPr>
+            <p:extLst>
+              <p:ext uri="{386F3935-93C4-4BCD-93E2-E3B085C9AB24}">
+                <p16:designElem xmlns:p16="http://schemas.microsoft.com/office/powerpoint/2015/main" val="1"/>
+              </p:ext>
+            </p:extLst>
+          </p:nvPr>
+        </p:nvSpPr>
+        <p:spPr>
+          <a:xfrm>
+            <a:off x="0" y="0"/>
+            <a:ext cx="12192000" cy="6858000"/>
+          </a:xfrm>
+          <a:prstGeom prst="rect">
+            <a:avLst/>
+          </a:prstGeom>
+          <a:ln>
+            <a:noFill/>
+          </a:ln>
+        </p:spPr>
+        <p:style>
+          <a:lnRef idx="2">
+            <a:schemeClr val="accent1">
+              <a:shade val="50000"/>
+            </a:schemeClr>
+          </a:lnRef>
+          <a:fillRef idx="1">
+            <a:schemeClr val="accent1"/>
+          </a:fillRef>
+          <a:effectRef idx="0">
+            <a:schemeClr val="accent1"/>
+          </a:effectRef>
+          <a:fontRef idx="minor">
+            <a:schemeClr val="lt1"/>
+          </a:fontRef>
+        </p:style>
+        <p:txBody>
+          <a:bodyPr rtlCol="0" anchor="ctr"/>
+          <a:lstStyle/>
+          <a:p>
+            <a:pPr algn="ctr"/>
+            <a:endParaRPr lang="en-US"/>
+          </a:p>
+        </p:txBody>
+      </p:sp>
+      <p:sp>
+        <p:nvSpPr>
+          <p:cNvPr id="10" name="Rectangle 9">
+            <a:extLst>
+              <a:ext uri="{FF2B5EF4-FFF2-40B4-BE49-F238E27FC236}">
+                <a16:creationId xmlns:a16="http://schemas.microsoft.com/office/drawing/2014/main" id="{B19D093C-27FB-4032-B282-42C4563F257C}"/>
+              </a:ext>
+              <a:ext uri="{C183D7F6-B498-43B3-948B-1728B52AA6E4}">
+                <adec:decorative xmlns:adec="http://schemas.microsoft.com/office/drawing/2017/decorative" val="1"/>
+              </a:ext>
+            </a:extLst>
+          </p:cNvPr>
+          <p:cNvSpPr>
+            <a:spLocks noGrp="1" noRot="1" noChangeAspect="1" noMove="1" noResize="1" noEditPoints="1" noAdjustHandles="1" noChangeArrowheads="1" noChangeShapeType="1" noTextEdit="1"/>
+          </p:cNvSpPr>
+          <p:nvPr>
+            <p:extLst>
+              <p:ext uri="{386F3935-93C4-4BCD-93E2-E3B085C9AB24}">
+                <p16:designElem xmlns:p16="http://schemas.microsoft.com/office/powerpoint/2015/main" val="1"/>
+              </p:ext>
+            </p:extLst>
+          </p:nvPr>
+        </p:nvSpPr>
+        <p:spPr>
+          <a:xfrm>
+            <a:off x="0" y="0"/>
+            <a:ext cx="4694548" cy="6858000"/>
+          </a:xfrm>
+          <a:prstGeom prst="rect">
+            <a:avLst/>
+          </a:prstGeom>
+          <a:solidFill>
+            <a:schemeClr val="tx1"/>
+          </a:solidFill>
+          <a:ln>
+            <a:noFill/>
+          </a:ln>
+        </p:spPr>
+        <p:style>
+          <a:lnRef idx="2">
+            <a:schemeClr val="accent1">
+              <a:shade val="50000"/>
+            </a:schemeClr>
+          </a:lnRef>
+          <a:fillRef idx="1">
+            <a:schemeClr val="accent1"/>
+          </a:fillRef>
+          <a:effectRef idx="0">
+            <a:schemeClr val="accent1"/>
+          </a:effectRef>
+          <a:fontRef idx="minor">
+            <a:schemeClr val="lt1"/>
+          </a:fontRef>
+        </p:style>
+        <p:txBody>
+          <a:bodyPr rtlCol="0" anchor="ctr"/>
+          <a:lstStyle/>
+          <a:p>
+            <a:pPr algn="ctr"/>
+            <a:endParaRPr lang="en-US"/>
+          </a:p>
+        </p:txBody>
+      </p:sp>
+      <p:grpSp>
+        <p:nvGrpSpPr>
+          <p:cNvPr id="12" name="Group 11">
+            <a:extLst>
+              <a:ext uri="{FF2B5EF4-FFF2-40B4-BE49-F238E27FC236}">
+                <a16:creationId xmlns:a16="http://schemas.microsoft.com/office/drawing/2014/main" id="{35EE815E-1BD3-4777-B652-6D98825BF66B}"/>
+              </a:ext>
+              <a:ext uri="{C183D7F6-B498-43B3-948B-1728B52AA6E4}">
+                <adec:decorative xmlns:adec="http://schemas.microsoft.com/office/drawing/2017/decorative" val="1"/>
+              </a:ext>
+            </a:extLst>
+          </p:cNvPr>
+          <p:cNvGrpSpPr>
+            <a:grpSpLocks noGrp="1" noUngrp="1" noRot="1" noChangeAspect="1" noMove="1" noResize="1"/>
+          </p:cNvGrpSpPr>
+          <p:nvPr>
+            <p:extLst>
+              <p:ext uri="{386F3935-93C4-4BCD-93E2-E3B085C9AB24}">
+                <p16:designElem xmlns:p16="http://schemas.microsoft.com/office/powerpoint/2015/main" val="1"/>
+              </p:ext>
+            </p:extLst>
+          </p:nvPr>
+        </p:nvGrpSpPr>
+        <p:grpSpPr>
+          <a:xfrm>
+            <a:off x="767290" y="681628"/>
+            <a:ext cx="1128382" cy="847206"/>
+            <a:chOff x="668003" y="1684057"/>
+            <a:chExt cx="1128382" cy="847206"/>
+          </a:xfrm>
+        </p:grpSpPr>
+        <p:sp>
+          <p:nvSpPr>
+            <p:cNvPr id="13" name="Freeform 5">
+              <a:extLst>
+                <a:ext uri="{FF2B5EF4-FFF2-40B4-BE49-F238E27FC236}">
+                  <a16:creationId xmlns:a16="http://schemas.microsoft.com/office/drawing/2014/main" id="{E6692982-4A7D-4392-87CD-F0CD4B027DDE}"/>
+                </a:ext>
+                <a:ext uri="{C183D7F6-B498-43B3-948B-1728B52AA6E4}">
+                  <adec:decorative xmlns:adec="http://schemas.microsoft.com/office/drawing/2017/decorative" val="1"/>
+                </a:ext>
+              </a:extLst>
+            </p:cNvPr>
+            <p:cNvSpPr>
+              <a:spLocks/>
+            </p:cNvSpPr>
+            <p:nvPr>
+              <p:extLst>
+                <p:ext uri="{386F3935-93C4-4BCD-93E2-E3B085C9AB24}">
+                  <p16:designElem xmlns:p16="http://schemas.microsoft.com/office/powerpoint/2015/main" val="1"/>
+                </p:ext>
+              </p:extLst>
+            </p:nvPr>
+          </p:nvSpPr>
+          <p:spPr bwMode="auto">
+            <a:xfrm>
+              <a:off x="668003" y="1935883"/>
+              <a:ext cx="675351" cy="595380"/>
+            </a:xfrm>
+            <a:custGeom>
+              <a:avLst/>
+              <a:gdLst>
+                <a:gd name="T0" fmla="*/ 225 w 785"/>
+                <a:gd name="T1" fmla="*/ 692 h 692"/>
+                <a:gd name="T2" fmla="*/ 177 w 785"/>
+                <a:gd name="T3" fmla="*/ 665 h 692"/>
+                <a:gd name="T4" fmla="*/ 9 w 785"/>
+                <a:gd name="T5" fmla="*/ 374 h 692"/>
+                <a:gd name="T6" fmla="*/ 9 w 785"/>
+                <a:gd name="T7" fmla="*/ 318 h 692"/>
+                <a:gd name="T8" fmla="*/ 177 w 785"/>
+                <a:gd name="T9" fmla="*/ 27 h 692"/>
+                <a:gd name="T10" fmla="*/ 225 w 785"/>
+                <a:gd name="T11" fmla="*/ 0 h 692"/>
+                <a:gd name="T12" fmla="*/ 561 w 785"/>
+                <a:gd name="T13" fmla="*/ 0 h 692"/>
+                <a:gd name="T14" fmla="*/ 609 w 785"/>
+                <a:gd name="T15" fmla="*/ 27 h 692"/>
+                <a:gd name="T16" fmla="*/ 777 w 785"/>
+                <a:gd name="T17" fmla="*/ 318 h 692"/>
+                <a:gd name="T18" fmla="*/ 777 w 785"/>
+                <a:gd name="T19" fmla="*/ 374 h 692"/>
+                <a:gd name="T20" fmla="*/ 609 w 785"/>
+                <a:gd name="T21" fmla="*/ 665 h 692"/>
+                <a:gd name="T22" fmla="*/ 561 w 785"/>
+                <a:gd name="T23" fmla="*/ 692 h 692"/>
+                <a:gd name="T24" fmla="*/ 225 w 785"/>
+                <a:gd name="T25" fmla="*/ 692 h 692"/>
+              </a:gdLst>
+              <a:ahLst/>
+              <a:cxnLst>
+                <a:cxn ang="0">
+                  <a:pos x="T0" y="T1"/>
+                </a:cxn>
+                <a:cxn ang="0">
+                  <a:pos x="T2" y="T3"/>
+                </a:cxn>
+                <a:cxn ang="0">
+                  <a:pos x="T4" y="T5"/>
+                </a:cxn>
+                <a:cxn ang="0">
+                  <a:pos x="T6" y="T7"/>
+                </a:cxn>
+                <a:cxn ang="0">
+                  <a:pos x="T8" y="T9"/>
+                </a:cxn>
+                <a:cxn ang="0">
+                  <a:pos x="T10" y="T11"/>
+                </a:cxn>
+                <a:cxn ang="0">
+                  <a:pos x="T12" y="T13"/>
+                </a:cxn>
+                <a:cxn ang="0">
+                  <a:pos x="T14" y="T15"/>
+                </a:cxn>
+                <a:cxn ang="0">
+                  <a:pos x="T16" y="T17"/>
+                </a:cxn>
+                <a:cxn ang="0">
+                  <a:pos x="T18" y="T19"/>
+                </a:cxn>
+                <a:cxn ang="0">
+                  <a:pos x="T20" y="T21"/>
+                </a:cxn>
+                <a:cxn ang="0">
+                  <a:pos x="T22" y="T23"/>
+                </a:cxn>
+                <a:cxn ang="0">
+                  <a:pos x="T24" y="T25"/>
+                </a:cxn>
+              </a:cxnLst>
+              <a:rect l="0" t="0" r="r" b="b"/>
+              <a:pathLst>
+                <a:path w="785" h="692">
+                  <a:moveTo>
+                    <a:pt x="225" y="692"/>
+                  </a:moveTo>
+                  <a:cubicBezTo>
+                    <a:pt x="207" y="692"/>
+                    <a:pt x="185" y="680"/>
+                    <a:pt x="177" y="665"/>
+                  </a:cubicBezTo>
+                  <a:cubicBezTo>
+                    <a:pt x="9" y="374"/>
+                    <a:pt x="9" y="374"/>
+                    <a:pt x="9" y="374"/>
+                  </a:cubicBezTo>
+                  <a:cubicBezTo>
+                    <a:pt x="0" y="358"/>
+                    <a:pt x="0" y="334"/>
+                    <a:pt x="9" y="318"/>
+                  </a:cubicBezTo>
+                  <a:cubicBezTo>
+                    <a:pt x="177" y="27"/>
+                    <a:pt x="177" y="27"/>
+                    <a:pt x="177" y="27"/>
+                  </a:cubicBezTo>
+                  <a:cubicBezTo>
+                    <a:pt x="185" y="12"/>
+                    <a:pt x="207" y="0"/>
+                    <a:pt x="225" y="0"/>
+                  </a:cubicBezTo>
+                  <a:cubicBezTo>
+                    <a:pt x="561" y="0"/>
+                    <a:pt x="561" y="0"/>
+                    <a:pt x="561" y="0"/>
+                  </a:cubicBezTo>
+                  <a:cubicBezTo>
+                    <a:pt x="578" y="0"/>
+                    <a:pt x="600" y="12"/>
+                    <a:pt x="609" y="27"/>
+                  </a:cubicBezTo>
+                  <a:cubicBezTo>
+                    <a:pt x="777" y="318"/>
+                    <a:pt x="777" y="318"/>
+                    <a:pt x="777" y="318"/>
+                  </a:cubicBezTo>
+                  <a:cubicBezTo>
+                    <a:pt x="785" y="334"/>
+                    <a:pt x="785" y="358"/>
+                    <a:pt x="777" y="374"/>
+                  </a:cubicBezTo>
+                  <a:cubicBezTo>
+                    <a:pt x="609" y="665"/>
+                    <a:pt x="609" y="665"/>
+                    <a:pt x="609" y="665"/>
+                  </a:cubicBezTo>
+                  <a:cubicBezTo>
+                    <a:pt x="600" y="680"/>
+                    <a:pt x="578" y="692"/>
+                    <a:pt x="561" y="692"/>
+                  </a:cubicBezTo>
+                  <a:lnTo>
+                    <a:pt x="225" y="692"/>
+                  </a:lnTo>
+                  <a:close/>
+                </a:path>
+              </a:pathLst>
+            </a:custGeom>
+            <a:noFill/>
+            <a:ln w="28575" cmpd="sng">
+              <a:solidFill>
+                <a:schemeClr val="bg1"/>
+              </a:solidFill>
+            </a:ln>
+          </p:spPr>
+          <p:txBody>
+            <a:bodyPr vert="horz" wrap="square" lIns="91440" tIns="45720" rIns="91440" bIns="45720" numCol="1" anchor="t" anchorCtr="0" compatLnSpc="1">
+              <a:prstTxWarp prst="textNoShape">
+                <a:avLst/>
+              </a:prstTxWarp>
+            </a:bodyPr>
+            <a:lstStyle/>
+            <a:p>
+              <a:endParaRPr lang="en-US"/>
+            </a:p>
+          </p:txBody>
+        </p:sp>
+        <p:sp>
+          <p:nvSpPr>
+            <p:cNvPr id="14" name="Freeform 5">
+              <a:extLst>
+                <a:ext uri="{FF2B5EF4-FFF2-40B4-BE49-F238E27FC236}">
+                  <a16:creationId xmlns:a16="http://schemas.microsoft.com/office/drawing/2014/main" id="{196485F7-F277-4123-AC53-98EA4C858774}"/>
+                </a:ext>
+                <a:ext uri="{C183D7F6-B498-43B3-948B-1728B52AA6E4}">
+                  <adec:decorative xmlns:adec="http://schemas.microsoft.com/office/drawing/2017/decorative" val="1"/>
+                </a:ext>
+              </a:extLst>
+            </p:cNvPr>
+            <p:cNvSpPr>
+              <a:spLocks/>
+            </p:cNvSpPr>
+            <p:nvPr>
+              <p:extLst>
+                <p:ext uri="{386F3935-93C4-4BCD-93E2-E3B085C9AB24}">
+                  <p16:designElem xmlns:p16="http://schemas.microsoft.com/office/powerpoint/2015/main" val="1"/>
+                </p:ext>
+              </p:extLst>
+            </p:nvPr>
+          </p:nvSpPr>
+          <p:spPr bwMode="auto">
+            <a:xfrm>
+              <a:off x="1245893" y="1684057"/>
+              <a:ext cx="550492" cy="485306"/>
+            </a:xfrm>
+            <a:custGeom>
+              <a:avLst/>
+              <a:gdLst>
+                <a:gd name="T0" fmla="*/ 225 w 785"/>
+                <a:gd name="T1" fmla="*/ 692 h 692"/>
+                <a:gd name="T2" fmla="*/ 177 w 785"/>
+                <a:gd name="T3" fmla="*/ 665 h 692"/>
+                <a:gd name="T4" fmla="*/ 9 w 785"/>
+                <a:gd name="T5" fmla="*/ 374 h 692"/>
+                <a:gd name="T6" fmla="*/ 9 w 785"/>
+                <a:gd name="T7" fmla="*/ 318 h 692"/>
+                <a:gd name="T8" fmla="*/ 177 w 785"/>
+                <a:gd name="T9" fmla="*/ 27 h 692"/>
+                <a:gd name="T10" fmla="*/ 225 w 785"/>
+                <a:gd name="T11" fmla="*/ 0 h 692"/>
+                <a:gd name="T12" fmla="*/ 561 w 785"/>
+                <a:gd name="T13" fmla="*/ 0 h 692"/>
+                <a:gd name="T14" fmla="*/ 609 w 785"/>
+                <a:gd name="T15" fmla="*/ 27 h 692"/>
+                <a:gd name="T16" fmla="*/ 777 w 785"/>
+                <a:gd name="T17" fmla="*/ 318 h 692"/>
+                <a:gd name="T18" fmla="*/ 777 w 785"/>
+                <a:gd name="T19" fmla="*/ 374 h 692"/>
+                <a:gd name="T20" fmla="*/ 609 w 785"/>
+                <a:gd name="T21" fmla="*/ 665 h 692"/>
+                <a:gd name="T22" fmla="*/ 561 w 785"/>
+                <a:gd name="T23" fmla="*/ 692 h 692"/>
+                <a:gd name="T24" fmla="*/ 225 w 785"/>
+                <a:gd name="T25" fmla="*/ 692 h 692"/>
+              </a:gdLst>
+              <a:ahLst/>
+              <a:cxnLst>
+                <a:cxn ang="0">
+                  <a:pos x="T0" y="T1"/>
+                </a:cxn>
+                <a:cxn ang="0">
+                  <a:pos x="T2" y="T3"/>
+                </a:cxn>
+                <a:cxn ang="0">
+                  <a:pos x="T4" y="T5"/>
+                </a:cxn>
+                <a:cxn ang="0">
+                  <a:pos x="T6" y="T7"/>
+                </a:cxn>
+                <a:cxn ang="0">
+                  <a:pos x="T8" y="T9"/>
+                </a:cxn>
+                <a:cxn ang="0">
+                  <a:pos x="T10" y="T11"/>
+                </a:cxn>
+                <a:cxn ang="0">
+                  <a:pos x="T12" y="T13"/>
+                </a:cxn>
+                <a:cxn ang="0">
+                  <a:pos x="T14" y="T15"/>
+                </a:cxn>
+                <a:cxn ang="0">
+                  <a:pos x="T16" y="T17"/>
+                </a:cxn>
+                <a:cxn ang="0">
+                  <a:pos x="T18" y="T19"/>
+                </a:cxn>
+                <a:cxn ang="0">
+                  <a:pos x="T20" y="T21"/>
+                </a:cxn>
+                <a:cxn ang="0">
+                  <a:pos x="T22" y="T23"/>
+                </a:cxn>
+                <a:cxn ang="0">
+                  <a:pos x="T24" y="T25"/>
+                </a:cxn>
+              </a:cxnLst>
+              <a:rect l="0" t="0" r="r" b="b"/>
+              <a:pathLst>
+                <a:path w="785" h="692">
+                  <a:moveTo>
+                    <a:pt x="225" y="692"/>
+                  </a:moveTo>
+                  <a:cubicBezTo>
+                    <a:pt x="207" y="692"/>
+                    <a:pt x="185" y="680"/>
+                    <a:pt x="177" y="665"/>
+                  </a:cubicBezTo>
+                  <a:cubicBezTo>
+                    <a:pt x="9" y="374"/>
+                    <a:pt x="9" y="374"/>
+                    <a:pt x="9" y="374"/>
+                  </a:cubicBezTo>
+                  <a:cubicBezTo>
+                    <a:pt x="0" y="358"/>
+                    <a:pt x="0" y="334"/>
+                    <a:pt x="9" y="318"/>
+                  </a:cubicBezTo>
+                  <a:cubicBezTo>
+                    <a:pt x="177" y="27"/>
+                    <a:pt x="177" y="27"/>
+                    <a:pt x="177" y="27"/>
+                  </a:cubicBezTo>
+                  <a:cubicBezTo>
+                    <a:pt x="185" y="12"/>
+                    <a:pt x="207" y="0"/>
+                    <a:pt x="225" y="0"/>
+                  </a:cubicBezTo>
+                  <a:cubicBezTo>
+                    <a:pt x="561" y="0"/>
+                    <a:pt x="561" y="0"/>
+                    <a:pt x="561" y="0"/>
+                  </a:cubicBezTo>
+                  <a:cubicBezTo>
+                    <a:pt x="578" y="0"/>
+                    <a:pt x="600" y="12"/>
+                    <a:pt x="609" y="27"/>
+                  </a:cubicBezTo>
+                  <a:cubicBezTo>
+                    <a:pt x="777" y="318"/>
+                    <a:pt x="777" y="318"/>
+                    <a:pt x="777" y="318"/>
+                  </a:cubicBezTo>
+                  <a:cubicBezTo>
+                    <a:pt x="785" y="334"/>
+                    <a:pt x="785" y="358"/>
+                    <a:pt x="777" y="374"/>
+                  </a:cubicBezTo>
+                  <a:cubicBezTo>
+                    <a:pt x="609" y="665"/>
+                    <a:pt x="609" y="665"/>
+                    <a:pt x="609" y="665"/>
+                  </a:cubicBezTo>
+                  <a:cubicBezTo>
+                    <a:pt x="600" y="680"/>
+                    <a:pt x="578" y="692"/>
+                    <a:pt x="561" y="692"/>
+                  </a:cubicBezTo>
+                  <a:lnTo>
+                    <a:pt x="225" y="692"/>
+                  </a:lnTo>
+                  <a:close/>
+                </a:path>
+              </a:pathLst>
+            </a:custGeom>
+            <a:noFill/>
+            <a:ln w="28575" cmpd="sng">
+              <a:solidFill>
+                <a:schemeClr val="bg1"/>
+              </a:solidFill>
+            </a:ln>
+          </p:spPr>
+          <p:txBody>
+            <a:bodyPr vert="horz" wrap="square" lIns="91440" tIns="45720" rIns="91440" bIns="45720" numCol="1" anchor="t" anchorCtr="0" compatLnSpc="1">
+              <a:prstTxWarp prst="textNoShape">
+                <a:avLst/>
+              </a:prstTxWarp>
+            </a:bodyPr>
+            <a:lstStyle/>
+            <a:p>
+              <a:endParaRPr lang="en-US"/>
+            </a:p>
+          </p:txBody>
+        </p:sp>
+      </p:grpSp>
+      <p:sp>
+        <p:nvSpPr>
+          <p:cNvPr id="2" name="Title 1">
+            <a:extLst>
+              <a:ext uri="{FF2B5EF4-FFF2-40B4-BE49-F238E27FC236}">
                 <a16:creationId xmlns:a16="http://schemas.microsoft.com/office/drawing/2014/main" id="{6AA268DE-4A70-4EC8-8203-D77AF403C1B3}"/>
               </a:ext>
             </a:extLst>
@@ -14301,7 +16369,7 @@
 </p:sld>
 </file>
 
-<file path=ppt/slides/slide13.xml><?xml version="1.0" encoding="utf-8"?>
+<file path=ppt/slides/slide16.xml><?xml version="1.0" encoding="utf-8"?>
 <p:sld xmlns:a="http://schemas.openxmlformats.org/drawingml/2006/main" xmlns:r="http://schemas.openxmlformats.org/officeDocument/2006/relationships" xmlns:p="http://schemas.openxmlformats.org/presentationml/2006/main">
   <p:cSld>
     <p:bg>
@@ -14995,7 +17063,7 @@
 </p:sld>
 </file>
 
-<file path=ppt/slides/slide14.xml><?xml version="1.0" encoding="utf-8"?>
+<file path=ppt/slides/slide17.xml><?xml version="1.0" encoding="utf-8"?>
 <p:sld xmlns:a="http://schemas.openxmlformats.org/drawingml/2006/main" xmlns:r="http://schemas.openxmlformats.org/officeDocument/2006/relationships" xmlns:p="http://schemas.openxmlformats.org/presentationml/2006/main">
   <p:cSld>
     <p:bg>
@@ -15695,7 +17763,7 @@
 </p:sld>
 </file>
 
-<file path=ppt/slides/slide15.xml><?xml version="1.0" encoding="utf-8"?>
+<file path=ppt/slides/slide18.xml><?xml version="1.0" encoding="utf-8"?>
 <p:sld xmlns:a="http://schemas.openxmlformats.org/drawingml/2006/main" xmlns:r="http://schemas.openxmlformats.org/officeDocument/2006/relationships" xmlns:p="http://schemas.openxmlformats.org/presentationml/2006/main">
   <p:cSld>
     <p:bg>
@@ -16402,7 +18470,7 @@
 </p:sld>
 </file>
 
-<file path=ppt/slides/slide16.xml><?xml version="1.0" encoding="utf-8"?>
+<file path=ppt/slides/slide19.xml><?xml version="1.0" encoding="utf-8"?>
 <p:sld xmlns:a="http://schemas.openxmlformats.org/drawingml/2006/main" xmlns:r="http://schemas.openxmlformats.org/officeDocument/2006/relationships" xmlns:p="http://schemas.openxmlformats.org/presentationml/2006/main">
   <p:cSld>
     <p:bg>
@@ -17103,7 +19171,181 @@
 </p:sld>
 </file>
 
-<file path=ppt/slides/slide17.xml><?xml version="1.0" encoding="utf-8"?>
+<file path=ppt/slides/slide2.xml><?xml version="1.0" encoding="utf-8"?>
+<p:sld xmlns:a="http://schemas.openxmlformats.org/drawingml/2006/main" xmlns:r="http://schemas.openxmlformats.org/officeDocument/2006/relationships" xmlns:p="http://schemas.openxmlformats.org/presentationml/2006/main">
+  <p:cSld>
+    <p:bg>
+      <p:bgPr>
+        <a:solidFill>
+          <a:schemeClr val="bg1"/>
+        </a:solidFill>
+        <a:effectLst/>
+      </p:bgPr>
+    </p:bg>
+    <p:spTree>
+      <p:nvGrpSpPr>
+        <p:cNvPr id="1" name=""/>
+        <p:cNvGrpSpPr/>
+        <p:nvPr/>
+      </p:nvGrpSpPr>
+      <p:grpSpPr>
+        <a:xfrm>
+          <a:off x="0" y="0"/>
+          <a:ext cx="0" cy="0"/>
+          <a:chOff x="0" y="0"/>
+          <a:chExt cx="0" cy="0"/>
+        </a:xfrm>
+      </p:grpSpPr>
+      <p:sp>
+        <p:nvSpPr>
+          <p:cNvPr id="35" name="Rectangle 34">
+            <a:extLst>
+              <a:ext uri="{FF2B5EF4-FFF2-40B4-BE49-F238E27FC236}">
+                <a16:creationId xmlns:a16="http://schemas.microsoft.com/office/drawing/2014/main" id="{DC8C3900-B8A1-4965-88E6-CBCBFE067207}"/>
+              </a:ext>
+              <a:ext uri="{C183D7F6-B498-43B3-948B-1728B52AA6E4}">
+                <adec:decorative xmlns:adec="http://schemas.microsoft.com/office/drawing/2017/decorative" val="1"/>
+              </a:ext>
+            </a:extLst>
+          </p:cNvPr>
+          <p:cNvSpPr>
+            <a:spLocks noGrp="1" noRot="1" noChangeAspect="1" noMove="1" noResize="1" noEditPoints="1" noAdjustHandles="1" noChangeArrowheads="1" noChangeShapeType="1" noTextEdit="1"/>
+          </p:cNvSpPr>
+          <p:nvPr>
+            <p:extLst>
+              <p:ext uri="{386F3935-93C4-4BCD-93E2-E3B085C9AB24}">
+                <p16:designElem xmlns:p16="http://schemas.microsoft.com/office/powerpoint/2015/main" val="1"/>
+              </p:ext>
+            </p:extLst>
+          </p:nvPr>
+        </p:nvSpPr>
+        <p:spPr>
+          <a:xfrm>
+            <a:off x="0" y="0"/>
+            <a:ext cx="4665945" cy="6858000"/>
+          </a:xfrm>
+          <a:prstGeom prst="rect">
+            <a:avLst/>
+          </a:prstGeom>
+          <a:solidFill>
+            <a:schemeClr val="tx1">
+              <a:lumMod val="75000"/>
+              <a:lumOff val="25000"/>
+            </a:schemeClr>
+          </a:solidFill>
+          <a:ln>
+            <a:noFill/>
+          </a:ln>
+        </p:spPr>
+        <p:style>
+          <a:lnRef idx="2">
+            <a:schemeClr val="accent1">
+              <a:shade val="50000"/>
+            </a:schemeClr>
+          </a:lnRef>
+          <a:fillRef idx="1">
+            <a:schemeClr val="accent1"/>
+          </a:fillRef>
+          <a:effectRef idx="0">
+            <a:schemeClr val="accent1"/>
+          </a:effectRef>
+          <a:fontRef idx="minor">
+            <a:schemeClr val="lt1"/>
+          </a:fontRef>
+        </p:style>
+        <p:txBody>
+          <a:bodyPr rtlCol="0" anchor="ctr"/>
+          <a:lstStyle/>
+          <a:p>
+            <a:pPr algn="ctr"/>
+            <a:endParaRPr lang="en-US"/>
+          </a:p>
+        </p:txBody>
+      </p:sp>
+      <p:sp>
+        <p:nvSpPr>
+          <p:cNvPr id="2" name="Title 1">
+            <a:extLst>
+              <a:ext uri="{FF2B5EF4-FFF2-40B4-BE49-F238E27FC236}">
+                <a16:creationId xmlns:a16="http://schemas.microsoft.com/office/drawing/2014/main" id="{895E253E-1C15-4470-8D31-814694524263}"/>
+              </a:ext>
+            </a:extLst>
+          </p:cNvPr>
+          <p:cNvSpPr>
+            <a:spLocks noGrp="1"/>
+          </p:cNvSpPr>
+          <p:nvPr>
+            <p:ph type="title"/>
+          </p:nvPr>
+        </p:nvSpPr>
+        <p:spPr>
+          <a:xfrm>
+            <a:off x="838201" y="624568"/>
+            <a:ext cx="3351755" cy="5412920"/>
+          </a:xfrm>
+        </p:spPr>
+        <p:txBody>
+          <a:bodyPr vert="horz" lIns="91440" tIns="45720" rIns="91440" bIns="45720" rtlCol="0">
+            <a:normAutofit/>
+          </a:bodyPr>
+          <a:lstStyle/>
+          <a:p>
+            <a:r>
+              <a:rPr lang="en-US" sz="4000" kern="1200">
+                <a:solidFill>
+                  <a:schemeClr val="bg1"/>
+                </a:solidFill>
+                <a:latin typeface="+mj-lt"/>
+                <a:ea typeface="+mj-ea"/>
+                <a:cs typeface="+mj-cs"/>
+              </a:rPr>
+              <a:t>About the Data</a:t>
+            </a:r>
+          </a:p>
+        </p:txBody>
+      </p:sp>
+      <p:graphicFrame>
+        <p:nvGraphicFramePr>
+          <p:cNvPr id="26" name="TextBox 4">
+            <a:extLst>
+              <a:ext uri="{FF2B5EF4-FFF2-40B4-BE49-F238E27FC236}">
+                <a16:creationId xmlns:a16="http://schemas.microsoft.com/office/drawing/2014/main" id="{1E2B4DF5-B69E-4A04-AAE2-D5672C48FE26}"/>
+              </a:ext>
+            </a:extLst>
+          </p:cNvPr>
+          <p:cNvGraphicFramePr/>
+          <p:nvPr>
+            <p:extLst>
+              <p:ext uri="{D42A27DB-BD31-4B8C-83A1-F6EECF244321}">
+                <p14:modId xmlns:p14="http://schemas.microsoft.com/office/powerpoint/2010/main" val="1195720338"/>
+              </p:ext>
+            </p:extLst>
+          </p:nvPr>
+        </p:nvGraphicFramePr>
+        <p:xfrm>
+          <a:off x="5392455" y="623888"/>
+          <a:ext cx="5961345" cy="5413600"/>
+        </p:xfrm>
+        <a:graphic>
+          <a:graphicData uri="http://schemas.openxmlformats.org/drawingml/2006/diagram">
+            <dgm:relIds xmlns:dgm="http://schemas.openxmlformats.org/drawingml/2006/diagram" xmlns:r="http://schemas.openxmlformats.org/officeDocument/2006/relationships" r:dm="rId2" r:lo="rId3" r:qs="rId4" r:cs="rId5"/>
+          </a:graphicData>
+        </a:graphic>
+      </p:graphicFrame>
+    </p:spTree>
+    <p:extLst>
+      <p:ext uri="{BB962C8B-B14F-4D97-AF65-F5344CB8AC3E}">
+        <p14:creationId xmlns:p14="http://schemas.microsoft.com/office/powerpoint/2010/main" val="372475084"/>
+      </p:ext>
+    </p:extLst>
+  </p:cSld>
+  <p:clrMapOvr>
+    <a:masterClrMapping/>
+  </p:clrMapOvr>
+</p:sld>
+</file>
+
+<file path=ppt/slides/slide20.xml><?xml version="1.0" encoding="utf-8"?>
 <p:sld xmlns:a="http://schemas.openxmlformats.org/drawingml/2006/main" xmlns:r="http://schemas.openxmlformats.org/officeDocument/2006/relationships" xmlns:p="http://schemas.openxmlformats.org/presentationml/2006/main">
   <p:cSld>
     <p:bg>
@@ -17804,7 +20046,7 @@
 </p:sld>
 </file>
 
-<file path=ppt/slides/slide18.xml><?xml version="1.0" encoding="utf-8"?>
+<file path=ppt/slides/slide21.xml><?xml version="1.0" encoding="utf-8"?>
 <p:sld xmlns:a="http://schemas.openxmlformats.org/drawingml/2006/main" xmlns:r="http://schemas.openxmlformats.org/officeDocument/2006/relationships" xmlns:p="http://schemas.openxmlformats.org/presentationml/2006/main">
   <p:cSld>
     <p:bg>
@@ -18505,7 +20747,7 @@
 </p:sld>
 </file>
 
-<file path=ppt/slides/slide19.xml><?xml version="1.0" encoding="utf-8"?>
+<file path=ppt/slides/slide22.xml><?xml version="1.0" encoding="utf-8"?>
 <p:sld xmlns:a="http://schemas.openxmlformats.org/drawingml/2006/main" xmlns:r="http://schemas.openxmlformats.org/officeDocument/2006/relationships" xmlns:p="http://schemas.openxmlformats.org/presentationml/2006/main">
   <p:cSld>
     <p:bg>
@@ -19231,181 +21473,7 @@
 </p:sld>
 </file>
 
-<file path=ppt/slides/slide2.xml><?xml version="1.0" encoding="utf-8"?>
-<p:sld xmlns:a="http://schemas.openxmlformats.org/drawingml/2006/main" xmlns:r="http://schemas.openxmlformats.org/officeDocument/2006/relationships" xmlns:p="http://schemas.openxmlformats.org/presentationml/2006/main">
-  <p:cSld>
-    <p:bg>
-      <p:bgPr>
-        <a:solidFill>
-          <a:schemeClr val="bg1"/>
-        </a:solidFill>
-        <a:effectLst/>
-      </p:bgPr>
-    </p:bg>
-    <p:spTree>
-      <p:nvGrpSpPr>
-        <p:cNvPr id="1" name=""/>
-        <p:cNvGrpSpPr/>
-        <p:nvPr/>
-      </p:nvGrpSpPr>
-      <p:grpSpPr>
-        <a:xfrm>
-          <a:off x="0" y="0"/>
-          <a:ext cx="0" cy="0"/>
-          <a:chOff x="0" y="0"/>
-          <a:chExt cx="0" cy="0"/>
-        </a:xfrm>
-      </p:grpSpPr>
-      <p:sp>
-        <p:nvSpPr>
-          <p:cNvPr id="35" name="Rectangle 34">
-            <a:extLst>
-              <a:ext uri="{FF2B5EF4-FFF2-40B4-BE49-F238E27FC236}">
-                <a16:creationId xmlns:a16="http://schemas.microsoft.com/office/drawing/2014/main" id="{DC8C3900-B8A1-4965-88E6-CBCBFE067207}"/>
-              </a:ext>
-              <a:ext uri="{C183D7F6-B498-43B3-948B-1728B52AA6E4}">
-                <adec:decorative xmlns:adec="http://schemas.microsoft.com/office/drawing/2017/decorative" val="1"/>
-              </a:ext>
-            </a:extLst>
-          </p:cNvPr>
-          <p:cNvSpPr>
-            <a:spLocks noGrp="1" noRot="1" noChangeAspect="1" noMove="1" noResize="1" noEditPoints="1" noAdjustHandles="1" noChangeArrowheads="1" noChangeShapeType="1" noTextEdit="1"/>
-          </p:cNvSpPr>
-          <p:nvPr>
-            <p:extLst>
-              <p:ext uri="{386F3935-93C4-4BCD-93E2-E3B085C9AB24}">
-                <p16:designElem xmlns:p16="http://schemas.microsoft.com/office/powerpoint/2015/main" val="1"/>
-              </p:ext>
-            </p:extLst>
-          </p:nvPr>
-        </p:nvSpPr>
-        <p:spPr>
-          <a:xfrm>
-            <a:off x="0" y="0"/>
-            <a:ext cx="4665945" cy="6858000"/>
-          </a:xfrm>
-          <a:prstGeom prst="rect">
-            <a:avLst/>
-          </a:prstGeom>
-          <a:solidFill>
-            <a:schemeClr val="tx1">
-              <a:lumMod val="75000"/>
-              <a:lumOff val="25000"/>
-            </a:schemeClr>
-          </a:solidFill>
-          <a:ln>
-            <a:noFill/>
-          </a:ln>
-        </p:spPr>
-        <p:style>
-          <a:lnRef idx="2">
-            <a:schemeClr val="accent1">
-              <a:shade val="50000"/>
-            </a:schemeClr>
-          </a:lnRef>
-          <a:fillRef idx="1">
-            <a:schemeClr val="accent1"/>
-          </a:fillRef>
-          <a:effectRef idx="0">
-            <a:schemeClr val="accent1"/>
-          </a:effectRef>
-          <a:fontRef idx="minor">
-            <a:schemeClr val="lt1"/>
-          </a:fontRef>
-        </p:style>
-        <p:txBody>
-          <a:bodyPr rtlCol="0" anchor="ctr"/>
-          <a:lstStyle/>
-          <a:p>
-            <a:pPr algn="ctr"/>
-            <a:endParaRPr lang="en-US"/>
-          </a:p>
-        </p:txBody>
-      </p:sp>
-      <p:sp>
-        <p:nvSpPr>
-          <p:cNvPr id="2" name="Title 1">
-            <a:extLst>
-              <a:ext uri="{FF2B5EF4-FFF2-40B4-BE49-F238E27FC236}">
-                <a16:creationId xmlns:a16="http://schemas.microsoft.com/office/drawing/2014/main" id="{895E253E-1C15-4470-8D31-814694524263}"/>
-              </a:ext>
-            </a:extLst>
-          </p:cNvPr>
-          <p:cNvSpPr>
-            <a:spLocks noGrp="1"/>
-          </p:cNvSpPr>
-          <p:nvPr>
-            <p:ph type="title"/>
-          </p:nvPr>
-        </p:nvSpPr>
-        <p:spPr>
-          <a:xfrm>
-            <a:off x="838201" y="624568"/>
-            <a:ext cx="3351755" cy="5412920"/>
-          </a:xfrm>
-        </p:spPr>
-        <p:txBody>
-          <a:bodyPr vert="horz" lIns="91440" tIns="45720" rIns="91440" bIns="45720" rtlCol="0">
-            <a:normAutofit/>
-          </a:bodyPr>
-          <a:lstStyle/>
-          <a:p>
-            <a:r>
-              <a:rPr lang="en-US" sz="4000" kern="1200">
-                <a:solidFill>
-                  <a:schemeClr val="bg1"/>
-                </a:solidFill>
-                <a:latin typeface="+mj-lt"/>
-                <a:ea typeface="+mj-ea"/>
-                <a:cs typeface="+mj-cs"/>
-              </a:rPr>
-              <a:t>About the Data</a:t>
-            </a:r>
-          </a:p>
-        </p:txBody>
-      </p:sp>
-      <p:graphicFrame>
-        <p:nvGraphicFramePr>
-          <p:cNvPr id="26" name="TextBox 4">
-            <a:extLst>
-              <a:ext uri="{FF2B5EF4-FFF2-40B4-BE49-F238E27FC236}">
-                <a16:creationId xmlns:a16="http://schemas.microsoft.com/office/drawing/2014/main" id="{1E2B4DF5-B69E-4A04-AAE2-D5672C48FE26}"/>
-              </a:ext>
-            </a:extLst>
-          </p:cNvPr>
-          <p:cNvGraphicFramePr/>
-          <p:nvPr>
-            <p:extLst>
-              <p:ext uri="{D42A27DB-BD31-4B8C-83A1-F6EECF244321}">
-                <p14:modId xmlns:p14="http://schemas.microsoft.com/office/powerpoint/2010/main" val="1195720338"/>
-              </p:ext>
-            </p:extLst>
-          </p:nvPr>
-        </p:nvGraphicFramePr>
-        <p:xfrm>
-          <a:off x="5392455" y="623888"/>
-          <a:ext cx="5961345" cy="5413600"/>
-        </p:xfrm>
-        <a:graphic>
-          <a:graphicData uri="http://schemas.openxmlformats.org/drawingml/2006/diagram">
-            <dgm:relIds xmlns:dgm="http://schemas.openxmlformats.org/drawingml/2006/diagram" xmlns:r="http://schemas.openxmlformats.org/officeDocument/2006/relationships" r:dm="rId2" r:lo="rId3" r:qs="rId4" r:cs="rId5"/>
-          </a:graphicData>
-        </a:graphic>
-      </p:graphicFrame>
-    </p:spTree>
-    <p:extLst>
-      <p:ext uri="{BB962C8B-B14F-4D97-AF65-F5344CB8AC3E}">
-        <p14:creationId xmlns:p14="http://schemas.microsoft.com/office/powerpoint/2010/main" val="372475084"/>
-      </p:ext>
-    </p:extLst>
-  </p:cSld>
-  <p:clrMapOvr>
-    <a:masterClrMapping/>
-  </p:clrMapOvr>
-</p:sld>
-</file>
-
-<file path=ppt/slides/slide20.xml><?xml version="1.0" encoding="utf-8"?>
+<file path=ppt/slides/slide23.xml><?xml version="1.0" encoding="utf-8"?>
 <p:sld xmlns:a="http://schemas.openxmlformats.org/drawingml/2006/main" xmlns:r="http://schemas.openxmlformats.org/officeDocument/2006/relationships" xmlns:p="http://schemas.openxmlformats.org/presentationml/2006/main">
   <p:cSld>
     <p:bg>
@@ -20136,7 +22204,7 @@
 </p:sld>
 </file>
 
-<file path=ppt/slides/slide21.xml><?xml version="1.0" encoding="utf-8"?>
+<file path=ppt/slides/slide24.xml><?xml version="1.0" encoding="utf-8"?>
 <p:sld xmlns:a="http://schemas.openxmlformats.org/drawingml/2006/main" xmlns:r="http://schemas.openxmlformats.org/officeDocument/2006/relationships" xmlns:p="http://schemas.openxmlformats.org/presentationml/2006/main">
   <p:cSld>
     <p:bg>
@@ -20829,7 +22897,7 @@
 </p:sld>
 </file>
 
-<file path=ppt/slides/slide22.xml><?xml version="1.0" encoding="utf-8"?>
+<file path=ppt/slides/slide25.xml><?xml version="1.0" encoding="utf-8"?>
 <p:sld xmlns:a="http://schemas.openxmlformats.org/drawingml/2006/main" xmlns:r="http://schemas.openxmlformats.org/officeDocument/2006/relationships" xmlns:p="http://schemas.openxmlformats.org/presentationml/2006/main">
   <p:cSld>
     <p:bg>
@@ -21278,7 +23346,7 @@
 </p:sld>
 </file>
 
-<file path=ppt/slides/slide23.xml><?xml version="1.0" encoding="utf-8"?>
+<file path=ppt/slides/slide26.xml><?xml version="1.0" encoding="utf-8"?>
 <p:sld xmlns:a="http://schemas.openxmlformats.org/drawingml/2006/main" xmlns:r="http://schemas.openxmlformats.org/officeDocument/2006/relationships" xmlns:p="http://schemas.openxmlformats.org/presentationml/2006/main">
   <p:cSld>
     <p:spTree>
@@ -21542,6 +23610,2200 @@
 </file>
 
 <file path=ppt/slides/slide4.xml><?xml version="1.0" encoding="utf-8"?>
+<p:sld xmlns:a="http://schemas.openxmlformats.org/drawingml/2006/main" xmlns:r="http://schemas.openxmlformats.org/officeDocument/2006/relationships" xmlns:p="http://schemas.openxmlformats.org/presentationml/2006/main">
+  <p:cSld>
+    <p:bg>
+      <p:bgPr>
+        <a:solidFill>
+          <a:schemeClr val="bg1"/>
+        </a:solidFill>
+        <a:effectLst/>
+      </p:bgPr>
+    </p:bg>
+    <p:spTree>
+      <p:nvGrpSpPr>
+        <p:cNvPr id="1" name=""/>
+        <p:cNvGrpSpPr/>
+        <p:nvPr/>
+      </p:nvGrpSpPr>
+      <p:grpSpPr>
+        <a:xfrm>
+          <a:off x="0" y="0"/>
+          <a:ext cx="0" cy="0"/>
+          <a:chOff x="0" y="0"/>
+          <a:chExt cx="0" cy="0"/>
+        </a:xfrm>
+      </p:grpSpPr>
+      <p:sp useBgFill="1">
+        <p:nvSpPr>
+          <p:cNvPr id="8" name="Rectangle 7">
+            <a:extLst>
+              <a:ext uri="{FF2B5EF4-FFF2-40B4-BE49-F238E27FC236}">
+                <a16:creationId xmlns:a16="http://schemas.microsoft.com/office/drawing/2014/main" id="{09588DA8-065E-4F6F-8EFD-43104AB2E0CF}"/>
+              </a:ext>
+              <a:ext uri="{C183D7F6-B498-43B3-948B-1728B52AA6E4}">
+                <adec:decorative xmlns:adec="http://schemas.microsoft.com/office/drawing/2017/decorative" val="1"/>
+              </a:ext>
+            </a:extLst>
+          </p:cNvPr>
+          <p:cNvSpPr>
+            <a:spLocks noGrp="1" noRot="1" noChangeAspect="1" noMove="1" noResize="1" noEditPoints="1" noAdjustHandles="1" noChangeArrowheads="1" noChangeShapeType="1" noTextEdit="1"/>
+          </p:cNvSpPr>
+          <p:nvPr>
+            <p:extLst>
+              <p:ext uri="{386F3935-93C4-4BCD-93E2-E3B085C9AB24}">
+                <p16:designElem xmlns:p16="http://schemas.microsoft.com/office/powerpoint/2015/main" val="1"/>
+              </p:ext>
+            </p:extLst>
+          </p:nvPr>
+        </p:nvSpPr>
+        <p:spPr>
+          <a:xfrm>
+            <a:off x="0" y="0"/>
+            <a:ext cx="12192000" cy="6858000"/>
+          </a:xfrm>
+          <a:prstGeom prst="rect">
+            <a:avLst/>
+          </a:prstGeom>
+          <a:ln w="12700" cap="flat" cmpd="sng" algn="ctr">
+            <a:noFill/>
+            <a:prstDash val="solid"/>
+            <a:miter lim="800000"/>
+          </a:ln>
+          <a:effectLst/>
+          <a:extLst>
+            <a:ext uri="{91240B29-F687-4F45-9708-019B960494DF}">
+              <a14:hiddenLine xmlns:a14="http://schemas.microsoft.com/office/drawing/2010/main" w="12700" cap="flat" cmpd="sng" algn="ctr">
+                <a:solidFill>
+                  <a:schemeClr val="accent1">
+                    <a:shade val="50000"/>
+                  </a:schemeClr>
+                </a:solidFill>
+                <a:prstDash val="solid"/>
+                <a:miter lim="800000"/>
+              </a14:hiddenLine>
+            </a:ext>
+          </a:extLst>
+        </p:spPr>
+        <p:style>
+          <a:lnRef idx="2">
+            <a:schemeClr val="accent1">
+              <a:shade val="50000"/>
+            </a:schemeClr>
+          </a:lnRef>
+          <a:fillRef idx="1">
+            <a:schemeClr val="accent1"/>
+          </a:fillRef>
+          <a:effectRef idx="0">
+            <a:schemeClr val="accent1"/>
+          </a:effectRef>
+          <a:fontRef idx="minor">
+            <a:schemeClr val="lt1"/>
+          </a:fontRef>
+        </p:style>
+        <p:txBody>
+          <a:bodyPr rtlCol="0" anchor="ctr"/>
+          <a:lstStyle/>
+          <a:p>
+            <a:pPr algn="ctr"/>
+            <a:endParaRPr lang="en-US"/>
+          </a:p>
+        </p:txBody>
+      </p:sp>
+      <p:sp useBgFill="1">
+        <p:nvSpPr>
+          <p:cNvPr id="10" name="Rectangle 9">
+            <a:extLst>
+              <a:ext uri="{FF2B5EF4-FFF2-40B4-BE49-F238E27FC236}">
+                <a16:creationId xmlns:a16="http://schemas.microsoft.com/office/drawing/2014/main" id="{C4285719-470E-454C-AF62-8323075F1F5B}"/>
+              </a:ext>
+              <a:ext uri="{C183D7F6-B498-43B3-948B-1728B52AA6E4}">
+                <adec:decorative xmlns:adec="http://schemas.microsoft.com/office/drawing/2017/decorative" val="1"/>
+              </a:ext>
+            </a:extLst>
+          </p:cNvPr>
+          <p:cNvSpPr>
+            <a:spLocks noGrp="1" noRot="1" noChangeAspect="1" noMove="1" noResize="1" noEditPoints="1" noAdjustHandles="1" noChangeArrowheads="1" noChangeShapeType="1" noTextEdit="1"/>
+          </p:cNvSpPr>
+          <p:nvPr>
+            <p:extLst>
+              <p:ext uri="{386F3935-93C4-4BCD-93E2-E3B085C9AB24}">
+                <p16:designElem xmlns:p16="http://schemas.microsoft.com/office/powerpoint/2015/main" val="1"/>
+              </p:ext>
+            </p:extLst>
+          </p:nvPr>
+        </p:nvSpPr>
+        <p:spPr>
+          <a:xfrm>
+            <a:off x="0" y="0"/>
+            <a:ext cx="12188952" cy="6858000"/>
+          </a:xfrm>
+          <a:prstGeom prst="rect">
+            <a:avLst/>
+          </a:prstGeom>
+          <a:ln w="12700" cap="flat" cmpd="sng" algn="ctr">
+            <a:noFill/>
+            <a:prstDash val="solid"/>
+            <a:miter lim="800000"/>
+          </a:ln>
+          <a:effectLst/>
+          <a:extLst>
+            <a:ext uri="{91240B29-F687-4F45-9708-019B960494DF}">
+              <a14:hiddenLine xmlns:a14="http://schemas.microsoft.com/office/drawing/2010/main" w="12700" cap="flat" cmpd="sng" algn="ctr">
+                <a:solidFill>
+                  <a:schemeClr val="accent1">
+                    <a:shade val="50000"/>
+                  </a:schemeClr>
+                </a:solidFill>
+                <a:prstDash val="solid"/>
+                <a:miter lim="800000"/>
+              </a14:hiddenLine>
+            </a:ext>
+          </a:extLst>
+        </p:spPr>
+        <p:style>
+          <a:lnRef idx="2">
+            <a:schemeClr val="accent1">
+              <a:shade val="50000"/>
+            </a:schemeClr>
+          </a:lnRef>
+          <a:fillRef idx="1">
+            <a:schemeClr val="accent1"/>
+          </a:fillRef>
+          <a:effectRef idx="0">
+            <a:schemeClr val="accent1"/>
+          </a:effectRef>
+          <a:fontRef idx="minor">
+            <a:schemeClr val="lt1"/>
+          </a:fontRef>
+        </p:style>
+        <p:txBody>
+          <a:bodyPr rtlCol="0" anchor="ctr"/>
+          <a:lstStyle/>
+          <a:p>
+            <a:pPr algn="ctr"/>
+            <a:endParaRPr lang="en-US"/>
+          </a:p>
+        </p:txBody>
+      </p:sp>
+      <p:sp>
+        <p:nvSpPr>
+          <p:cNvPr id="12" name="Rectangle 11">
+            <a:extLst>
+              <a:ext uri="{FF2B5EF4-FFF2-40B4-BE49-F238E27FC236}">
+                <a16:creationId xmlns:a16="http://schemas.microsoft.com/office/drawing/2014/main" id="{CD9FE4EF-C4D8-49A0-B2FF-81D8DB7D8A24}"/>
+              </a:ext>
+              <a:ext uri="{C183D7F6-B498-43B3-948B-1728B52AA6E4}">
+                <adec:decorative xmlns:adec="http://schemas.microsoft.com/office/drawing/2017/decorative" val="1"/>
+              </a:ext>
+            </a:extLst>
+          </p:cNvPr>
+          <p:cNvSpPr>
+            <a:spLocks noGrp="1" noRot="1" noChangeAspect="1" noMove="1" noResize="1" noEditPoints="1" noAdjustHandles="1" noChangeArrowheads="1" noChangeShapeType="1" noTextEdit="1"/>
+          </p:cNvSpPr>
+          <p:nvPr>
+            <p:extLst>
+              <p:ext uri="{386F3935-93C4-4BCD-93E2-E3B085C9AB24}">
+                <p16:designElem xmlns:p16="http://schemas.microsoft.com/office/powerpoint/2015/main" val="1"/>
+              </p:ext>
+            </p:extLst>
+          </p:nvPr>
+        </p:nvSpPr>
+        <p:spPr>
+          <a:xfrm rot="5400000" flipH="1">
+            <a:off x="-1410084" y="1410082"/>
+            <a:ext cx="6858000" cy="4037836"/>
+          </a:xfrm>
+          <a:prstGeom prst="rect">
+            <a:avLst/>
+          </a:prstGeom>
+          <a:gradFill>
+            <a:gsLst>
+              <a:gs pos="8000">
+                <a:srgbClr val="000000"/>
+              </a:gs>
+              <a:gs pos="100000">
+                <a:schemeClr val="accent1">
+                  <a:lumMod val="75000"/>
+                </a:schemeClr>
+              </a:gs>
+            </a:gsLst>
+            <a:lin ang="3000000" scaled="0"/>
+          </a:gradFill>
+          <a:ln>
+            <a:noFill/>
+          </a:ln>
+        </p:spPr>
+        <p:style>
+          <a:lnRef idx="2">
+            <a:schemeClr val="accent1">
+              <a:shade val="50000"/>
+            </a:schemeClr>
+          </a:lnRef>
+          <a:fillRef idx="1">
+            <a:schemeClr val="accent1"/>
+          </a:fillRef>
+          <a:effectRef idx="0">
+            <a:schemeClr val="accent1"/>
+          </a:effectRef>
+          <a:fontRef idx="minor">
+            <a:schemeClr val="lt1"/>
+          </a:fontRef>
+        </p:style>
+        <p:txBody>
+          <a:bodyPr rtlCol="0" anchor="ctr"/>
+          <a:lstStyle/>
+          <a:p>
+            <a:pPr algn="ctr"/>
+            <a:endParaRPr lang="en-US"/>
+          </a:p>
+        </p:txBody>
+      </p:sp>
+      <p:sp>
+        <p:nvSpPr>
+          <p:cNvPr id="14" name="Rectangle 13">
+            <a:extLst>
+              <a:ext uri="{FF2B5EF4-FFF2-40B4-BE49-F238E27FC236}">
+                <a16:creationId xmlns:a16="http://schemas.microsoft.com/office/drawing/2014/main" id="{4300840D-0A0B-4512-BACA-B439D5B9C57C}"/>
+              </a:ext>
+              <a:ext uri="{C183D7F6-B498-43B3-948B-1728B52AA6E4}">
+                <adec:decorative xmlns:adec="http://schemas.microsoft.com/office/drawing/2017/decorative" val="1"/>
+              </a:ext>
+            </a:extLst>
+          </p:cNvPr>
+          <p:cNvSpPr>
+            <a:spLocks noGrp="1" noRot="1" noChangeAspect="1" noMove="1" noResize="1" noEditPoints="1" noAdjustHandles="1" noChangeArrowheads="1" noChangeShapeType="1" noTextEdit="1"/>
+          </p:cNvSpPr>
+          <p:nvPr>
+            <p:extLst>
+              <p:ext uri="{386F3935-93C4-4BCD-93E2-E3B085C9AB24}">
+                <p16:designElem xmlns:p16="http://schemas.microsoft.com/office/powerpoint/2015/main" val="1"/>
+              </p:ext>
+            </p:extLst>
+          </p:nvPr>
+        </p:nvSpPr>
+        <p:spPr>
+          <a:xfrm rot="5400000" flipH="1">
+            <a:off x="-1410085" y="1420219"/>
+            <a:ext cx="6857999" cy="4037839"/>
+          </a:xfrm>
+          <a:prstGeom prst="rect">
+            <a:avLst/>
+          </a:prstGeom>
+          <a:gradFill>
+            <a:gsLst>
+              <a:gs pos="0">
+                <a:srgbClr val="000000">
+                  <a:alpha val="0"/>
+                </a:srgbClr>
+              </a:gs>
+              <a:gs pos="99000">
+                <a:schemeClr val="accent1">
+                  <a:alpha val="46000"/>
+                </a:schemeClr>
+              </a:gs>
+            </a:gsLst>
+            <a:lin ang="1800000" scaled="0"/>
+          </a:gradFill>
+          <a:ln>
+            <a:noFill/>
+          </a:ln>
+        </p:spPr>
+        <p:style>
+          <a:lnRef idx="2">
+            <a:schemeClr val="accent1">
+              <a:shade val="50000"/>
+            </a:schemeClr>
+          </a:lnRef>
+          <a:fillRef idx="1">
+            <a:schemeClr val="accent1"/>
+          </a:fillRef>
+          <a:effectRef idx="0">
+            <a:schemeClr val="accent1"/>
+          </a:effectRef>
+          <a:fontRef idx="minor">
+            <a:schemeClr val="lt1"/>
+          </a:fontRef>
+        </p:style>
+        <p:txBody>
+          <a:bodyPr rtlCol="0" anchor="ctr"/>
+          <a:lstStyle/>
+          <a:p>
+            <a:pPr algn="ctr"/>
+            <a:endParaRPr lang="en-US"/>
+          </a:p>
+        </p:txBody>
+      </p:sp>
+      <p:sp>
+        <p:nvSpPr>
+          <p:cNvPr id="16" name="Rectangle 15">
+            <a:extLst>
+              <a:ext uri="{FF2B5EF4-FFF2-40B4-BE49-F238E27FC236}">
+                <a16:creationId xmlns:a16="http://schemas.microsoft.com/office/drawing/2014/main" id="{D2B78728-A580-49A7-84F9-6EF6F583ADE0}"/>
+              </a:ext>
+              <a:ext uri="{C183D7F6-B498-43B3-948B-1728B52AA6E4}">
+                <adec:decorative xmlns:adec="http://schemas.microsoft.com/office/drawing/2017/decorative" val="1"/>
+              </a:ext>
+            </a:extLst>
+          </p:cNvPr>
+          <p:cNvSpPr>
+            <a:spLocks noGrp="1" noRot="1" noChangeAspect="1" noMove="1" noResize="1" noEditPoints="1" noAdjustHandles="1" noChangeArrowheads="1" noChangeShapeType="1" noTextEdit="1"/>
+          </p:cNvSpPr>
+          <p:nvPr>
+            <p:extLst>
+              <p:ext uri="{386F3935-93C4-4BCD-93E2-E3B085C9AB24}">
+                <p16:designElem xmlns:p16="http://schemas.microsoft.com/office/powerpoint/2015/main" val="1"/>
+              </p:ext>
+            </p:extLst>
+          </p:nvPr>
+        </p:nvSpPr>
+        <p:spPr>
+          <a:xfrm rot="5400000" flipH="1">
+            <a:off x="767923" y="3588085"/>
+            <a:ext cx="2501979" cy="4037841"/>
+          </a:xfrm>
+          <a:prstGeom prst="rect">
+            <a:avLst/>
+          </a:prstGeom>
+          <a:gradFill>
+            <a:gsLst>
+              <a:gs pos="2000">
+                <a:schemeClr val="accent1">
+                  <a:alpha val="29000"/>
+                </a:schemeClr>
+              </a:gs>
+              <a:gs pos="100000">
+                <a:srgbClr val="000000">
+                  <a:alpha val="30000"/>
+                </a:srgbClr>
+              </a:gs>
+            </a:gsLst>
+            <a:lin ang="7800000" scaled="0"/>
+          </a:gradFill>
+          <a:ln>
+            <a:noFill/>
+          </a:ln>
+        </p:spPr>
+        <p:style>
+          <a:lnRef idx="2">
+            <a:schemeClr val="accent1">
+              <a:shade val="50000"/>
+            </a:schemeClr>
+          </a:lnRef>
+          <a:fillRef idx="1">
+            <a:schemeClr val="accent1"/>
+          </a:fillRef>
+          <a:effectRef idx="0">
+            <a:schemeClr val="accent1"/>
+          </a:effectRef>
+          <a:fontRef idx="minor">
+            <a:schemeClr val="lt1"/>
+          </a:fontRef>
+        </p:style>
+        <p:txBody>
+          <a:bodyPr rtlCol="0" anchor="ctr"/>
+          <a:lstStyle/>
+          <a:p>
+            <a:pPr algn="ctr"/>
+            <a:endParaRPr lang="en-US" dirty="0"/>
+          </a:p>
+        </p:txBody>
+      </p:sp>
+      <p:sp>
+        <p:nvSpPr>
+          <p:cNvPr id="18" name="Freeform: Shape 17">
+            <a:extLst>
+              <a:ext uri="{FF2B5EF4-FFF2-40B4-BE49-F238E27FC236}">
+                <a16:creationId xmlns:a16="http://schemas.microsoft.com/office/drawing/2014/main" id="{38FAA1A1-D861-433F-88FA-1E9D6FD31D11}"/>
+              </a:ext>
+              <a:ext uri="{C183D7F6-B498-43B3-948B-1728B52AA6E4}">
+                <adec:decorative xmlns:adec="http://schemas.microsoft.com/office/drawing/2017/decorative" val="1"/>
+              </a:ext>
+            </a:extLst>
+          </p:cNvPr>
+          <p:cNvSpPr>
+            <a:spLocks noGrp="1" noRot="1" noChangeAspect="1" noMove="1" noResize="1" noEditPoints="1" noAdjustHandles="1" noChangeArrowheads="1" noChangeShapeType="1" noTextEdit="1"/>
+          </p:cNvSpPr>
+          <p:nvPr>
+            <p:extLst>
+              <p:ext uri="{386F3935-93C4-4BCD-93E2-E3B085C9AB24}">
+                <p16:designElem xmlns:p16="http://schemas.microsoft.com/office/powerpoint/2015/main" val="1"/>
+              </p:ext>
+            </p:extLst>
+          </p:nvPr>
+        </p:nvSpPr>
+        <p:spPr>
+          <a:xfrm rot="20635413">
+            <a:off x="-501737" y="969718"/>
+            <a:ext cx="3900357" cy="4178958"/>
+          </a:xfrm>
+          <a:custGeom>
+            <a:avLst/>
+            <a:gdLst>
+              <a:gd name="connsiteX0" fmla="*/ 2432225 w 3900357"/>
+              <a:gd name="connsiteY0" fmla="*/ 93939 h 4178958"/>
+              <a:gd name="connsiteX1" fmla="*/ 3900357 w 3900357"/>
+              <a:gd name="connsiteY1" fmla="*/ 2089479 h 4178958"/>
+              <a:gd name="connsiteX2" fmla="*/ 1810878 w 3900357"/>
+              <a:gd name="connsiteY2" fmla="*/ 4178958 h 4178958"/>
+              <a:gd name="connsiteX3" fmla="*/ 78249 w 3900357"/>
+              <a:gd name="connsiteY3" fmla="*/ 3257727 h 4178958"/>
+              <a:gd name="connsiteX4" fmla="*/ 0 w 3900357"/>
+              <a:gd name="connsiteY4" fmla="*/ 3128923 h 4178958"/>
+              <a:gd name="connsiteX5" fmla="*/ 831324 w 3900357"/>
+              <a:gd name="connsiteY5" fmla="*/ 244281 h 4178958"/>
+              <a:gd name="connsiteX6" fmla="*/ 997559 w 3900357"/>
+              <a:gd name="connsiteY6" fmla="*/ 164202 h 4178958"/>
+              <a:gd name="connsiteX7" fmla="*/ 1810878 w 3900357"/>
+              <a:gd name="connsiteY7" fmla="*/ 0 h 4178958"/>
+              <a:gd name="connsiteX8" fmla="*/ 2432225 w 3900357"/>
+              <a:gd name="connsiteY8" fmla="*/ 93939 h 4178958"/>
+            </a:gdLst>
+            <a:ahLst/>
+            <a:cxnLst>
+              <a:cxn ang="0">
+                <a:pos x="connsiteX0" y="connsiteY0"/>
+              </a:cxn>
+              <a:cxn ang="0">
+                <a:pos x="connsiteX1" y="connsiteY1"/>
+              </a:cxn>
+              <a:cxn ang="0">
+                <a:pos x="connsiteX2" y="connsiteY2"/>
+              </a:cxn>
+              <a:cxn ang="0">
+                <a:pos x="connsiteX3" y="connsiteY3"/>
+              </a:cxn>
+              <a:cxn ang="0">
+                <a:pos x="connsiteX4" y="connsiteY4"/>
+              </a:cxn>
+              <a:cxn ang="0">
+                <a:pos x="connsiteX5" y="connsiteY5"/>
+              </a:cxn>
+              <a:cxn ang="0">
+                <a:pos x="connsiteX6" y="connsiteY6"/>
+              </a:cxn>
+              <a:cxn ang="0">
+                <a:pos x="connsiteX7" y="connsiteY7"/>
+              </a:cxn>
+              <a:cxn ang="0">
+                <a:pos x="connsiteX8" y="connsiteY8"/>
+              </a:cxn>
+            </a:cxnLst>
+            <a:rect l="l" t="t" r="r" b="b"/>
+            <a:pathLst>
+              <a:path w="3900357" h="4178958">
+                <a:moveTo>
+                  <a:pt x="2432225" y="93939"/>
+                </a:moveTo>
+                <a:cubicBezTo>
+                  <a:pt x="3282786" y="358491"/>
+                  <a:pt x="3900357" y="1151865"/>
+                  <a:pt x="3900357" y="2089479"/>
+                </a:cubicBezTo>
+                <a:cubicBezTo>
+                  <a:pt x="3900357" y="3243466"/>
+                  <a:pt x="2964865" y="4178958"/>
+                  <a:pt x="1810878" y="4178958"/>
+                </a:cubicBezTo>
+                <a:cubicBezTo>
+                  <a:pt x="1089636" y="4178958"/>
+                  <a:pt x="453744" y="3813531"/>
+                  <a:pt x="78249" y="3257727"/>
+                </a:cubicBezTo>
+                <a:lnTo>
+                  <a:pt x="0" y="3128923"/>
+                </a:lnTo>
+                <a:lnTo>
+                  <a:pt x="831324" y="244281"/>
+                </a:lnTo>
+                <a:lnTo>
+                  <a:pt x="997559" y="164202"/>
+                </a:lnTo>
+                <a:cubicBezTo>
+                  <a:pt x="1247540" y="58468"/>
+                  <a:pt x="1522381" y="0"/>
+                  <a:pt x="1810878" y="0"/>
+                </a:cubicBezTo>
+                <a:cubicBezTo>
+                  <a:pt x="2027251" y="0"/>
+                  <a:pt x="2235942" y="32888"/>
+                  <a:pt x="2432225" y="93939"/>
+                </a:cubicBezTo>
+                <a:close/>
+              </a:path>
+            </a:pathLst>
+          </a:custGeom>
+          <a:gradFill>
+            <a:gsLst>
+              <a:gs pos="29000">
+                <a:srgbClr val="000000">
+                  <a:alpha val="0"/>
+                </a:srgbClr>
+              </a:gs>
+              <a:gs pos="100000">
+                <a:schemeClr val="accent1">
+                  <a:alpha val="43000"/>
+                </a:schemeClr>
+              </a:gs>
+            </a:gsLst>
+            <a:lin ang="1800000" scaled="0"/>
+          </a:gradFill>
+          <a:ln>
+            <a:noFill/>
+          </a:ln>
+        </p:spPr>
+        <p:style>
+          <a:lnRef idx="2">
+            <a:schemeClr val="accent1">
+              <a:shade val="50000"/>
+            </a:schemeClr>
+          </a:lnRef>
+          <a:fillRef idx="1">
+            <a:schemeClr val="accent1"/>
+          </a:fillRef>
+          <a:effectRef idx="0">
+            <a:schemeClr val="accent1"/>
+          </a:effectRef>
+          <a:fontRef idx="minor">
+            <a:schemeClr val="lt1"/>
+          </a:fontRef>
+        </p:style>
+        <p:txBody>
+          <a:bodyPr wrap="square" rtlCol="0" anchor="ctr">
+            <a:noAutofit/>
+          </a:bodyPr>
+          <a:lstStyle/>
+          <a:p>
+            <a:pPr algn="ctr"/>
+            <a:endParaRPr lang="en-US" dirty="0"/>
+          </a:p>
+        </p:txBody>
+      </p:sp>
+      <p:sp>
+        <p:nvSpPr>
+          <p:cNvPr id="20" name="Rectangle 19">
+            <a:extLst>
+              <a:ext uri="{FF2B5EF4-FFF2-40B4-BE49-F238E27FC236}">
+                <a16:creationId xmlns:a16="http://schemas.microsoft.com/office/drawing/2014/main" id="{8D71EDA1-87BF-4D5D-AB79-F346FD19278A}"/>
+              </a:ext>
+              <a:ext uri="{C183D7F6-B498-43B3-948B-1728B52AA6E4}">
+                <adec:decorative xmlns:adec="http://schemas.microsoft.com/office/drawing/2017/decorative" val="1"/>
+              </a:ext>
+            </a:extLst>
+          </p:cNvPr>
+          <p:cNvSpPr>
+            <a:spLocks noGrp="1" noRot="1" noChangeAspect="1" noMove="1" noResize="1" noEditPoints="1" noAdjustHandles="1" noChangeArrowheads="1" noChangeShapeType="1" noTextEdit="1"/>
+          </p:cNvSpPr>
+          <p:nvPr>
+            <p:extLst>
+              <p:ext uri="{386F3935-93C4-4BCD-93E2-E3B085C9AB24}">
+                <p16:designElem xmlns:p16="http://schemas.microsoft.com/office/powerpoint/2015/main" val="1"/>
+              </p:ext>
+            </p:extLst>
+          </p:nvPr>
+        </p:nvSpPr>
+        <p:spPr>
+          <a:xfrm rot="5400000" flipH="1">
+            <a:off x="-1410093" y="1399943"/>
+            <a:ext cx="6858003" cy="4037835"/>
+          </a:xfrm>
+          <a:prstGeom prst="rect">
+            <a:avLst/>
+          </a:prstGeom>
+          <a:gradFill>
+            <a:gsLst>
+              <a:gs pos="0">
+                <a:srgbClr val="000000">
+                  <a:alpha val="0"/>
+                </a:srgbClr>
+              </a:gs>
+              <a:gs pos="99000">
+                <a:schemeClr val="accent1">
+                  <a:lumMod val="60000"/>
+                  <a:lumOff val="40000"/>
+                  <a:alpha val="11000"/>
+                </a:schemeClr>
+              </a:gs>
+            </a:gsLst>
+            <a:lin ang="7200000" scaled="0"/>
+          </a:gradFill>
+          <a:ln>
+            <a:noFill/>
+          </a:ln>
+        </p:spPr>
+        <p:style>
+          <a:lnRef idx="2">
+            <a:schemeClr val="accent1">
+              <a:shade val="50000"/>
+            </a:schemeClr>
+          </a:lnRef>
+          <a:fillRef idx="1">
+            <a:schemeClr val="accent1"/>
+          </a:fillRef>
+          <a:effectRef idx="0">
+            <a:schemeClr val="accent1"/>
+          </a:effectRef>
+          <a:fontRef idx="minor">
+            <a:schemeClr val="lt1"/>
+          </a:fontRef>
+        </p:style>
+        <p:txBody>
+          <a:bodyPr rtlCol="0" anchor="ctr"/>
+          <a:lstStyle/>
+          <a:p>
+            <a:pPr algn="ctr"/>
+            <a:endParaRPr lang="en-US"/>
+          </a:p>
+        </p:txBody>
+      </p:sp>
+      <p:sp>
+        <p:nvSpPr>
+          <p:cNvPr id="2" name="Title 1">
+            <a:extLst>
+              <a:ext uri="{FF2B5EF4-FFF2-40B4-BE49-F238E27FC236}">
+                <a16:creationId xmlns:a16="http://schemas.microsoft.com/office/drawing/2014/main" id="{3554389A-F561-477C-B9DF-E9DAF1C2810A}"/>
+              </a:ext>
+            </a:extLst>
+          </p:cNvPr>
+          <p:cNvSpPr>
+            <a:spLocks noGrp="1"/>
+          </p:cNvSpPr>
+          <p:nvPr>
+            <p:ph type="title"/>
+          </p:nvPr>
+        </p:nvSpPr>
+        <p:spPr>
+          <a:xfrm>
+            <a:off x="466722" y="586855"/>
+            <a:ext cx="3201366" cy="3387497"/>
+          </a:xfrm>
+        </p:spPr>
+        <p:txBody>
+          <a:bodyPr anchor="b">
+            <a:normAutofit/>
+          </a:bodyPr>
+          <a:lstStyle/>
+          <a:p>
+            <a:pPr algn="r"/>
+            <a:r>
+              <a:rPr lang="en-US" sz="4000">
+                <a:solidFill>
+                  <a:srgbClr val="FFFFFF"/>
+                </a:solidFill>
+              </a:rPr>
+              <a:t>About the Data</a:t>
+            </a:r>
+            <a:endParaRPr lang="en-US" sz="4000" dirty="0">
+              <a:solidFill>
+                <a:srgbClr val="FFFFFF"/>
+              </a:solidFill>
+            </a:endParaRPr>
+          </a:p>
+        </p:txBody>
+      </p:sp>
+      <p:pic>
+        <p:nvPicPr>
+          <p:cNvPr id="5" name="Picture 4">
+            <a:extLst>
+              <a:ext uri="{FF2B5EF4-FFF2-40B4-BE49-F238E27FC236}">
+                <a16:creationId xmlns:a16="http://schemas.microsoft.com/office/drawing/2014/main" id="{7652E74F-111D-4107-B901-78B84C73D626}"/>
+              </a:ext>
+            </a:extLst>
+          </p:cNvPr>
+          <p:cNvPicPr>
+            <a:picLocks noChangeAspect="1"/>
+          </p:cNvPicPr>
+          <p:nvPr/>
+        </p:nvPicPr>
+        <p:blipFill>
+          <a:blip r:embed="rId2"/>
+          <a:stretch>
+            <a:fillRect/>
+          </a:stretch>
+        </p:blipFill>
+        <p:spPr>
+          <a:xfrm>
+            <a:off x="4661369" y="346619"/>
+            <a:ext cx="6630325" cy="6144482"/>
+          </a:xfrm>
+          <a:prstGeom prst="rect">
+            <a:avLst/>
+          </a:prstGeom>
+        </p:spPr>
+      </p:pic>
+    </p:spTree>
+    <p:extLst>
+      <p:ext uri="{BB962C8B-B14F-4D97-AF65-F5344CB8AC3E}">
+        <p14:creationId xmlns:p14="http://schemas.microsoft.com/office/powerpoint/2010/main" val="4051366496"/>
+      </p:ext>
+    </p:extLst>
+  </p:cSld>
+  <p:clrMapOvr>
+    <a:masterClrMapping/>
+  </p:clrMapOvr>
+</p:sld>
+</file>
+
+<file path=ppt/slides/slide5.xml><?xml version="1.0" encoding="utf-8"?>
+<p:sld xmlns:a="http://schemas.openxmlformats.org/drawingml/2006/main" xmlns:r="http://schemas.openxmlformats.org/officeDocument/2006/relationships" xmlns:p="http://schemas.openxmlformats.org/presentationml/2006/main">
+  <p:cSld>
+    <p:bg>
+      <p:bgPr>
+        <a:solidFill>
+          <a:schemeClr val="bg1"/>
+        </a:solidFill>
+        <a:effectLst/>
+      </p:bgPr>
+    </p:bg>
+    <p:spTree>
+      <p:nvGrpSpPr>
+        <p:cNvPr id="1" name=""/>
+        <p:cNvGrpSpPr/>
+        <p:nvPr/>
+      </p:nvGrpSpPr>
+      <p:grpSpPr>
+        <a:xfrm>
+          <a:off x="0" y="0"/>
+          <a:ext cx="0" cy="0"/>
+          <a:chOff x="0" y="0"/>
+          <a:chExt cx="0" cy="0"/>
+        </a:xfrm>
+      </p:grpSpPr>
+      <p:sp useBgFill="1">
+        <p:nvSpPr>
+          <p:cNvPr id="8" name="Rectangle 7">
+            <a:extLst>
+              <a:ext uri="{FF2B5EF4-FFF2-40B4-BE49-F238E27FC236}">
+                <a16:creationId xmlns:a16="http://schemas.microsoft.com/office/drawing/2014/main" id="{09588DA8-065E-4F6F-8EFD-43104AB2E0CF}"/>
+              </a:ext>
+              <a:ext uri="{C183D7F6-B498-43B3-948B-1728B52AA6E4}">
+                <adec:decorative xmlns:adec="http://schemas.microsoft.com/office/drawing/2017/decorative" val="1"/>
+              </a:ext>
+            </a:extLst>
+          </p:cNvPr>
+          <p:cNvSpPr>
+            <a:spLocks noGrp="1" noRot="1" noChangeAspect="1" noMove="1" noResize="1" noEditPoints="1" noAdjustHandles="1" noChangeArrowheads="1" noChangeShapeType="1" noTextEdit="1"/>
+          </p:cNvSpPr>
+          <p:nvPr>
+            <p:extLst>
+              <p:ext uri="{386F3935-93C4-4BCD-93E2-E3B085C9AB24}">
+                <p16:designElem xmlns:p16="http://schemas.microsoft.com/office/powerpoint/2015/main" val="1"/>
+              </p:ext>
+            </p:extLst>
+          </p:nvPr>
+        </p:nvSpPr>
+        <p:spPr>
+          <a:xfrm>
+            <a:off x="0" y="0"/>
+            <a:ext cx="12192000" cy="6858000"/>
+          </a:xfrm>
+          <a:prstGeom prst="rect">
+            <a:avLst/>
+          </a:prstGeom>
+          <a:ln w="12700" cap="flat" cmpd="sng" algn="ctr">
+            <a:noFill/>
+            <a:prstDash val="solid"/>
+            <a:miter lim="800000"/>
+          </a:ln>
+          <a:effectLst/>
+          <a:extLst>
+            <a:ext uri="{91240B29-F687-4F45-9708-019B960494DF}">
+              <a14:hiddenLine xmlns:a14="http://schemas.microsoft.com/office/drawing/2010/main" w="12700" cap="flat" cmpd="sng" algn="ctr">
+                <a:solidFill>
+                  <a:schemeClr val="accent1">
+                    <a:shade val="50000"/>
+                  </a:schemeClr>
+                </a:solidFill>
+                <a:prstDash val="solid"/>
+                <a:miter lim="800000"/>
+              </a14:hiddenLine>
+            </a:ext>
+          </a:extLst>
+        </p:spPr>
+        <p:style>
+          <a:lnRef idx="2">
+            <a:schemeClr val="accent1">
+              <a:shade val="50000"/>
+            </a:schemeClr>
+          </a:lnRef>
+          <a:fillRef idx="1">
+            <a:schemeClr val="accent1"/>
+          </a:fillRef>
+          <a:effectRef idx="0">
+            <a:schemeClr val="accent1"/>
+          </a:effectRef>
+          <a:fontRef idx="minor">
+            <a:schemeClr val="lt1"/>
+          </a:fontRef>
+        </p:style>
+        <p:txBody>
+          <a:bodyPr rtlCol="0" anchor="ctr"/>
+          <a:lstStyle/>
+          <a:p>
+            <a:pPr algn="ctr"/>
+            <a:endParaRPr lang="en-US"/>
+          </a:p>
+        </p:txBody>
+      </p:sp>
+      <p:sp useBgFill="1">
+        <p:nvSpPr>
+          <p:cNvPr id="10" name="Rectangle 9">
+            <a:extLst>
+              <a:ext uri="{FF2B5EF4-FFF2-40B4-BE49-F238E27FC236}">
+                <a16:creationId xmlns:a16="http://schemas.microsoft.com/office/drawing/2014/main" id="{C4285719-470E-454C-AF62-8323075F1F5B}"/>
+              </a:ext>
+              <a:ext uri="{C183D7F6-B498-43B3-948B-1728B52AA6E4}">
+                <adec:decorative xmlns:adec="http://schemas.microsoft.com/office/drawing/2017/decorative" val="1"/>
+              </a:ext>
+            </a:extLst>
+          </p:cNvPr>
+          <p:cNvSpPr>
+            <a:spLocks noGrp="1" noRot="1" noChangeAspect="1" noMove="1" noResize="1" noEditPoints="1" noAdjustHandles="1" noChangeArrowheads="1" noChangeShapeType="1" noTextEdit="1"/>
+          </p:cNvSpPr>
+          <p:nvPr>
+            <p:extLst>
+              <p:ext uri="{386F3935-93C4-4BCD-93E2-E3B085C9AB24}">
+                <p16:designElem xmlns:p16="http://schemas.microsoft.com/office/powerpoint/2015/main" val="1"/>
+              </p:ext>
+            </p:extLst>
+          </p:nvPr>
+        </p:nvSpPr>
+        <p:spPr>
+          <a:xfrm>
+            <a:off x="0" y="0"/>
+            <a:ext cx="12188952" cy="6858000"/>
+          </a:xfrm>
+          <a:prstGeom prst="rect">
+            <a:avLst/>
+          </a:prstGeom>
+          <a:ln w="12700" cap="flat" cmpd="sng" algn="ctr">
+            <a:noFill/>
+            <a:prstDash val="solid"/>
+            <a:miter lim="800000"/>
+          </a:ln>
+          <a:effectLst/>
+          <a:extLst>
+            <a:ext uri="{91240B29-F687-4F45-9708-019B960494DF}">
+              <a14:hiddenLine xmlns:a14="http://schemas.microsoft.com/office/drawing/2010/main" w="12700" cap="flat" cmpd="sng" algn="ctr">
+                <a:solidFill>
+                  <a:schemeClr val="accent1">
+                    <a:shade val="50000"/>
+                  </a:schemeClr>
+                </a:solidFill>
+                <a:prstDash val="solid"/>
+                <a:miter lim="800000"/>
+              </a14:hiddenLine>
+            </a:ext>
+          </a:extLst>
+        </p:spPr>
+        <p:style>
+          <a:lnRef idx="2">
+            <a:schemeClr val="accent1">
+              <a:shade val="50000"/>
+            </a:schemeClr>
+          </a:lnRef>
+          <a:fillRef idx="1">
+            <a:schemeClr val="accent1"/>
+          </a:fillRef>
+          <a:effectRef idx="0">
+            <a:schemeClr val="accent1"/>
+          </a:effectRef>
+          <a:fontRef idx="minor">
+            <a:schemeClr val="lt1"/>
+          </a:fontRef>
+        </p:style>
+        <p:txBody>
+          <a:bodyPr rtlCol="0" anchor="ctr"/>
+          <a:lstStyle/>
+          <a:p>
+            <a:pPr algn="ctr"/>
+            <a:endParaRPr lang="en-US"/>
+          </a:p>
+        </p:txBody>
+      </p:sp>
+      <p:sp>
+        <p:nvSpPr>
+          <p:cNvPr id="12" name="Rectangle 11">
+            <a:extLst>
+              <a:ext uri="{FF2B5EF4-FFF2-40B4-BE49-F238E27FC236}">
+                <a16:creationId xmlns:a16="http://schemas.microsoft.com/office/drawing/2014/main" id="{CD9FE4EF-C4D8-49A0-B2FF-81D8DB7D8A24}"/>
+              </a:ext>
+              <a:ext uri="{C183D7F6-B498-43B3-948B-1728B52AA6E4}">
+                <adec:decorative xmlns:adec="http://schemas.microsoft.com/office/drawing/2017/decorative" val="1"/>
+              </a:ext>
+            </a:extLst>
+          </p:cNvPr>
+          <p:cNvSpPr>
+            <a:spLocks noGrp="1" noRot="1" noChangeAspect="1" noMove="1" noResize="1" noEditPoints="1" noAdjustHandles="1" noChangeArrowheads="1" noChangeShapeType="1" noTextEdit="1"/>
+          </p:cNvSpPr>
+          <p:nvPr>
+            <p:extLst>
+              <p:ext uri="{386F3935-93C4-4BCD-93E2-E3B085C9AB24}">
+                <p16:designElem xmlns:p16="http://schemas.microsoft.com/office/powerpoint/2015/main" val="1"/>
+              </p:ext>
+            </p:extLst>
+          </p:nvPr>
+        </p:nvSpPr>
+        <p:spPr>
+          <a:xfrm rot="5400000" flipH="1">
+            <a:off x="-1410084" y="1410082"/>
+            <a:ext cx="6858000" cy="4037836"/>
+          </a:xfrm>
+          <a:prstGeom prst="rect">
+            <a:avLst/>
+          </a:prstGeom>
+          <a:gradFill>
+            <a:gsLst>
+              <a:gs pos="8000">
+                <a:srgbClr val="000000"/>
+              </a:gs>
+              <a:gs pos="100000">
+                <a:schemeClr val="accent1">
+                  <a:lumMod val="75000"/>
+                </a:schemeClr>
+              </a:gs>
+            </a:gsLst>
+            <a:lin ang="3000000" scaled="0"/>
+          </a:gradFill>
+          <a:ln>
+            <a:noFill/>
+          </a:ln>
+        </p:spPr>
+        <p:style>
+          <a:lnRef idx="2">
+            <a:schemeClr val="accent1">
+              <a:shade val="50000"/>
+            </a:schemeClr>
+          </a:lnRef>
+          <a:fillRef idx="1">
+            <a:schemeClr val="accent1"/>
+          </a:fillRef>
+          <a:effectRef idx="0">
+            <a:schemeClr val="accent1"/>
+          </a:effectRef>
+          <a:fontRef idx="minor">
+            <a:schemeClr val="lt1"/>
+          </a:fontRef>
+        </p:style>
+        <p:txBody>
+          <a:bodyPr rtlCol="0" anchor="ctr"/>
+          <a:lstStyle/>
+          <a:p>
+            <a:pPr algn="ctr"/>
+            <a:endParaRPr lang="en-US"/>
+          </a:p>
+        </p:txBody>
+      </p:sp>
+      <p:sp>
+        <p:nvSpPr>
+          <p:cNvPr id="14" name="Rectangle 13">
+            <a:extLst>
+              <a:ext uri="{FF2B5EF4-FFF2-40B4-BE49-F238E27FC236}">
+                <a16:creationId xmlns:a16="http://schemas.microsoft.com/office/drawing/2014/main" id="{4300840D-0A0B-4512-BACA-B439D5B9C57C}"/>
+              </a:ext>
+              <a:ext uri="{C183D7F6-B498-43B3-948B-1728B52AA6E4}">
+                <adec:decorative xmlns:adec="http://schemas.microsoft.com/office/drawing/2017/decorative" val="1"/>
+              </a:ext>
+            </a:extLst>
+          </p:cNvPr>
+          <p:cNvSpPr>
+            <a:spLocks noGrp="1" noRot="1" noChangeAspect="1" noMove="1" noResize="1" noEditPoints="1" noAdjustHandles="1" noChangeArrowheads="1" noChangeShapeType="1" noTextEdit="1"/>
+          </p:cNvSpPr>
+          <p:nvPr>
+            <p:extLst>
+              <p:ext uri="{386F3935-93C4-4BCD-93E2-E3B085C9AB24}">
+                <p16:designElem xmlns:p16="http://schemas.microsoft.com/office/powerpoint/2015/main" val="1"/>
+              </p:ext>
+            </p:extLst>
+          </p:nvPr>
+        </p:nvSpPr>
+        <p:spPr>
+          <a:xfrm rot="5400000" flipH="1">
+            <a:off x="-1410085" y="1420219"/>
+            <a:ext cx="6857999" cy="4037839"/>
+          </a:xfrm>
+          <a:prstGeom prst="rect">
+            <a:avLst/>
+          </a:prstGeom>
+          <a:gradFill>
+            <a:gsLst>
+              <a:gs pos="0">
+                <a:srgbClr val="000000">
+                  <a:alpha val="0"/>
+                </a:srgbClr>
+              </a:gs>
+              <a:gs pos="99000">
+                <a:schemeClr val="accent1">
+                  <a:alpha val="46000"/>
+                </a:schemeClr>
+              </a:gs>
+            </a:gsLst>
+            <a:lin ang="1800000" scaled="0"/>
+          </a:gradFill>
+          <a:ln>
+            <a:noFill/>
+          </a:ln>
+        </p:spPr>
+        <p:style>
+          <a:lnRef idx="2">
+            <a:schemeClr val="accent1">
+              <a:shade val="50000"/>
+            </a:schemeClr>
+          </a:lnRef>
+          <a:fillRef idx="1">
+            <a:schemeClr val="accent1"/>
+          </a:fillRef>
+          <a:effectRef idx="0">
+            <a:schemeClr val="accent1"/>
+          </a:effectRef>
+          <a:fontRef idx="minor">
+            <a:schemeClr val="lt1"/>
+          </a:fontRef>
+        </p:style>
+        <p:txBody>
+          <a:bodyPr rtlCol="0" anchor="ctr"/>
+          <a:lstStyle/>
+          <a:p>
+            <a:pPr algn="ctr"/>
+            <a:endParaRPr lang="en-US"/>
+          </a:p>
+        </p:txBody>
+      </p:sp>
+      <p:sp>
+        <p:nvSpPr>
+          <p:cNvPr id="16" name="Rectangle 15">
+            <a:extLst>
+              <a:ext uri="{FF2B5EF4-FFF2-40B4-BE49-F238E27FC236}">
+                <a16:creationId xmlns:a16="http://schemas.microsoft.com/office/drawing/2014/main" id="{D2B78728-A580-49A7-84F9-6EF6F583ADE0}"/>
+              </a:ext>
+              <a:ext uri="{C183D7F6-B498-43B3-948B-1728B52AA6E4}">
+                <adec:decorative xmlns:adec="http://schemas.microsoft.com/office/drawing/2017/decorative" val="1"/>
+              </a:ext>
+            </a:extLst>
+          </p:cNvPr>
+          <p:cNvSpPr>
+            <a:spLocks noGrp="1" noRot="1" noChangeAspect="1" noMove="1" noResize="1" noEditPoints="1" noAdjustHandles="1" noChangeArrowheads="1" noChangeShapeType="1" noTextEdit="1"/>
+          </p:cNvSpPr>
+          <p:nvPr>
+            <p:extLst>
+              <p:ext uri="{386F3935-93C4-4BCD-93E2-E3B085C9AB24}">
+                <p16:designElem xmlns:p16="http://schemas.microsoft.com/office/powerpoint/2015/main" val="1"/>
+              </p:ext>
+            </p:extLst>
+          </p:nvPr>
+        </p:nvSpPr>
+        <p:spPr>
+          <a:xfrm rot="5400000" flipH="1">
+            <a:off x="767923" y="3588085"/>
+            <a:ext cx="2501979" cy="4037841"/>
+          </a:xfrm>
+          <a:prstGeom prst="rect">
+            <a:avLst/>
+          </a:prstGeom>
+          <a:gradFill>
+            <a:gsLst>
+              <a:gs pos="2000">
+                <a:schemeClr val="accent1">
+                  <a:alpha val="29000"/>
+                </a:schemeClr>
+              </a:gs>
+              <a:gs pos="100000">
+                <a:srgbClr val="000000">
+                  <a:alpha val="30000"/>
+                </a:srgbClr>
+              </a:gs>
+            </a:gsLst>
+            <a:lin ang="7800000" scaled="0"/>
+          </a:gradFill>
+          <a:ln>
+            <a:noFill/>
+          </a:ln>
+        </p:spPr>
+        <p:style>
+          <a:lnRef idx="2">
+            <a:schemeClr val="accent1">
+              <a:shade val="50000"/>
+            </a:schemeClr>
+          </a:lnRef>
+          <a:fillRef idx="1">
+            <a:schemeClr val="accent1"/>
+          </a:fillRef>
+          <a:effectRef idx="0">
+            <a:schemeClr val="accent1"/>
+          </a:effectRef>
+          <a:fontRef idx="minor">
+            <a:schemeClr val="lt1"/>
+          </a:fontRef>
+        </p:style>
+        <p:txBody>
+          <a:bodyPr rtlCol="0" anchor="ctr"/>
+          <a:lstStyle/>
+          <a:p>
+            <a:pPr algn="ctr"/>
+            <a:endParaRPr lang="en-US" dirty="0"/>
+          </a:p>
+        </p:txBody>
+      </p:sp>
+      <p:sp>
+        <p:nvSpPr>
+          <p:cNvPr id="18" name="Freeform: Shape 17">
+            <a:extLst>
+              <a:ext uri="{FF2B5EF4-FFF2-40B4-BE49-F238E27FC236}">
+                <a16:creationId xmlns:a16="http://schemas.microsoft.com/office/drawing/2014/main" id="{38FAA1A1-D861-433F-88FA-1E9D6FD31D11}"/>
+              </a:ext>
+              <a:ext uri="{C183D7F6-B498-43B3-948B-1728B52AA6E4}">
+                <adec:decorative xmlns:adec="http://schemas.microsoft.com/office/drawing/2017/decorative" val="1"/>
+              </a:ext>
+            </a:extLst>
+          </p:cNvPr>
+          <p:cNvSpPr>
+            <a:spLocks noGrp="1" noRot="1" noChangeAspect="1" noMove="1" noResize="1" noEditPoints="1" noAdjustHandles="1" noChangeArrowheads="1" noChangeShapeType="1" noTextEdit="1"/>
+          </p:cNvSpPr>
+          <p:nvPr>
+            <p:extLst>
+              <p:ext uri="{386F3935-93C4-4BCD-93E2-E3B085C9AB24}">
+                <p16:designElem xmlns:p16="http://schemas.microsoft.com/office/powerpoint/2015/main" val="1"/>
+              </p:ext>
+            </p:extLst>
+          </p:nvPr>
+        </p:nvSpPr>
+        <p:spPr>
+          <a:xfrm rot="20635413">
+            <a:off x="-501737" y="969718"/>
+            <a:ext cx="3900357" cy="4178958"/>
+          </a:xfrm>
+          <a:custGeom>
+            <a:avLst/>
+            <a:gdLst>
+              <a:gd name="connsiteX0" fmla="*/ 2432225 w 3900357"/>
+              <a:gd name="connsiteY0" fmla="*/ 93939 h 4178958"/>
+              <a:gd name="connsiteX1" fmla="*/ 3900357 w 3900357"/>
+              <a:gd name="connsiteY1" fmla="*/ 2089479 h 4178958"/>
+              <a:gd name="connsiteX2" fmla="*/ 1810878 w 3900357"/>
+              <a:gd name="connsiteY2" fmla="*/ 4178958 h 4178958"/>
+              <a:gd name="connsiteX3" fmla="*/ 78249 w 3900357"/>
+              <a:gd name="connsiteY3" fmla="*/ 3257727 h 4178958"/>
+              <a:gd name="connsiteX4" fmla="*/ 0 w 3900357"/>
+              <a:gd name="connsiteY4" fmla="*/ 3128923 h 4178958"/>
+              <a:gd name="connsiteX5" fmla="*/ 831324 w 3900357"/>
+              <a:gd name="connsiteY5" fmla="*/ 244281 h 4178958"/>
+              <a:gd name="connsiteX6" fmla="*/ 997559 w 3900357"/>
+              <a:gd name="connsiteY6" fmla="*/ 164202 h 4178958"/>
+              <a:gd name="connsiteX7" fmla="*/ 1810878 w 3900357"/>
+              <a:gd name="connsiteY7" fmla="*/ 0 h 4178958"/>
+              <a:gd name="connsiteX8" fmla="*/ 2432225 w 3900357"/>
+              <a:gd name="connsiteY8" fmla="*/ 93939 h 4178958"/>
+            </a:gdLst>
+            <a:ahLst/>
+            <a:cxnLst>
+              <a:cxn ang="0">
+                <a:pos x="connsiteX0" y="connsiteY0"/>
+              </a:cxn>
+              <a:cxn ang="0">
+                <a:pos x="connsiteX1" y="connsiteY1"/>
+              </a:cxn>
+              <a:cxn ang="0">
+                <a:pos x="connsiteX2" y="connsiteY2"/>
+              </a:cxn>
+              <a:cxn ang="0">
+                <a:pos x="connsiteX3" y="connsiteY3"/>
+              </a:cxn>
+              <a:cxn ang="0">
+                <a:pos x="connsiteX4" y="connsiteY4"/>
+              </a:cxn>
+              <a:cxn ang="0">
+                <a:pos x="connsiteX5" y="connsiteY5"/>
+              </a:cxn>
+              <a:cxn ang="0">
+                <a:pos x="connsiteX6" y="connsiteY6"/>
+              </a:cxn>
+              <a:cxn ang="0">
+                <a:pos x="connsiteX7" y="connsiteY7"/>
+              </a:cxn>
+              <a:cxn ang="0">
+                <a:pos x="connsiteX8" y="connsiteY8"/>
+              </a:cxn>
+            </a:cxnLst>
+            <a:rect l="l" t="t" r="r" b="b"/>
+            <a:pathLst>
+              <a:path w="3900357" h="4178958">
+                <a:moveTo>
+                  <a:pt x="2432225" y="93939"/>
+                </a:moveTo>
+                <a:cubicBezTo>
+                  <a:pt x="3282786" y="358491"/>
+                  <a:pt x="3900357" y="1151865"/>
+                  <a:pt x="3900357" y="2089479"/>
+                </a:cubicBezTo>
+                <a:cubicBezTo>
+                  <a:pt x="3900357" y="3243466"/>
+                  <a:pt x="2964865" y="4178958"/>
+                  <a:pt x="1810878" y="4178958"/>
+                </a:cubicBezTo>
+                <a:cubicBezTo>
+                  <a:pt x="1089636" y="4178958"/>
+                  <a:pt x="453744" y="3813531"/>
+                  <a:pt x="78249" y="3257727"/>
+                </a:cubicBezTo>
+                <a:lnTo>
+                  <a:pt x="0" y="3128923"/>
+                </a:lnTo>
+                <a:lnTo>
+                  <a:pt x="831324" y="244281"/>
+                </a:lnTo>
+                <a:lnTo>
+                  <a:pt x="997559" y="164202"/>
+                </a:lnTo>
+                <a:cubicBezTo>
+                  <a:pt x="1247540" y="58468"/>
+                  <a:pt x="1522381" y="0"/>
+                  <a:pt x="1810878" y="0"/>
+                </a:cubicBezTo>
+                <a:cubicBezTo>
+                  <a:pt x="2027251" y="0"/>
+                  <a:pt x="2235942" y="32888"/>
+                  <a:pt x="2432225" y="93939"/>
+                </a:cubicBezTo>
+                <a:close/>
+              </a:path>
+            </a:pathLst>
+          </a:custGeom>
+          <a:gradFill>
+            <a:gsLst>
+              <a:gs pos="29000">
+                <a:srgbClr val="000000">
+                  <a:alpha val="0"/>
+                </a:srgbClr>
+              </a:gs>
+              <a:gs pos="100000">
+                <a:schemeClr val="accent1">
+                  <a:alpha val="43000"/>
+                </a:schemeClr>
+              </a:gs>
+            </a:gsLst>
+            <a:lin ang="1800000" scaled="0"/>
+          </a:gradFill>
+          <a:ln>
+            <a:noFill/>
+          </a:ln>
+        </p:spPr>
+        <p:style>
+          <a:lnRef idx="2">
+            <a:schemeClr val="accent1">
+              <a:shade val="50000"/>
+            </a:schemeClr>
+          </a:lnRef>
+          <a:fillRef idx="1">
+            <a:schemeClr val="accent1"/>
+          </a:fillRef>
+          <a:effectRef idx="0">
+            <a:schemeClr val="accent1"/>
+          </a:effectRef>
+          <a:fontRef idx="minor">
+            <a:schemeClr val="lt1"/>
+          </a:fontRef>
+        </p:style>
+        <p:txBody>
+          <a:bodyPr wrap="square" rtlCol="0" anchor="ctr">
+            <a:noAutofit/>
+          </a:bodyPr>
+          <a:lstStyle/>
+          <a:p>
+            <a:pPr algn="ctr"/>
+            <a:endParaRPr lang="en-US" dirty="0"/>
+          </a:p>
+        </p:txBody>
+      </p:sp>
+      <p:sp>
+        <p:nvSpPr>
+          <p:cNvPr id="20" name="Rectangle 19">
+            <a:extLst>
+              <a:ext uri="{FF2B5EF4-FFF2-40B4-BE49-F238E27FC236}">
+                <a16:creationId xmlns:a16="http://schemas.microsoft.com/office/drawing/2014/main" id="{8D71EDA1-87BF-4D5D-AB79-F346FD19278A}"/>
+              </a:ext>
+              <a:ext uri="{C183D7F6-B498-43B3-948B-1728B52AA6E4}">
+                <adec:decorative xmlns:adec="http://schemas.microsoft.com/office/drawing/2017/decorative" val="1"/>
+              </a:ext>
+            </a:extLst>
+          </p:cNvPr>
+          <p:cNvSpPr>
+            <a:spLocks noGrp="1" noRot="1" noChangeAspect="1" noMove="1" noResize="1" noEditPoints="1" noAdjustHandles="1" noChangeArrowheads="1" noChangeShapeType="1" noTextEdit="1"/>
+          </p:cNvSpPr>
+          <p:nvPr>
+            <p:extLst>
+              <p:ext uri="{386F3935-93C4-4BCD-93E2-E3B085C9AB24}">
+                <p16:designElem xmlns:p16="http://schemas.microsoft.com/office/powerpoint/2015/main" val="1"/>
+              </p:ext>
+            </p:extLst>
+          </p:nvPr>
+        </p:nvSpPr>
+        <p:spPr>
+          <a:xfrm rot="5400000" flipH="1">
+            <a:off x="-1410093" y="1399943"/>
+            <a:ext cx="6858003" cy="4037835"/>
+          </a:xfrm>
+          <a:prstGeom prst="rect">
+            <a:avLst/>
+          </a:prstGeom>
+          <a:gradFill>
+            <a:gsLst>
+              <a:gs pos="0">
+                <a:srgbClr val="000000">
+                  <a:alpha val="0"/>
+                </a:srgbClr>
+              </a:gs>
+              <a:gs pos="99000">
+                <a:schemeClr val="accent1">
+                  <a:lumMod val="60000"/>
+                  <a:lumOff val="40000"/>
+                  <a:alpha val="11000"/>
+                </a:schemeClr>
+              </a:gs>
+            </a:gsLst>
+            <a:lin ang="7200000" scaled="0"/>
+          </a:gradFill>
+          <a:ln>
+            <a:noFill/>
+          </a:ln>
+        </p:spPr>
+        <p:style>
+          <a:lnRef idx="2">
+            <a:schemeClr val="accent1">
+              <a:shade val="50000"/>
+            </a:schemeClr>
+          </a:lnRef>
+          <a:fillRef idx="1">
+            <a:schemeClr val="accent1"/>
+          </a:fillRef>
+          <a:effectRef idx="0">
+            <a:schemeClr val="accent1"/>
+          </a:effectRef>
+          <a:fontRef idx="minor">
+            <a:schemeClr val="lt1"/>
+          </a:fontRef>
+        </p:style>
+        <p:txBody>
+          <a:bodyPr rtlCol="0" anchor="ctr"/>
+          <a:lstStyle/>
+          <a:p>
+            <a:pPr algn="ctr"/>
+            <a:endParaRPr lang="en-US"/>
+          </a:p>
+        </p:txBody>
+      </p:sp>
+      <p:sp>
+        <p:nvSpPr>
+          <p:cNvPr id="2" name="Title 1">
+            <a:extLst>
+              <a:ext uri="{FF2B5EF4-FFF2-40B4-BE49-F238E27FC236}">
+                <a16:creationId xmlns:a16="http://schemas.microsoft.com/office/drawing/2014/main" id="{0CEC627A-FAAC-4FFF-AD77-1F7C474FC72B}"/>
+              </a:ext>
+            </a:extLst>
+          </p:cNvPr>
+          <p:cNvSpPr>
+            <a:spLocks noGrp="1"/>
+          </p:cNvSpPr>
+          <p:nvPr>
+            <p:ph type="title"/>
+          </p:nvPr>
+        </p:nvSpPr>
+        <p:spPr>
+          <a:xfrm>
+            <a:off x="466722" y="586855"/>
+            <a:ext cx="3201366" cy="3387497"/>
+          </a:xfrm>
+        </p:spPr>
+        <p:txBody>
+          <a:bodyPr anchor="b">
+            <a:normAutofit/>
+          </a:bodyPr>
+          <a:lstStyle/>
+          <a:p>
+            <a:pPr algn="r"/>
+            <a:r>
+              <a:rPr lang="en-US" sz="4000" dirty="0">
+                <a:solidFill>
+                  <a:srgbClr val="FFFFFF"/>
+                </a:solidFill>
+              </a:rPr>
+              <a:t>About the Data</a:t>
+            </a:r>
+          </a:p>
+        </p:txBody>
+      </p:sp>
+      <p:pic>
+        <p:nvPicPr>
+          <p:cNvPr id="5" name="Picture 4">
+            <a:extLst>
+              <a:ext uri="{FF2B5EF4-FFF2-40B4-BE49-F238E27FC236}">
+                <a16:creationId xmlns:a16="http://schemas.microsoft.com/office/drawing/2014/main" id="{41445A7A-66AB-4AC1-95C9-508DBE100351}"/>
+              </a:ext>
+            </a:extLst>
+          </p:cNvPr>
+          <p:cNvPicPr>
+            <a:picLocks noChangeAspect="1"/>
+          </p:cNvPicPr>
+          <p:nvPr/>
+        </p:nvPicPr>
+        <p:blipFill>
+          <a:blip r:embed="rId2"/>
+          <a:stretch>
+            <a:fillRect/>
+          </a:stretch>
+        </p:blipFill>
+        <p:spPr>
+          <a:xfrm>
+            <a:off x="4769643" y="295449"/>
+            <a:ext cx="6687483" cy="6287377"/>
+          </a:xfrm>
+          <a:prstGeom prst="rect">
+            <a:avLst/>
+          </a:prstGeom>
+        </p:spPr>
+      </p:pic>
+    </p:spTree>
+    <p:extLst>
+      <p:ext uri="{BB962C8B-B14F-4D97-AF65-F5344CB8AC3E}">
+        <p14:creationId xmlns:p14="http://schemas.microsoft.com/office/powerpoint/2010/main" val="1261090397"/>
+      </p:ext>
+    </p:extLst>
+  </p:cSld>
+  <p:clrMapOvr>
+    <a:masterClrMapping/>
+  </p:clrMapOvr>
+</p:sld>
+</file>
+
+<file path=ppt/slides/slide6.xml><?xml version="1.0" encoding="utf-8"?>
+<p:sld xmlns:a="http://schemas.openxmlformats.org/drawingml/2006/main" xmlns:r="http://schemas.openxmlformats.org/officeDocument/2006/relationships" xmlns:p="http://schemas.openxmlformats.org/presentationml/2006/main">
+  <p:cSld>
+    <p:bg>
+      <p:bgPr>
+        <a:solidFill>
+          <a:schemeClr val="bg1"/>
+        </a:solidFill>
+        <a:effectLst/>
+      </p:bgPr>
+    </p:bg>
+    <p:spTree>
+      <p:nvGrpSpPr>
+        <p:cNvPr id="1" name=""/>
+        <p:cNvGrpSpPr/>
+        <p:nvPr/>
+      </p:nvGrpSpPr>
+      <p:grpSpPr>
+        <a:xfrm>
+          <a:off x="0" y="0"/>
+          <a:ext cx="0" cy="0"/>
+          <a:chOff x="0" y="0"/>
+          <a:chExt cx="0" cy="0"/>
+        </a:xfrm>
+      </p:grpSpPr>
+      <p:sp useBgFill="1">
+        <p:nvSpPr>
+          <p:cNvPr id="8" name="Rectangle 7">
+            <a:extLst>
+              <a:ext uri="{FF2B5EF4-FFF2-40B4-BE49-F238E27FC236}">
+                <a16:creationId xmlns:a16="http://schemas.microsoft.com/office/drawing/2014/main" id="{09588DA8-065E-4F6F-8EFD-43104AB2E0CF}"/>
+              </a:ext>
+              <a:ext uri="{C183D7F6-B498-43B3-948B-1728B52AA6E4}">
+                <adec:decorative xmlns:adec="http://schemas.microsoft.com/office/drawing/2017/decorative" val="1"/>
+              </a:ext>
+            </a:extLst>
+          </p:cNvPr>
+          <p:cNvSpPr>
+            <a:spLocks noGrp="1" noRot="1" noChangeAspect="1" noMove="1" noResize="1" noEditPoints="1" noAdjustHandles="1" noChangeArrowheads="1" noChangeShapeType="1" noTextEdit="1"/>
+          </p:cNvSpPr>
+          <p:nvPr>
+            <p:extLst>
+              <p:ext uri="{386F3935-93C4-4BCD-93E2-E3B085C9AB24}">
+                <p16:designElem xmlns:p16="http://schemas.microsoft.com/office/powerpoint/2015/main" val="1"/>
+              </p:ext>
+            </p:extLst>
+          </p:nvPr>
+        </p:nvSpPr>
+        <p:spPr>
+          <a:xfrm>
+            <a:off x="0" y="0"/>
+            <a:ext cx="12192000" cy="6858000"/>
+          </a:xfrm>
+          <a:prstGeom prst="rect">
+            <a:avLst/>
+          </a:prstGeom>
+          <a:ln w="12700" cap="flat" cmpd="sng" algn="ctr">
+            <a:noFill/>
+            <a:prstDash val="solid"/>
+            <a:miter lim="800000"/>
+          </a:ln>
+          <a:effectLst/>
+          <a:extLst>
+            <a:ext uri="{91240B29-F687-4F45-9708-019B960494DF}">
+              <a14:hiddenLine xmlns:a14="http://schemas.microsoft.com/office/drawing/2010/main" w="12700" cap="flat" cmpd="sng" algn="ctr">
+                <a:solidFill>
+                  <a:schemeClr val="accent1">
+                    <a:shade val="50000"/>
+                  </a:schemeClr>
+                </a:solidFill>
+                <a:prstDash val="solid"/>
+                <a:miter lim="800000"/>
+              </a14:hiddenLine>
+            </a:ext>
+          </a:extLst>
+        </p:spPr>
+        <p:style>
+          <a:lnRef idx="2">
+            <a:schemeClr val="accent1">
+              <a:shade val="50000"/>
+            </a:schemeClr>
+          </a:lnRef>
+          <a:fillRef idx="1">
+            <a:schemeClr val="accent1"/>
+          </a:fillRef>
+          <a:effectRef idx="0">
+            <a:schemeClr val="accent1"/>
+          </a:effectRef>
+          <a:fontRef idx="minor">
+            <a:schemeClr val="lt1"/>
+          </a:fontRef>
+        </p:style>
+        <p:txBody>
+          <a:bodyPr rtlCol="0" anchor="ctr"/>
+          <a:lstStyle/>
+          <a:p>
+            <a:pPr algn="ctr"/>
+            <a:endParaRPr lang="en-US"/>
+          </a:p>
+        </p:txBody>
+      </p:sp>
+      <p:sp useBgFill="1">
+        <p:nvSpPr>
+          <p:cNvPr id="10" name="Rectangle 9">
+            <a:extLst>
+              <a:ext uri="{FF2B5EF4-FFF2-40B4-BE49-F238E27FC236}">
+                <a16:creationId xmlns:a16="http://schemas.microsoft.com/office/drawing/2014/main" id="{C4285719-470E-454C-AF62-8323075F1F5B}"/>
+              </a:ext>
+              <a:ext uri="{C183D7F6-B498-43B3-948B-1728B52AA6E4}">
+                <adec:decorative xmlns:adec="http://schemas.microsoft.com/office/drawing/2017/decorative" val="1"/>
+              </a:ext>
+            </a:extLst>
+          </p:cNvPr>
+          <p:cNvSpPr>
+            <a:spLocks noGrp="1" noRot="1" noChangeAspect="1" noMove="1" noResize="1" noEditPoints="1" noAdjustHandles="1" noChangeArrowheads="1" noChangeShapeType="1" noTextEdit="1"/>
+          </p:cNvSpPr>
+          <p:nvPr>
+            <p:extLst>
+              <p:ext uri="{386F3935-93C4-4BCD-93E2-E3B085C9AB24}">
+                <p16:designElem xmlns:p16="http://schemas.microsoft.com/office/powerpoint/2015/main" val="1"/>
+              </p:ext>
+            </p:extLst>
+          </p:nvPr>
+        </p:nvSpPr>
+        <p:spPr>
+          <a:xfrm>
+            <a:off x="0" y="0"/>
+            <a:ext cx="12188952" cy="6858000"/>
+          </a:xfrm>
+          <a:prstGeom prst="rect">
+            <a:avLst/>
+          </a:prstGeom>
+          <a:ln w="12700" cap="flat" cmpd="sng" algn="ctr">
+            <a:noFill/>
+            <a:prstDash val="solid"/>
+            <a:miter lim="800000"/>
+          </a:ln>
+          <a:effectLst/>
+          <a:extLst>
+            <a:ext uri="{91240B29-F687-4F45-9708-019B960494DF}">
+              <a14:hiddenLine xmlns:a14="http://schemas.microsoft.com/office/drawing/2010/main" w="12700" cap="flat" cmpd="sng" algn="ctr">
+                <a:solidFill>
+                  <a:schemeClr val="accent1">
+                    <a:shade val="50000"/>
+                  </a:schemeClr>
+                </a:solidFill>
+                <a:prstDash val="solid"/>
+                <a:miter lim="800000"/>
+              </a14:hiddenLine>
+            </a:ext>
+          </a:extLst>
+        </p:spPr>
+        <p:style>
+          <a:lnRef idx="2">
+            <a:schemeClr val="accent1">
+              <a:shade val="50000"/>
+            </a:schemeClr>
+          </a:lnRef>
+          <a:fillRef idx="1">
+            <a:schemeClr val="accent1"/>
+          </a:fillRef>
+          <a:effectRef idx="0">
+            <a:schemeClr val="accent1"/>
+          </a:effectRef>
+          <a:fontRef idx="minor">
+            <a:schemeClr val="lt1"/>
+          </a:fontRef>
+        </p:style>
+        <p:txBody>
+          <a:bodyPr rtlCol="0" anchor="ctr"/>
+          <a:lstStyle/>
+          <a:p>
+            <a:pPr algn="ctr"/>
+            <a:endParaRPr lang="en-US"/>
+          </a:p>
+        </p:txBody>
+      </p:sp>
+      <p:sp>
+        <p:nvSpPr>
+          <p:cNvPr id="12" name="Rectangle 11">
+            <a:extLst>
+              <a:ext uri="{FF2B5EF4-FFF2-40B4-BE49-F238E27FC236}">
+                <a16:creationId xmlns:a16="http://schemas.microsoft.com/office/drawing/2014/main" id="{CD9FE4EF-C4D8-49A0-B2FF-81D8DB7D8A24}"/>
+              </a:ext>
+              <a:ext uri="{C183D7F6-B498-43B3-948B-1728B52AA6E4}">
+                <adec:decorative xmlns:adec="http://schemas.microsoft.com/office/drawing/2017/decorative" val="1"/>
+              </a:ext>
+            </a:extLst>
+          </p:cNvPr>
+          <p:cNvSpPr>
+            <a:spLocks noGrp="1" noRot="1" noChangeAspect="1" noMove="1" noResize="1" noEditPoints="1" noAdjustHandles="1" noChangeArrowheads="1" noChangeShapeType="1" noTextEdit="1"/>
+          </p:cNvSpPr>
+          <p:nvPr>
+            <p:extLst>
+              <p:ext uri="{386F3935-93C4-4BCD-93E2-E3B085C9AB24}">
+                <p16:designElem xmlns:p16="http://schemas.microsoft.com/office/powerpoint/2015/main" val="1"/>
+              </p:ext>
+            </p:extLst>
+          </p:nvPr>
+        </p:nvSpPr>
+        <p:spPr>
+          <a:xfrm rot="5400000" flipH="1">
+            <a:off x="-1410084" y="1410082"/>
+            <a:ext cx="6858000" cy="4037836"/>
+          </a:xfrm>
+          <a:prstGeom prst="rect">
+            <a:avLst/>
+          </a:prstGeom>
+          <a:gradFill>
+            <a:gsLst>
+              <a:gs pos="8000">
+                <a:srgbClr val="000000"/>
+              </a:gs>
+              <a:gs pos="100000">
+                <a:schemeClr val="accent1">
+                  <a:lumMod val="75000"/>
+                </a:schemeClr>
+              </a:gs>
+            </a:gsLst>
+            <a:lin ang="3000000" scaled="0"/>
+          </a:gradFill>
+          <a:ln>
+            <a:noFill/>
+          </a:ln>
+        </p:spPr>
+        <p:style>
+          <a:lnRef idx="2">
+            <a:schemeClr val="accent1">
+              <a:shade val="50000"/>
+            </a:schemeClr>
+          </a:lnRef>
+          <a:fillRef idx="1">
+            <a:schemeClr val="accent1"/>
+          </a:fillRef>
+          <a:effectRef idx="0">
+            <a:schemeClr val="accent1"/>
+          </a:effectRef>
+          <a:fontRef idx="minor">
+            <a:schemeClr val="lt1"/>
+          </a:fontRef>
+        </p:style>
+        <p:txBody>
+          <a:bodyPr rtlCol="0" anchor="ctr"/>
+          <a:lstStyle/>
+          <a:p>
+            <a:pPr algn="ctr"/>
+            <a:endParaRPr lang="en-US"/>
+          </a:p>
+        </p:txBody>
+      </p:sp>
+      <p:sp>
+        <p:nvSpPr>
+          <p:cNvPr id="14" name="Rectangle 13">
+            <a:extLst>
+              <a:ext uri="{FF2B5EF4-FFF2-40B4-BE49-F238E27FC236}">
+                <a16:creationId xmlns:a16="http://schemas.microsoft.com/office/drawing/2014/main" id="{4300840D-0A0B-4512-BACA-B439D5B9C57C}"/>
+              </a:ext>
+              <a:ext uri="{C183D7F6-B498-43B3-948B-1728B52AA6E4}">
+                <adec:decorative xmlns:adec="http://schemas.microsoft.com/office/drawing/2017/decorative" val="1"/>
+              </a:ext>
+            </a:extLst>
+          </p:cNvPr>
+          <p:cNvSpPr>
+            <a:spLocks noGrp="1" noRot="1" noChangeAspect="1" noMove="1" noResize="1" noEditPoints="1" noAdjustHandles="1" noChangeArrowheads="1" noChangeShapeType="1" noTextEdit="1"/>
+          </p:cNvSpPr>
+          <p:nvPr>
+            <p:extLst>
+              <p:ext uri="{386F3935-93C4-4BCD-93E2-E3B085C9AB24}">
+                <p16:designElem xmlns:p16="http://schemas.microsoft.com/office/powerpoint/2015/main" val="1"/>
+              </p:ext>
+            </p:extLst>
+          </p:nvPr>
+        </p:nvSpPr>
+        <p:spPr>
+          <a:xfrm rot="5400000" flipH="1">
+            <a:off x="-1410085" y="1420219"/>
+            <a:ext cx="6857999" cy="4037839"/>
+          </a:xfrm>
+          <a:prstGeom prst="rect">
+            <a:avLst/>
+          </a:prstGeom>
+          <a:gradFill>
+            <a:gsLst>
+              <a:gs pos="0">
+                <a:srgbClr val="000000">
+                  <a:alpha val="0"/>
+                </a:srgbClr>
+              </a:gs>
+              <a:gs pos="99000">
+                <a:schemeClr val="accent1">
+                  <a:alpha val="46000"/>
+                </a:schemeClr>
+              </a:gs>
+            </a:gsLst>
+            <a:lin ang="1800000" scaled="0"/>
+          </a:gradFill>
+          <a:ln>
+            <a:noFill/>
+          </a:ln>
+        </p:spPr>
+        <p:style>
+          <a:lnRef idx="2">
+            <a:schemeClr val="accent1">
+              <a:shade val="50000"/>
+            </a:schemeClr>
+          </a:lnRef>
+          <a:fillRef idx="1">
+            <a:schemeClr val="accent1"/>
+          </a:fillRef>
+          <a:effectRef idx="0">
+            <a:schemeClr val="accent1"/>
+          </a:effectRef>
+          <a:fontRef idx="minor">
+            <a:schemeClr val="lt1"/>
+          </a:fontRef>
+        </p:style>
+        <p:txBody>
+          <a:bodyPr rtlCol="0" anchor="ctr"/>
+          <a:lstStyle/>
+          <a:p>
+            <a:pPr algn="ctr"/>
+            <a:endParaRPr lang="en-US"/>
+          </a:p>
+        </p:txBody>
+      </p:sp>
+      <p:sp>
+        <p:nvSpPr>
+          <p:cNvPr id="16" name="Rectangle 15">
+            <a:extLst>
+              <a:ext uri="{FF2B5EF4-FFF2-40B4-BE49-F238E27FC236}">
+                <a16:creationId xmlns:a16="http://schemas.microsoft.com/office/drawing/2014/main" id="{D2B78728-A580-49A7-84F9-6EF6F583ADE0}"/>
+              </a:ext>
+              <a:ext uri="{C183D7F6-B498-43B3-948B-1728B52AA6E4}">
+                <adec:decorative xmlns:adec="http://schemas.microsoft.com/office/drawing/2017/decorative" val="1"/>
+              </a:ext>
+            </a:extLst>
+          </p:cNvPr>
+          <p:cNvSpPr>
+            <a:spLocks noGrp="1" noRot="1" noChangeAspect="1" noMove="1" noResize="1" noEditPoints="1" noAdjustHandles="1" noChangeArrowheads="1" noChangeShapeType="1" noTextEdit="1"/>
+          </p:cNvSpPr>
+          <p:nvPr>
+            <p:extLst>
+              <p:ext uri="{386F3935-93C4-4BCD-93E2-E3B085C9AB24}">
+                <p16:designElem xmlns:p16="http://schemas.microsoft.com/office/powerpoint/2015/main" val="1"/>
+              </p:ext>
+            </p:extLst>
+          </p:nvPr>
+        </p:nvSpPr>
+        <p:spPr>
+          <a:xfrm rot="5400000" flipH="1">
+            <a:off x="767923" y="3588085"/>
+            <a:ext cx="2501979" cy="4037841"/>
+          </a:xfrm>
+          <a:prstGeom prst="rect">
+            <a:avLst/>
+          </a:prstGeom>
+          <a:gradFill>
+            <a:gsLst>
+              <a:gs pos="2000">
+                <a:schemeClr val="accent1">
+                  <a:alpha val="29000"/>
+                </a:schemeClr>
+              </a:gs>
+              <a:gs pos="100000">
+                <a:srgbClr val="000000">
+                  <a:alpha val="30000"/>
+                </a:srgbClr>
+              </a:gs>
+            </a:gsLst>
+            <a:lin ang="7800000" scaled="0"/>
+          </a:gradFill>
+          <a:ln>
+            <a:noFill/>
+          </a:ln>
+        </p:spPr>
+        <p:style>
+          <a:lnRef idx="2">
+            <a:schemeClr val="accent1">
+              <a:shade val="50000"/>
+            </a:schemeClr>
+          </a:lnRef>
+          <a:fillRef idx="1">
+            <a:schemeClr val="accent1"/>
+          </a:fillRef>
+          <a:effectRef idx="0">
+            <a:schemeClr val="accent1"/>
+          </a:effectRef>
+          <a:fontRef idx="minor">
+            <a:schemeClr val="lt1"/>
+          </a:fontRef>
+        </p:style>
+        <p:txBody>
+          <a:bodyPr rtlCol="0" anchor="ctr"/>
+          <a:lstStyle/>
+          <a:p>
+            <a:pPr algn="ctr"/>
+            <a:endParaRPr lang="en-US" dirty="0"/>
+          </a:p>
+        </p:txBody>
+      </p:sp>
+      <p:sp>
+        <p:nvSpPr>
+          <p:cNvPr id="18" name="Freeform: Shape 17">
+            <a:extLst>
+              <a:ext uri="{FF2B5EF4-FFF2-40B4-BE49-F238E27FC236}">
+                <a16:creationId xmlns:a16="http://schemas.microsoft.com/office/drawing/2014/main" id="{38FAA1A1-D861-433F-88FA-1E9D6FD31D11}"/>
+              </a:ext>
+              <a:ext uri="{C183D7F6-B498-43B3-948B-1728B52AA6E4}">
+                <adec:decorative xmlns:adec="http://schemas.microsoft.com/office/drawing/2017/decorative" val="1"/>
+              </a:ext>
+            </a:extLst>
+          </p:cNvPr>
+          <p:cNvSpPr>
+            <a:spLocks noGrp="1" noRot="1" noChangeAspect="1" noMove="1" noResize="1" noEditPoints="1" noAdjustHandles="1" noChangeArrowheads="1" noChangeShapeType="1" noTextEdit="1"/>
+          </p:cNvSpPr>
+          <p:nvPr>
+            <p:extLst>
+              <p:ext uri="{386F3935-93C4-4BCD-93E2-E3B085C9AB24}">
+                <p16:designElem xmlns:p16="http://schemas.microsoft.com/office/powerpoint/2015/main" val="1"/>
+              </p:ext>
+            </p:extLst>
+          </p:nvPr>
+        </p:nvSpPr>
+        <p:spPr>
+          <a:xfrm rot="20635413">
+            <a:off x="-501737" y="969718"/>
+            <a:ext cx="3900357" cy="4178958"/>
+          </a:xfrm>
+          <a:custGeom>
+            <a:avLst/>
+            <a:gdLst>
+              <a:gd name="connsiteX0" fmla="*/ 2432225 w 3900357"/>
+              <a:gd name="connsiteY0" fmla="*/ 93939 h 4178958"/>
+              <a:gd name="connsiteX1" fmla="*/ 3900357 w 3900357"/>
+              <a:gd name="connsiteY1" fmla="*/ 2089479 h 4178958"/>
+              <a:gd name="connsiteX2" fmla="*/ 1810878 w 3900357"/>
+              <a:gd name="connsiteY2" fmla="*/ 4178958 h 4178958"/>
+              <a:gd name="connsiteX3" fmla="*/ 78249 w 3900357"/>
+              <a:gd name="connsiteY3" fmla="*/ 3257727 h 4178958"/>
+              <a:gd name="connsiteX4" fmla="*/ 0 w 3900357"/>
+              <a:gd name="connsiteY4" fmla="*/ 3128923 h 4178958"/>
+              <a:gd name="connsiteX5" fmla="*/ 831324 w 3900357"/>
+              <a:gd name="connsiteY5" fmla="*/ 244281 h 4178958"/>
+              <a:gd name="connsiteX6" fmla="*/ 997559 w 3900357"/>
+              <a:gd name="connsiteY6" fmla="*/ 164202 h 4178958"/>
+              <a:gd name="connsiteX7" fmla="*/ 1810878 w 3900357"/>
+              <a:gd name="connsiteY7" fmla="*/ 0 h 4178958"/>
+              <a:gd name="connsiteX8" fmla="*/ 2432225 w 3900357"/>
+              <a:gd name="connsiteY8" fmla="*/ 93939 h 4178958"/>
+            </a:gdLst>
+            <a:ahLst/>
+            <a:cxnLst>
+              <a:cxn ang="0">
+                <a:pos x="connsiteX0" y="connsiteY0"/>
+              </a:cxn>
+              <a:cxn ang="0">
+                <a:pos x="connsiteX1" y="connsiteY1"/>
+              </a:cxn>
+              <a:cxn ang="0">
+                <a:pos x="connsiteX2" y="connsiteY2"/>
+              </a:cxn>
+              <a:cxn ang="0">
+                <a:pos x="connsiteX3" y="connsiteY3"/>
+              </a:cxn>
+              <a:cxn ang="0">
+                <a:pos x="connsiteX4" y="connsiteY4"/>
+              </a:cxn>
+              <a:cxn ang="0">
+                <a:pos x="connsiteX5" y="connsiteY5"/>
+              </a:cxn>
+              <a:cxn ang="0">
+                <a:pos x="connsiteX6" y="connsiteY6"/>
+              </a:cxn>
+              <a:cxn ang="0">
+                <a:pos x="connsiteX7" y="connsiteY7"/>
+              </a:cxn>
+              <a:cxn ang="0">
+                <a:pos x="connsiteX8" y="connsiteY8"/>
+              </a:cxn>
+            </a:cxnLst>
+            <a:rect l="l" t="t" r="r" b="b"/>
+            <a:pathLst>
+              <a:path w="3900357" h="4178958">
+                <a:moveTo>
+                  <a:pt x="2432225" y="93939"/>
+                </a:moveTo>
+                <a:cubicBezTo>
+                  <a:pt x="3282786" y="358491"/>
+                  <a:pt x="3900357" y="1151865"/>
+                  <a:pt x="3900357" y="2089479"/>
+                </a:cubicBezTo>
+                <a:cubicBezTo>
+                  <a:pt x="3900357" y="3243466"/>
+                  <a:pt x="2964865" y="4178958"/>
+                  <a:pt x="1810878" y="4178958"/>
+                </a:cubicBezTo>
+                <a:cubicBezTo>
+                  <a:pt x="1089636" y="4178958"/>
+                  <a:pt x="453744" y="3813531"/>
+                  <a:pt x="78249" y="3257727"/>
+                </a:cubicBezTo>
+                <a:lnTo>
+                  <a:pt x="0" y="3128923"/>
+                </a:lnTo>
+                <a:lnTo>
+                  <a:pt x="831324" y="244281"/>
+                </a:lnTo>
+                <a:lnTo>
+                  <a:pt x="997559" y="164202"/>
+                </a:lnTo>
+                <a:cubicBezTo>
+                  <a:pt x="1247540" y="58468"/>
+                  <a:pt x="1522381" y="0"/>
+                  <a:pt x="1810878" y="0"/>
+                </a:cubicBezTo>
+                <a:cubicBezTo>
+                  <a:pt x="2027251" y="0"/>
+                  <a:pt x="2235942" y="32888"/>
+                  <a:pt x="2432225" y="93939"/>
+                </a:cubicBezTo>
+                <a:close/>
+              </a:path>
+            </a:pathLst>
+          </a:custGeom>
+          <a:gradFill>
+            <a:gsLst>
+              <a:gs pos="29000">
+                <a:srgbClr val="000000">
+                  <a:alpha val="0"/>
+                </a:srgbClr>
+              </a:gs>
+              <a:gs pos="100000">
+                <a:schemeClr val="accent1">
+                  <a:alpha val="43000"/>
+                </a:schemeClr>
+              </a:gs>
+            </a:gsLst>
+            <a:lin ang="1800000" scaled="0"/>
+          </a:gradFill>
+          <a:ln>
+            <a:noFill/>
+          </a:ln>
+        </p:spPr>
+        <p:style>
+          <a:lnRef idx="2">
+            <a:schemeClr val="accent1">
+              <a:shade val="50000"/>
+            </a:schemeClr>
+          </a:lnRef>
+          <a:fillRef idx="1">
+            <a:schemeClr val="accent1"/>
+          </a:fillRef>
+          <a:effectRef idx="0">
+            <a:schemeClr val="accent1"/>
+          </a:effectRef>
+          <a:fontRef idx="minor">
+            <a:schemeClr val="lt1"/>
+          </a:fontRef>
+        </p:style>
+        <p:txBody>
+          <a:bodyPr wrap="square" rtlCol="0" anchor="ctr">
+            <a:noAutofit/>
+          </a:bodyPr>
+          <a:lstStyle/>
+          <a:p>
+            <a:pPr algn="ctr"/>
+            <a:endParaRPr lang="en-US" dirty="0"/>
+          </a:p>
+        </p:txBody>
+      </p:sp>
+      <p:sp>
+        <p:nvSpPr>
+          <p:cNvPr id="20" name="Rectangle 19">
+            <a:extLst>
+              <a:ext uri="{FF2B5EF4-FFF2-40B4-BE49-F238E27FC236}">
+                <a16:creationId xmlns:a16="http://schemas.microsoft.com/office/drawing/2014/main" id="{8D71EDA1-87BF-4D5D-AB79-F346FD19278A}"/>
+              </a:ext>
+              <a:ext uri="{C183D7F6-B498-43B3-948B-1728B52AA6E4}">
+                <adec:decorative xmlns:adec="http://schemas.microsoft.com/office/drawing/2017/decorative" val="1"/>
+              </a:ext>
+            </a:extLst>
+          </p:cNvPr>
+          <p:cNvSpPr>
+            <a:spLocks noGrp="1" noRot="1" noChangeAspect="1" noMove="1" noResize="1" noEditPoints="1" noAdjustHandles="1" noChangeArrowheads="1" noChangeShapeType="1" noTextEdit="1"/>
+          </p:cNvSpPr>
+          <p:nvPr>
+            <p:extLst>
+              <p:ext uri="{386F3935-93C4-4BCD-93E2-E3B085C9AB24}">
+                <p16:designElem xmlns:p16="http://schemas.microsoft.com/office/powerpoint/2015/main" val="1"/>
+              </p:ext>
+            </p:extLst>
+          </p:nvPr>
+        </p:nvSpPr>
+        <p:spPr>
+          <a:xfrm rot="5400000" flipH="1">
+            <a:off x="-1410093" y="1399943"/>
+            <a:ext cx="6858003" cy="4037835"/>
+          </a:xfrm>
+          <a:prstGeom prst="rect">
+            <a:avLst/>
+          </a:prstGeom>
+          <a:gradFill>
+            <a:gsLst>
+              <a:gs pos="0">
+                <a:srgbClr val="000000">
+                  <a:alpha val="0"/>
+                </a:srgbClr>
+              </a:gs>
+              <a:gs pos="99000">
+                <a:schemeClr val="accent1">
+                  <a:lumMod val="60000"/>
+                  <a:lumOff val="40000"/>
+                  <a:alpha val="11000"/>
+                </a:schemeClr>
+              </a:gs>
+            </a:gsLst>
+            <a:lin ang="7200000" scaled="0"/>
+          </a:gradFill>
+          <a:ln>
+            <a:noFill/>
+          </a:ln>
+        </p:spPr>
+        <p:style>
+          <a:lnRef idx="2">
+            <a:schemeClr val="accent1">
+              <a:shade val="50000"/>
+            </a:schemeClr>
+          </a:lnRef>
+          <a:fillRef idx="1">
+            <a:schemeClr val="accent1"/>
+          </a:fillRef>
+          <a:effectRef idx="0">
+            <a:schemeClr val="accent1"/>
+          </a:effectRef>
+          <a:fontRef idx="minor">
+            <a:schemeClr val="lt1"/>
+          </a:fontRef>
+        </p:style>
+        <p:txBody>
+          <a:bodyPr rtlCol="0" anchor="ctr"/>
+          <a:lstStyle/>
+          <a:p>
+            <a:pPr algn="ctr"/>
+            <a:endParaRPr lang="en-US"/>
+          </a:p>
+        </p:txBody>
+      </p:sp>
+      <p:sp>
+        <p:nvSpPr>
+          <p:cNvPr id="2" name="Title 1">
+            <a:extLst>
+              <a:ext uri="{FF2B5EF4-FFF2-40B4-BE49-F238E27FC236}">
+                <a16:creationId xmlns:a16="http://schemas.microsoft.com/office/drawing/2014/main" id="{5EA6B864-9C16-4176-B743-7838DBC2FCE2}"/>
+              </a:ext>
+            </a:extLst>
+          </p:cNvPr>
+          <p:cNvSpPr>
+            <a:spLocks noGrp="1"/>
+          </p:cNvSpPr>
+          <p:nvPr>
+            <p:ph type="title"/>
+          </p:nvPr>
+        </p:nvSpPr>
+        <p:spPr>
+          <a:xfrm>
+            <a:off x="466722" y="586855"/>
+            <a:ext cx="3201366" cy="3387497"/>
+          </a:xfrm>
+        </p:spPr>
+        <p:txBody>
+          <a:bodyPr anchor="b">
+            <a:normAutofit/>
+          </a:bodyPr>
+          <a:lstStyle/>
+          <a:p>
+            <a:pPr algn="r"/>
+            <a:r>
+              <a:rPr lang="en-US" sz="4000" dirty="0">
+                <a:solidFill>
+                  <a:srgbClr val="FFFFFF"/>
+                </a:solidFill>
+              </a:rPr>
+              <a:t>About the Data</a:t>
+            </a:r>
+          </a:p>
+        </p:txBody>
+      </p:sp>
+      <p:pic>
+        <p:nvPicPr>
+          <p:cNvPr id="5" name="Content Placeholder 4">
+            <a:extLst>
+              <a:ext uri="{FF2B5EF4-FFF2-40B4-BE49-F238E27FC236}">
+                <a16:creationId xmlns:a16="http://schemas.microsoft.com/office/drawing/2014/main" id="{34BDA07F-B5E7-4E15-919C-510F98A8C26B}"/>
+              </a:ext>
+            </a:extLst>
+          </p:cNvPr>
+          <p:cNvPicPr>
+            <a:picLocks noGrp="1" noChangeAspect="1"/>
+          </p:cNvPicPr>
+          <p:nvPr>
+            <p:ph idx="1"/>
+          </p:nvPr>
+        </p:nvPicPr>
+        <p:blipFill>
+          <a:blip r:embed="rId2"/>
+          <a:stretch>
+            <a:fillRect/>
+          </a:stretch>
+        </p:blipFill>
+        <p:spPr>
+          <a:xfrm>
+            <a:off x="4876774" y="2469530"/>
+            <a:ext cx="6554788" cy="1918938"/>
+          </a:xfrm>
+        </p:spPr>
+      </p:pic>
+    </p:spTree>
+    <p:extLst>
+      <p:ext uri="{BB962C8B-B14F-4D97-AF65-F5344CB8AC3E}">
+        <p14:creationId xmlns:p14="http://schemas.microsoft.com/office/powerpoint/2010/main" val="310736330"/>
+      </p:ext>
+    </p:extLst>
+  </p:cSld>
+  <p:clrMapOvr>
+    <a:masterClrMapping/>
+  </p:clrMapOvr>
+</p:sld>
+</file>
+
+<file path=ppt/slides/slide7.xml><?xml version="1.0" encoding="utf-8"?>
 <p:sld xmlns:a="http://schemas.openxmlformats.org/drawingml/2006/main" xmlns:r="http://schemas.openxmlformats.org/officeDocument/2006/relationships" xmlns:p="http://schemas.openxmlformats.org/presentationml/2006/main">
   <p:cSld>
     <p:bg>
@@ -21999,7 +26261,7 @@
 </p:sld>
 </file>
 
-<file path=ppt/slides/slide5.xml><?xml version="1.0" encoding="utf-8"?>
+<file path=ppt/slides/slide8.xml><?xml version="1.0" encoding="utf-8"?>
 <p:sld xmlns:a="http://schemas.openxmlformats.org/drawingml/2006/main" xmlns:r="http://schemas.openxmlformats.org/officeDocument/2006/relationships" xmlns:p="http://schemas.openxmlformats.org/presentationml/2006/main">
   <p:cSld>
     <p:bg>
@@ -22458,7 +26720,7 @@
 </p:sld>
 </file>
 
-<file path=ppt/slides/slide6.xml><?xml version="1.0" encoding="utf-8"?>
+<file path=ppt/slides/slide9.xml><?xml version="1.0" encoding="utf-8"?>
 <p:sld xmlns:a="http://schemas.openxmlformats.org/drawingml/2006/main" xmlns:r="http://schemas.openxmlformats.org/officeDocument/2006/relationships" xmlns:p="http://schemas.openxmlformats.org/presentationml/2006/main">
   <p:cSld>
     <p:bg>
@@ -22878,2071 +27140,6 @@
     <p:extLst>
       <p:ext uri="{BB962C8B-B14F-4D97-AF65-F5344CB8AC3E}">
         <p14:creationId xmlns:p14="http://schemas.microsoft.com/office/powerpoint/2010/main" val="3077020375"/>
-      </p:ext>
-    </p:extLst>
-  </p:cSld>
-  <p:clrMapOvr>
-    <a:masterClrMapping/>
-  </p:clrMapOvr>
-</p:sld>
-</file>
-
-<file path=ppt/slides/slide7.xml><?xml version="1.0" encoding="utf-8"?>
-<p:sld xmlns:a="http://schemas.openxmlformats.org/drawingml/2006/main" xmlns:r="http://schemas.openxmlformats.org/officeDocument/2006/relationships" xmlns:p="http://schemas.openxmlformats.org/presentationml/2006/main">
-  <p:cSld>
-    <p:bg>
-      <p:bgPr>
-        <a:solidFill>
-          <a:schemeClr val="bg1"/>
-        </a:solidFill>
-        <a:effectLst/>
-      </p:bgPr>
-    </p:bg>
-    <p:spTree>
-      <p:nvGrpSpPr>
-        <p:cNvPr id="1" name=""/>
-        <p:cNvGrpSpPr/>
-        <p:nvPr/>
-      </p:nvGrpSpPr>
-      <p:grpSpPr>
-        <a:xfrm>
-          <a:off x="0" y="0"/>
-          <a:ext cx="0" cy="0"/>
-          <a:chOff x="0" y="0"/>
-          <a:chExt cx="0" cy="0"/>
-        </a:xfrm>
-      </p:grpSpPr>
-      <p:sp useBgFill="1">
-        <p:nvSpPr>
-          <p:cNvPr id="8" name="Rectangle 7">
-            <a:extLst>
-              <a:ext uri="{FF2B5EF4-FFF2-40B4-BE49-F238E27FC236}">
-                <a16:creationId xmlns:a16="http://schemas.microsoft.com/office/drawing/2014/main" id="{16F9E488-0718-4E1E-9D12-26779F606252}"/>
-              </a:ext>
-              <a:ext uri="{C183D7F6-B498-43B3-948B-1728B52AA6E4}">
-                <adec:decorative xmlns:adec="http://schemas.microsoft.com/office/drawing/2017/decorative" val="1"/>
-              </a:ext>
-            </a:extLst>
-          </p:cNvPr>
-          <p:cNvSpPr>
-            <a:spLocks noGrp="1" noRot="1" noChangeAspect="1" noMove="1" noResize="1" noEditPoints="1" noAdjustHandles="1" noChangeArrowheads="1" noChangeShapeType="1" noTextEdit="1"/>
-          </p:cNvSpPr>
-          <p:nvPr>
-            <p:extLst>
-              <p:ext uri="{386F3935-93C4-4BCD-93E2-E3B085C9AB24}">
-                <p16:designElem xmlns:p16="http://schemas.microsoft.com/office/powerpoint/2015/main" val="1"/>
-              </p:ext>
-            </p:extLst>
-          </p:nvPr>
-        </p:nvSpPr>
-        <p:spPr>
-          <a:xfrm>
-            <a:off x="0" y="0"/>
-            <a:ext cx="12192000" cy="6858000"/>
-          </a:xfrm>
-          <a:prstGeom prst="rect">
-            <a:avLst/>
-          </a:prstGeom>
-          <a:ln>
-            <a:noFill/>
-          </a:ln>
-        </p:spPr>
-        <p:style>
-          <a:lnRef idx="2">
-            <a:schemeClr val="accent1">
-              <a:shade val="50000"/>
-            </a:schemeClr>
-          </a:lnRef>
-          <a:fillRef idx="1">
-            <a:schemeClr val="accent1"/>
-          </a:fillRef>
-          <a:effectRef idx="0">
-            <a:schemeClr val="accent1"/>
-          </a:effectRef>
-          <a:fontRef idx="minor">
-            <a:schemeClr val="lt1"/>
-          </a:fontRef>
-        </p:style>
-        <p:txBody>
-          <a:bodyPr rtlCol="0" anchor="ctr"/>
-          <a:lstStyle/>
-          <a:p>
-            <a:pPr algn="ctr"/>
-            <a:endParaRPr lang="en-US"/>
-          </a:p>
-        </p:txBody>
-      </p:sp>
-      <p:sp>
-        <p:nvSpPr>
-          <p:cNvPr id="10" name="Freeform: Shape 9">
-            <a:extLst>
-              <a:ext uri="{FF2B5EF4-FFF2-40B4-BE49-F238E27FC236}">
-                <a16:creationId xmlns:a16="http://schemas.microsoft.com/office/drawing/2014/main" id="{09BE6F6B-19BD-443C-8FB0-FA45F13F9535}"/>
-              </a:ext>
-              <a:ext uri="{C183D7F6-B498-43B3-948B-1728B52AA6E4}">
-                <adec:decorative xmlns:adec="http://schemas.microsoft.com/office/drawing/2017/decorative" val="1"/>
-              </a:ext>
-            </a:extLst>
-          </p:cNvPr>
-          <p:cNvSpPr>
-            <a:spLocks noGrp="1" noRot="1" noChangeAspect="1" noMove="1" noResize="1" noEditPoints="1" noAdjustHandles="1" noChangeArrowheads="1" noChangeShapeType="1" noTextEdit="1"/>
-          </p:cNvSpPr>
-          <p:nvPr>
-            <p:extLst>
-              <p:ext uri="{386F3935-93C4-4BCD-93E2-E3B085C9AB24}">
-                <p16:designElem xmlns:p16="http://schemas.microsoft.com/office/powerpoint/2015/main" val="1"/>
-              </p:ext>
-            </p:extLst>
-          </p:nvPr>
-        </p:nvSpPr>
-        <p:spPr>
-          <a:xfrm>
-            <a:off x="0" y="0"/>
-            <a:ext cx="7539505" cy="6857542"/>
-          </a:xfrm>
-          <a:custGeom>
-            <a:avLst/>
-            <a:gdLst>
-              <a:gd name="connsiteX0" fmla="*/ 0 w 7539505"/>
-              <a:gd name="connsiteY0" fmla="*/ 0 h 6857542"/>
-              <a:gd name="connsiteX1" fmla="*/ 6392832 w 7539505"/>
-              <a:gd name="connsiteY1" fmla="*/ 0 h 6857542"/>
-              <a:gd name="connsiteX2" fmla="*/ 6405479 w 7539505"/>
-              <a:gd name="connsiteY2" fmla="*/ 31774 h 6857542"/>
-              <a:gd name="connsiteX3" fmla="*/ 7460487 w 7539505"/>
-              <a:gd name="connsiteY3" fmla="*/ 2682457 h 6857542"/>
-              <a:gd name="connsiteX4" fmla="*/ 7460487 w 7539505"/>
-              <a:gd name="connsiteY4" fmla="*/ 3752208 h 6857542"/>
-              <a:gd name="connsiteX5" fmla="*/ 6302983 w 7539505"/>
-              <a:gd name="connsiteY5" fmla="*/ 6660411 h 6857542"/>
-              <a:gd name="connsiteX6" fmla="*/ 6224521 w 7539505"/>
-              <a:gd name="connsiteY6" fmla="*/ 6857542 h 6857542"/>
-              <a:gd name="connsiteX7" fmla="*/ 0 w 7539505"/>
-              <a:gd name="connsiteY7" fmla="*/ 6857542 h 6857542"/>
-            </a:gdLst>
-            <a:ahLst/>
-            <a:cxnLst>
-              <a:cxn ang="0">
-                <a:pos x="connsiteX0" y="connsiteY0"/>
-              </a:cxn>
-              <a:cxn ang="0">
-                <a:pos x="connsiteX1" y="connsiteY1"/>
-              </a:cxn>
-              <a:cxn ang="0">
-                <a:pos x="connsiteX2" y="connsiteY2"/>
-              </a:cxn>
-              <a:cxn ang="0">
-                <a:pos x="connsiteX3" y="connsiteY3"/>
-              </a:cxn>
-              <a:cxn ang="0">
-                <a:pos x="connsiteX4" y="connsiteY4"/>
-              </a:cxn>
-              <a:cxn ang="0">
-                <a:pos x="connsiteX5" y="connsiteY5"/>
-              </a:cxn>
-              <a:cxn ang="0">
-                <a:pos x="connsiteX6" y="connsiteY6"/>
-              </a:cxn>
-              <a:cxn ang="0">
-                <a:pos x="connsiteX7" y="connsiteY7"/>
-              </a:cxn>
-            </a:cxnLst>
-            <a:rect l="l" t="t" r="r" b="b"/>
-            <a:pathLst>
-              <a:path w="7539505" h="6857542">
-                <a:moveTo>
-                  <a:pt x="0" y="0"/>
-                </a:moveTo>
-                <a:lnTo>
-                  <a:pt x="6392832" y="0"/>
-                </a:lnTo>
-                <a:lnTo>
-                  <a:pt x="6405479" y="31774"/>
-                </a:lnTo>
-                <a:cubicBezTo>
-                  <a:pt x="7460487" y="2682457"/>
-                  <a:pt x="7460487" y="2682457"/>
-                  <a:pt x="7460487" y="2682457"/>
-                </a:cubicBezTo>
-                <a:cubicBezTo>
-                  <a:pt x="7565845" y="2988100"/>
-                  <a:pt x="7565845" y="3446565"/>
-                  <a:pt x="7460487" y="3752208"/>
-                </a:cubicBezTo>
-                <a:cubicBezTo>
-                  <a:pt x="6976500" y="4968215"/>
-                  <a:pt x="6598385" y="5918220"/>
-                  <a:pt x="6302983" y="6660411"/>
-                </a:cubicBezTo>
-                <a:lnTo>
-                  <a:pt x="6224521" y="6857542"/>
-                </a:lnTo>
-                <a:lnTo>
-                  <a:pt x="0" y="6857542"/>
-                </a:lnTo>
-                <a:close/>
-              </a:path>
-            </a:pathLst>
-          </a:custGeom>
-          <a:solidFill>
-            <a:schemeClr val="tx1"/>
-          </a:solidFill>
-          <a:ln>
-            <a:noFill/>
-          </a:ln>
-        </p:spPr>
-        <p:style>
-          <a:lnRef idx="2">
-            <a:schemeClr val="accent1">
-              <a:shade val="50000"/>
-            </a:schemeClr>
-          </a:lnRef>
-          <a:fillRef idx="1">
-            <a:schemeClr val="accent1"/>
-          </a:fillRef>
-          <a:effectRef idx="0">
-            <a:schemeClr val="accent1"/>
-          </a:effectRef>
-          <a:fontRef idx="minor">
-            <a:schemeClr val="lt1"/>
-          </a:fontRef>
-        </p:style>
-        <p:txBody>
-          <a:bodyPr wrap="square" rtlCol="0" anchor="ctr">
-            <a:noAutofit/>
-          </a:bodyPr>
-          <a:lstStyle/>
-          <a:p>
-            <a:pPr algn="ctr"/>
-            <a:endParaRPr lang="en-US"/>
-          </a:p>
-        </p:txBody>
-      </p:sp>
-      <p:grpSp>
-        <p:nvGrpSpPr>
-          <p:cNvPr id="12" name="Group 11">
-            <a:extLst>
-              <a:ext uri="{FF2B5EF4-FFF2-40B4-BE49-F238E27FC236}">
-                <a16:creationId xmlns:a16="http://schemas.microsoft.com/office/drawing/2014/main" id="{92AAE609-C327-4952-BB48-254E9015AD81}"/>
-              </a:ext>
-              <a:ext uri="{C183D7F6-B498-43B3-948B-1728B52AA6E4}">
-                <adec:decorative xmlns:adec="http://schemas.microsoft.com/office/drawing/2017/decorative" val="1"/>
-              </a:ext>
-            </a:extLst>
-          </p:cNvPr>
-          <p:cNvGrpSpPr>
-            <a:grpSpLocks noGrp="1" noUngrp="1" noRot="1" noChangeAspect="1" noMove="1" noResize="1"/>
-          </p:cNvGrpSpPr>
-          <p:nvPr>
-            <p:extLst>
-              <p:ext uri="{386F3935-93C4-4BCD-93E2-E3B085C9AB24}">
-                <p16:designElem xmlns:p16="http://schemas.microsoft.com/office/powerpoint/2015/main" val="1"/>
-              </p:ext>
-            </p:extLst>
-          </p:nvPr>
-        </p:nvGrpSpPr>
-        <p:grpSpPr>
-          <a:xfrm>
-            <a:off x="7293178" y="681628"/>
-            <a:ext cx="1562267" cy="1172973"/>
-            <a:chOff x="7493121" y="1000124"/>
-            <a:chExt cx="1562267" cy="1172973"/>
-          </a:xfrm>
-        </p:grpSpPr>
-        <p:sp>
-          <p:nvSpPr>
-            <p:cNvPr id="13" name="Freeform 5">
-              <a:extLst>
-                <a:ext uri="{FF2B5EF4-FFF2-40B4-BE49-F238E27FC236}">
-                  <a16:creationId xmlns:a16="http://schemas.microsoft.com/office/drawing/2014/main" id="{94F06CAB-1C7B-4E12-B1B8-5F7067FDAD11}"/>
-                </a:ext>
-                <a:ext uri="{C183D7F6-B498-43B3-948B-1728B52AA6E4}">
-                  <adec:decorative xmlns:adec="http://schemas.microsoft.com/office/drawing/2017/decorative" val="1"/>
-                </a:ext>
-              </a:extLst>
-            </p:cNvPr>
-            <p:cNvSpPr>
-              <a:spLocks/>
-            </p:cNvSpPr>
-            <p:nvPr>
-              <p:extLst>
-                <p:ext uri="{386F3935-93C4-4BCD-93E2-E3B085C9AB24}">
-                  <p16:designElem xmlns:p16="http://schemas.microsoft.com/office/powerpoint/2015/main" val="1"/>
-                </p:ext>
-              </p:extLst>
-            </p:nvPr>
-          </p:nvSpPr>
-          <p:spPr bwMode="auto">
-            <a:xfrm>
-              <a:off x="7493121" y="1348782"/>
-              <a:ext cx="935037" cy="824315"/>
-            </a:xfrm>
-            <a:custGeom>
-              <a:avLst/>
-              <a:gdLst>
-                <a:gd name="T0" fmla="*/ 225 w 785"/>
-                <a:gd name="T1" fmla="*/ 692 h 692"/>
-                <a:gd name="T2" fmla="*/ 177 w 785"/>
-                <a:gd name="T3" fmla="*/ 665 h 692"/>
-                <a:gd name="T4" fmla="*/ 9 w 785"/>
-                <a:gd name="T5" fmla="*/ 374 h 692"/>
-                <a:gd name="T6" fmla="*/ 9 w 785"/>
-                <a:gd name="T7" fmla="*/ 318 h 692"/>
-                <a:gd name="T8" fmla="*/ 177 w 785"/>
-                <a:gd name="T9" fmla="*/ 27 h 692"/>
-                <a:gd name="T10" fmla="*/ 225 w 785"/>
-                <a:gd name="T11" fmla="*/ 0 h 692"/>
-                <a:gd name="T12" fmla="*/ 561 w 785"/>
-                <a:gd name="T13" fmla="*/ 0 h 692"/>
-                <a:gd name="T14" fmla="*/ 609 w 785"/>
-                <a:gd name="T15" fmla="*/ 27 h 692"/>
-                <a:gd name="T16" fmla="*/ 777 w 785"/>
-                <a:gd name="T17" fmla="*/ 318 h 692"/>
-                <a:gd name="T18" fmla="*/ 777 w 785"/>
-                <a:gd name="T19" fmla="*/ 374 h 692"/>
-                <a:gd name="T20" fmla="*/ 609 w 785"/>
-                <a:gd name="T21" fmla="*/ 665 h 692"/>
-                <a:gd name="T22" fmla="*/ 561 w 785"/>
-                <a:gd name="T23" fmla="*/ 692 h 692"/>
-                <a:gd name="T24" fmla="*/ 225 w 785"/>
-                <a:gd name="T25" fmla="*/ 692 h 692"/>
-              </a:gdLst>
-              <a:ahLst/>
-              <a:cxnLst>
-                <a:cxn ang="0">
-                  <a:pos x="T0" y="T1"/>
-                </a:cxn>
-                <a:cxn ang="0">
-                  <a:pos x="T2" y="T3"/>
-                </a:cxn>
-                <a:cxn ang="0">
-                  <a:pos x="T4" y="T5"/>
-                </a:cxn>
-                <a:cxn ang="0">
-                  <a:pos x="T6" y="T7"/>
-                </a:cxn>
-                <a:cxn ang="0">
-                  <a:pos x="T8" y="T9"/>
-                </a:cxn>
-                <a:cxn ang="0">
-                  <a:pos x="T10" y="T11"/>
-                </a:cxn>
-                <a:cxn ang="0">
-                  <a:pos x="T12" y="T13"/>
-                </a:cxn>
-                <a:cxn ang="0">
-                  <a:pos x="T14" y="T15"/>
-                </a:cxn>
-                <a:cxn ang="0">
-                  <a:pos x="T16" y="T17"/>
-                </a:cxn>
-                <a:cxn ang="0">
-                  <a:pos x="T18" y="T19"/>
-                </a:cxn>
-                <a:cxn ang="0">
-                  <a:pos x="T20" y="T21"/>
-                </a:cxn>
-                <a:cxn ang="0">
-                  <a:pos x="T22" y="T23"/>
-                </a:cxn>
-                <a:cxn ang="0">
-                  <a:pos x="T24" y="T25"/>
-                </a:cxn>
-              </a:cxnLst>
-              <a:rect l="0" t="0" r="r" b="b"/>
-              <a:pathLst>
-                <a:path w="785" h="692">
-                  <a:moveTo>
-                    <a:pt x="225" y="692"/>
-                  </a:moveTo>
-                  <a:cubicBezTo>
-                    <a:pt x="207" y="692"/>
-                    <a:pt x="185" y="680"/>
-                    <a:pt x="177" y="665"/>
-                  </a:cubicBezTo>
-                  <a:cubicBezTo>
-                    <a:pt x="9" y="374"/>
-                    <a:pt x="9" y="374"/>
-                    <a:pt x="9" y="374"/>
-                  </a:cubicBezTo>
-                  <a:cubicBezTo>
-                    <a:pt x="0" y="358"/>
-                    <a:pt x="0" y="334"/>
-                    <a:pt x="9" y="318"/>
-                  </a:cubicBezTo>
-                  <a:cubicBezTo>
-                    <a:pt x="177" y="27"/>
-                    <a:pt x="177" y="27"/>
-                    <a:pt x="177" y="27"/>
-                  </a:cubicBezTo>
-                  <a:cubicBezTo>
-                    <a:pt x="185" y="12"/>
-                    <a:pt x="207" y="0"/>
-                    <a:pt x="225" y="0"/>
-                  </a:cubicBezTo>
-                  <a:cubicBezTo>
-                    <a:pt x="561" y="0"/>
-                    <a:pt x="561" y="0"/>
-                    <a:pt x="561" y="0"/>
-                  </a:cubicBezTo>
-                  <a:cubicBezTo>
-                    <a:pt x="578" y="0"/>
-                    <a:pt x="600" y="12"/>
-                    <a:pt x="609" y="27"/>
-                  </a:cubicBezTo>
-                  <a:cubicBezTo>
-                    <a:pt x="777" y="318"/>
-                    <a:pt x="777" y="318"/>
-                    <a:pt x="777" y="318"/>
-                  </a:cubicBezTo>
-                  <a:cubicBezTo>
-                    <a:pt x="785" y="334"/>
-                    <a:pt x="785" y="358"/>
-                    <a:pt x="777" y="374"/>
-                  </a:cubicBezTo>
-                  <a:cubicBezTo>
-                    <a:pt x="609" y="665"/>
-                    <a:pt x="609" y="665"/>
-                    <a:pt x="609" y="665"/>
-                  </a:cubicBezTo>
-                  <a:cubicBezTo>
-                    <a:pt x="600" y="680"/>
-                    <a:pt x="578" y="692"/>
-                    <a:pt x="561" y="692"/>
-                  </a:cubicBezTo>
-                  <a:lnTo>
-                    <a:pt x="225" y="692"/>
-                  </a:lnTo>
-                  <a:close/>
-                </a:path>
-              </a:pathLst>
-            </a:custGeom>
-            <a:noFill/>
-            <a:ln w="28575" cmpd="sng">
-              <a:solidFill>
-                <a:schemeClr val="tx1"/>
-              </a:solidFill>
-            </a:ln>
-          </p:spPr>
-          <p:txBody>
-            <a:bodyPr vert="horz" wrap="square" lIns="91440" tIns="45720" rIns="91440" bIns="45720" numCol="1" anchor="t" anchorCtr="0" compatLnSpc="1">
-              <a:prstTxWarp prst="textNoShape">
-                <a:avLst/>
-              </a:prstTxWarp>
-            </a:bodyPr>
-            <a:lstStyle/>
-            <a:p>
-              <a:endParaRPr lang="en-US"/>
-            </a:p>
-          </p:txBody>
-        </p:sp>
-        <p:sp>
-          <p:nvSpPr>
-            <p:cNvPr id="14" name="Freeform 5">
-              <a:extLst>
-                <a:ext uri="{FF2B5EF4-FFF2-40B4-BE49-F238E27FC236}">
-                  <a16:creationId xmlns:a16="http://schemas.microsoft.com/office/drawing/2014/main" id="{48448472-893D-4CE9-9024-B0F79813BF2A}"/>
-                </a:ext>
-                <a:ext uri="{C183D7F6-B498-43B3-948B-1728B52AA6E4}">
-                  <adec:decorative xmlns:adec="http://schemas.microsoft.com/office/drawing/2017/decorative" val="1"/>
-                </a:ext>
-              </a:extLst>
-            </p:cNvPr>
-            <p:cNvSpPr>
-              <a:spLocks/>
-            </p:cNvSpPr>
-            <p:nvPr>
-              <p:extLst>
-                <p:ext uri="{386F3935-93C4-4BCD-93E2-E3B085C9AB24}">
-                  <p16:designElem xmlns:p16="http://schemas.microsoft.com/office/powerpoint/2015/main" val="1"/>
-                </p:ext>
-              </p:extLst>
-            </p:nvPr>
-          </p:nvSpPr>
-          <p:spPr bwMode="auto">
-            <a:xfrm>
-              <a:off x="8293221" y="1000124"/>
-              <a:ext cx="762167" cy="671915"/>
-            </a:xfrm>
-            <a:custGeom>
-              <a:avLst/>
-              <a:gdLst>
-                <a:gd name="T0" fmla="*/ 225 w 785"/>
-                <a:gd name="T1" fmla="*/ 692 h 692"/>
-                <a:gd name="T2" fmla="*/ 177 w 785"/>
-                <a:gd name="T3" fmla="*/ 665 h 692"/>
-                <a:gd name="T4" fmla="*/ 9 w 785"/>
-                <a:gd name="T5" fmla="*/ 374 h 692"/>
-                <a:gd name="T6" fmla="*/ 9 w 785"/>
-                <a:gd name="T7" fmla="*/ 318 h 692"/>
-                <a:gd name="T8" fmla="*/ 177 w 785"/>
-                <a:gd name="T9" fmla="*/ 27 h 692"/>
-                <a:gd name="T10" fmla="*/ 225 w 785"/>
-                <a:gd name="T11" fmla="*/ 0 h 692"/>
-                <a:gd name="T12" fmla="*/ 561 w 785"/>
-                <a:gd name="T13" fmla="*/ 0 h 692"/>
-                <a:gd name="T14" fmla="*/ 609 w 785"/>
-                <a:gd name="T15" fmla="*/ 27 h 692"/>
-                <a:gd name="T16" fmla="*/ 777 w 785"/>
-                <a:gd name="T17" fmla="*/ 318 h 692"/>
-                <a:gd name="T18" fmla="*/ 777 w 785"/>
-                <a:gd name="T19" fmla="*/ 374 h 692"/>
-                <a:gd name="T20" fmla="*/ 609 w 785"/>
-                <a:gd name="T21" fmla="*/ 665 h 692"/>
-                <a:gd name="T22" fmla="*/ 561 w 785"/>
-                <a:gd name="T23" fmla="*/ 692 h 692"/>
-                <a:gd name="T24" fmla="*/ 225 w 785"/>
-                <a:gd name="T25" fmla="*/ 692 h 692"/>
-              </a:gdLst>
-              <a:ahLst/>
-              <a:cxnLst>
-                <a:cxn ang="0">
-                  <a:pos x="T0" y="T1"/>
-                </a:cxn>
-                <a:cxn ang="0">
-                  <a:pos x="T2" y="T3"/>
-                </a:cxn>
-                <a:cxn ang="0">
-                  <a:pos x="T4" y="T5"/>
-                </a:cxn>
-                <a:cxn ang="0">
-                  <a:pos x="T6" y="T7"/>
-                </a:cxn>
-                <a:cxn ang="0">
-                  <a:pos x="T8" y="T9"/>
-                </a:cxn>
-                <a:cxn ang="0">
-                  <a:pos x="T10" y="T11"/>
-                </a:cxn>
-                <a:cxn ang="0">
-                  <a:pos x="T12" y="T13"/>
-                </a:cxn>
-                <a:cxn ang="0">
-                  <a:pos x="T14" y="T15"/>
-                </a:cxn>
-                <a:cxn ang="0">
-                  <a:pos x="T16" y="T17"/>
-                </a:cxn>
-                <a:cxn ang="0">
-                  <a:pos x="T18" y="T19"/>
-                </a:cxn>
-                <a:cxn ang="0">
-                  <a:pos x="T20" y="T21"/>
-                </a:cxn>
-                <a:cxn ang="0">
-                  <a:pos x="T22" y="T23"/>
-                </a:cxn>
-                <a:cxn ang="0">
-                  <a:pos x="T24" y="T25"/>
-                </a:cxn>
-              </a:cxnLst>
-              <a:rect l="0" t="0" r="r" b="b"/>
-              <a:pathLst>
-                <a:path w="785" h="692">
-                  <a:moveTo>
-                    <a:pt x="225" y="692"/>
-                  </a:moveTo>
-                  <a:cubicBezTo>
-                    <a:pt x="207" y="692"/>
-                    <a:pt x="185" y="680"/>
-                    <a:pt x="177" y="665"/>
-                  </a:cubicBezTo>
-                  <a:cubicBezTo>
-                    <a:pt x="9" y="374"/>
-                    <a:pt x="9" y="374"/>
-                    <a:pt x="9" y="374"/>
-                  </a:cubicBezTo>
-                  <a:cubicBezTo>
-                    <a:pt x="0" y="358"/>
-                    <a:pt x="0" y="334"/>
-                    <a:pt x="9" y="318"/>
-                  </a:cubicBezTo>
-                  <a:cubicBezTo>
-                    <a:pt x="177" y="27"/>
-                    <a:pt x="177" y="27"/>
-                    <a:pt x="177" y="27"/>
-                  </a:cubicBezTo>
-                  <a:cubicBezTo>
-                    <a:pt x="185" y="12"/>
-                    <a:pt x="207" y="0"/>
-                    <a:pt x="225" y="0"/>
-                  </a:cubicBezTo>
-                  <a:cubicBezTo>
-                    <a:pt x="561" y="0"/>
-                    <a:pt x="561" y="0"/>
-                    <a:pt x="561" y="0"/>
-                  </a:cubicBezTo>
-                  <a:cubicBezTo>
-                    <a:pt x="578" y="0"/>
-                    <a:pt x="600" y="12"/>
-                    <a:pt x="609" y="27"/>
-                  </a:cubicBezTo>
-                  <a:cubicBezTo>
-                    <a:pt x="777" y="318"/>
-                    <a:pt x="777" y="318"/>
-                    <a:pt x="777" y="318"/>
-                  </a:cubicBezTo>
-                  <a:cubicBezTo>
-                    <a:pt x="785" y="334"/>
-                    <a:pt x="785" y="358"/>
-                    <a:pt x="777" y="374"/>
-                  </a:cubicBezTo>
-                  <a:cubicBezTo>
-                    <a:pt x="609" y="665"/>
-                    <a:pt x="609" y="665"/>
-                    <a:pt x="609" y="665"/>
-                  </a:cubicBezTo>
-                  <a:cubicBezTo>
-                    <a:pt x="600" y="680"/>
-                    <a:pt x="578" y="692"/>
-                    <a:pt x="561" y="692"/>
-                  </a:cubicBezTo>
-                  <a:lnTo>
-                    <a:pt x="225" y="692"/>
-                  </a:lnTo>
-                  <a:close/>
-                </a:path>
-              </a:pathLst>
-            </a:custGeom>
-            <a:noFill/>
-            <a:ln w="28575" cmpd="sng">
-              <a:solidFill>
-                <a:schemeClr val="tx1"/>
-              </a:solidFill>
-            </a:ln>
-          </p:spPr>
-          <p:txBody>
-            <a:bodyPr vert="horz" wrap="square" lIns="91440" tIns="45720" rIns="91440" bIns="45720" numCol="1" anchor="t" anchorCtr="0" compatLnSpc="1">
-              <a:prstTxWarp prst="textNoShape">
-                <a:avLst/>
-              </a:prstTxWarp>
-            </a:bodyPr>
-            <a:lstStyle/>
-            <a:p>
-              <a:endParaRPr lang="en-US"/>
-            </a:p>
-          </p:txBody>
-        </p:sp>
-      </p:grpSp>
-      <p:sp>
-        <p:nvSpPr>
-          <p:cNvPr id="2" name="Title 1">
-            <a:extLst>
-              <a:ext uri="{FF2B5EF4-FFF2-40B4-BE49-F238E27FC236}">
-                <a16:creationId xmlns:a16="http://schemas.microsoft.com/office/drawing/2014/main" id="{ECD5F0A1-25F3-42C2-AEFC-1AC289FFD694}"/>
-              </a:ext>
-            </a:extLst>
-          </p:cNvPr>
-          <p:cNvSpPr>
-            <a:spLocks noGrp="1"/>
-          </p:cNvSpPr>
-          <p:nvPr>
-            <p:ph type="title"/>
-          </p:nvPr>
-        </p:nvSpPr>
-        <p:spPr>
-          <a:xfrm>
-            <a:off x="539414" y="1270007"/>
-            <a:ext cx="5845097" cy="4317987"/>
-          </a:xfrm>
-        </p:spPr>
-        <p:txBody>
-          <a:bodyPr vert="horz" lIns="91440" tIns="45720" rIns="91440" bIns="45720" rtlCol="0" anchor="ctr">
-            <a:normAutofit/>
-          </a:bodyPr>
-          <a:lstStyle/>
-          <a:p>
-            <a:pPr algn="r"/>
-            <a:r>
-              <a:rPr lang="en-US" sz="7200" kern="1200" dirty="0">
-                <a:solidFill>
-                  <a:schemeClr val="bg1"/>
-                </a:solidFill>
-                <a:latin typeface="+mj-lt"/>
-                <a:ea typeface="+mj-ea"/>
-                <a:cs typeface="+mj-cs"/>
-              </a:rPr>
-              <a:t>Supervised Analysis</a:t>
-            </a:r>
-          </a:p>
-        </p:txBody>
-      </p:sp>
-    </p:spTree>
-    <p:extLst>
-      <p:ext uri="{BB962C8B-B14F-4D97-AF65-F5344CB8AC3E}">
-        <p14:creationId xmlns:p14="http://schemas.microsoft.com/office/powerpoint/2010/main" val="2845539485"/>
-      </p:ext>
-    </p:extLst>
-  </p:cSld>
-  <p:clrMapOvr>
-    <a:masterClrMapping/>
-  </p:clrMapOvr>
-</p:sld>
-</file>
-
-<file path=ppt/slides/slide8.xml><?xml version="1.0" encoding="utf-8"?>
-<p:sld xmlns:a="http://schemas.openxmlformats.org/drawingml/2006/main" xmlns:r="http://schemas.openxmlformats.org/officeDocument/2006/relationships" xmlns:p="http://schemas.openxmlformats.org/presentationml/2006/main">
-  <p:cSld>
-    <p:bg>
-      <p:bgPr>
-        <a:solidFill>
-          <a:schemeClr val="bg1"/>
-        </a:solidFill>
-        <a:effectLst/>
-      </p:bgPr>
-    </p:bg>
-    <p:spTree>
-      <p:nvGrpSpPr>
-        <p:cNvPr id="1" name=""/>
-        <p:cNvGrpSpPr/>
-        <p:nvPr/>
-      </p:nvGrpSpPr>
-      <p:grpSpPr>
-        <a:xfrm>
-          <a:off x="0" y="0"/>
-          <a:ext cx="0" cy="0"/>
-          <a:chOff x="0" y="0"/>
-          <a:chExt cx="0" cy="0"/>
-        </a:xfrm>
-      </p:grpSpPr>
-      <p:sp useBgFill="1">
-        <p:nvSpPr>
-          <p:cNvPr id="8" name="Rectangle 7">
-            <a:extLst>
-              <a:ext uri="{FF2B5EF4-FFF2-40B4-BE49-F238E27FC236}">
-                <a16:creationId xmlns:a16="http://schemas.microsoft.com/office/drawing/2014/main" id="{33CD251C-A887-4D2F-925B-FC097198538B}"/>
-              </a:ext>
-              <a:ext uri="{C183D7F6-B498-43B3-948B-1728B52AA6E4}">
-                <adec:decorative xmlns:adec="http://schemas.microsoft.com/office/drawing/2017/decorative" val="1"/>
-              </a:ext>
-            </a:extLst>
-          </p:cNvPr>
-          <p:cNvSpPr>
-            <a:spLocks noGrp="1" noRot="1" noChangeAspect="1" noMove="1" noResize="1" noEditPoints="1" noAdjustHandles="1" noChangeArrowheads="1" noChangeShapeType="1" noTextEdit="1"/>
-          </p:cNvSpPr>
-          <p:nvPr>
-            <p:extLst>
-              <p:ext uri="{386F3935-93C4-4BCD-93E2-E3B085C9AB24}">
-                <p16:designElem xmlns:p16="http://schemas.microsoft.com/office/powerpoint/2015/main" val="1"/>
-              </p:ext>
-            </p:extLst>
-          </p:nvPr>
-        </p:nvSpPr>
-        <p:spPr>
-          <a:xfrm>
-            <a:off x="0" y="0"/>
-            <a:ext cx="12192000" cy="6858000"/>
-          </a:xfrm>
-          <a:prstGeom prst="rect">
-            <a:avLst/>
-          </a:prstGeom>
-          <a:ln>
-            <a:noFill/>
-          </a:ln>
-        </p:spPr>
-        <p:style>
-          <a:lnRef idx="2">
-            <a:schemeClr val="accent1">
-              <a:shade val="50000"/>
-            </a:schemeClr>
-          </a:lnRef>
-          <a:fillRef idx="1">
-            <a:schemeClr val="accent1"/>
-          </a:fillRef>
-          <a:effectRef idx="0">
-            <a:schemeClr val="accent1"/>
-          </a:effectRef>
-          <a:fontRef idx="minor">
-            <a:schemeClr val="lt1"/>
-          </a:fontRef>
-        </p:style>
-        <p:txBody>
-          <a:bodyPr rtlCol="0" anchor="ctr"/>
-          <a:lstStyle/>
-          <a:p>
-            <a:pPr algn="ctr"/>
-            <a:endParaRPr lang="en-US"/>
-          </a:p>
-        </p:txBody>
-      </p:sp>
-      <p:sp>
-        <p:nvSpPr>
-          <p:cNvPr id="10" name="Rectangle 9">
-            <a:extLst>
-              <a:ext uri="{FF2B5EF4-FFF2-40B4-BE49-F238E27FC236}">
-                <a16:creationId xmlns:a16="http://schemas.microsoft.com/office/drawing/2014/main" id="{B19D093C-27FB-4032-B282-42C4563F257C}"/>
-              </a:ext>
-              <a:ext uri="{C183D7F6-B498-43B3-948B-1728B52AA6E4}">
-                <adec:decorative xmlns:adec="http://schemas.microsoft.com/office/drawing/2017/decorative" val="1"/>
-              </a:ext>
-            </a:extLst>
-          </p:cNvPr>
-          <p:cNvSpPr>
-            <a:spLocks noGrp="1" noRot="1" noChangeAspect="1" noMove="1" noResize="1" noEditPoints="1" noAdjustHandles="1" noChangeArrowheads="1" noChangeShapeType="1" noTextEdit="1"/>
-          </p:cNvSpPr>
-          <p:nvPr>
-            <p:extLst>
-              <p:ext uri="{386F3935-93C4-4BCD-93E2-E3B085C9AB24}">
-                <p16:designElem xmlns:p16="http://schemas.microsoft.com/office/powerpoint/2015/main" val="1"/>
-              </p:ext>
-            </p:extLst>
-          </p:nvPr>
-        </p:nvSpPr>
-        <p:spPr>
-          <a:xfrm>
-            <a:off x="0" y="0"/>
-            <a:ext cx="4694548" cy="6858000"/>
-          </a:xfrm>
-          <a:prstGeom prst="rect">
-            <a:avLst/>
-          </a:prstGeom>
-          <a:solidFill>
-            <a:schemeClr val="tx1"/>
-          </a:solidFill>
-          <a:ln>
-            <a:noFill/>
-          </a:ln>
-        </p:spPr>
-        <p:style>
-          <a:lnRef idx="2">
-            <a:schemeClr val="accent1">
-              <a:shade val="50000"/>
-            </a:schemeClr>
-          </a:lnRef>
-          <a:fillRef idx="1">
-            <a:schemeClr val="accent1"/>
-          </a:fillRef>
-          <a:effectRef idx="0">
-            <a:schemeClr val="accent1"/>
-          </a:effectRef>
-          <a:fontRef idx="minor">
-            <a:schemeClr val="lt1"/>
-          </a:fontRef>
-        </p:style>
-        <p:txBody>
-          <a:bodyPr rtlCol="0" anchor="ctr"/>
-          <a:lstStyle/>
-          <a:p>
-            <a:pPr algn="ctr"/>
-            <a:endParaRPr lang="en-US"/>
-          </a:p>
-        </p:txBody>
-      </p:sp>
-      <p:grpSp>
-        <p:nvGrpSpPr>
-          <p:cNvPr id="12" name="Group 11">
-            <a:extLst>
-              <a:ext uri="{FF2B5EF4-FFF2-40B4-BE49-F238E27FC236}">
-                <a16:creationId xmlns:a16="http://schemas.microsoft.com/office/drawing/2014/main" id="{35EE815E-1BD3-4777-B652-6D98825BF66B}"/>
-              </a:ext>
-              <a:ext uri="{C183D7F6-B498-43B3-948B-1728B52AA6E4}">
-                <adec:decorative xmlns:adec="http://schemas.microsoft.com/office/drawing/2017/decorative" val="1"/>
-              </a:ext>
-            </a:extLst>
-          </p:cNvPr>
-          <p:cNvGrpSpPr>
-            <a:grpSpLocks noGrp="1" noUngrp="1" noRot="1" noChangeAspect="1" noMove="1" noResize="1"/>
-          </p:cNvGrpSpPr>
-          <p:nvPr>
-            <p:extLst>
-              <p:ext uri="{386F3935-93C4-4BCD-93E2-E3B085C9AB24}">
-                <p16:designElem xmlns:p16="http://schemas.microsoft.com/office/powerpoint/2015/main" val="1"/>
-              </p:ext>
-            </p:extLst>
-          </p:nvPr>
-        </p:nvGrpSpPr>
-        <p:grpSpPr>
-          <a:xfrm>
-            <a:off x="767290" y="681628"/>
-            <a:ext cx="1128382" cy="847206"/>
-            <a:chOff x="668003" y="1684057"/>
-            <a:chExt cx="1128382" cy="847206"/>
-          </a:xfrm>
-        </p:grpSpPr>
-        <p:sp>
-          <p:nvSpPr>
-            <p:cNvPr id="13" name="Freeform 5">
-              <a:extLst>
-                <a:ext uri="{FF2B5EF4-FFF2-40B4-BE49-F238E27FC236}">
-                  <a16:creationId xmlns:a16="http://schemas.microsoft.com/office/drawing/2014/main" id="{E6692982-4A7D-4392-87CD-F0CD4B027DDE}"/>
-                </a:ext>
-                <a:ext uri="{C183D7F6-B498-43B3-948B-1728B52AA6E4}">
-                  <adec:decorative xmlns:adec="http://schemas.microsoft.com/office/drawing/2017/decorative" val="1"/>
-                </a:ext>
-              </a:extLst>
-            </p:cNvPr>
-            <p:cNvSpPr>
-              <a:spLocks/>
-            </p:cNvSpPr>
-            <p:nvPr>
-              <p:extLst>
-                <p:ext uri="{386F3935-93C4-4BCD-93E2-E3B085C9AB24}">
-                  <p16:designElem xmlns:p16="http://schemas.microsoft.com/office/powerpoint/2015/main" val="1"/>
-                </p:ext>
-              </p:extLst>
-            </p:nvPr>
-          </p:nvSpPr>
-          <p:spPr bwMode="auto">
-            <a:xfrm>
-              <a:off x="668003" y="1935883"/>
-              <a:ext cx="675351" cy="595380"/>
-            </a:xfrm>
-            <a:custGeom>
-              <a:avLst/>
-              <a:gdLst>
-                <a:gd name="T0" fmla="*/ 225 w 785"/>
-                <a:gd name="T1" fmla="*/ 692 h 692"/>
-                <a:gd name="T2" fmla="*/ 177 w 785"/>
-                <a:gd name="T3" fmla="*/ 665 h 692"/>
-                <a:gd name="T4" fmla="*/ 9 w 785"/>
-                <a:gd name="T5" fmla="*/ 374 h 692"/>
-                <a:gd name="T6" fmla="*/ 9 w 785"/>
-                <a:gd name="T7" fmla="*/ 318 h 692"/>
-                <a:gd name="T8" fmla="*/ 177 w 785"/>
-                <a:gd name="T9" fmla="*/ 27 h 692"/>
-                <a:gd name="T10" fmla="*/ 225 w 785"/>
-                <a:gd name="T11" fmla="*/ 0 h 692"/>
-                <a:gd name="T12" fmla="*/ 561 w 785"/>
-                <a:gd name="T13" fmla="*/ 0 h 692"/>
-                <a:gd name="T14" fmla="*/ 609 w 785"/>
-                <a:gd name="T15" fmla="*/ 27 h 692"/>
-                <a:gd name="T16" fmla="*/ 777 w 785"/>
-                <a:gd name="T17" fmla="*/ 318 h 692"/>
-                <a:gd name="T18" fmla="*/ 777 w 785"/>
-                <a:gd name="T19" fmla="*/ 374 h 692"/>
-                <a:gd name="T20" fmla="*/ 609 w 785"/>
-                <a:gd name="T21" fmla="*/ 665 h 692"/>
-                <a:gd name="T22" fmla="*/ 561 w 785"/>
-                <a:gd name="T23" fmla="*/ 692 h 692"/>
-                <a:gd name="T24" fmla="*/ 225 w 785"/>
-                <a:gd name="T25" fmla="*/ 692 h 692"/>
-              </a:gdLst>
-              <a:ahLst/>
-              <a:cxnLst>
-                <a:cxn ang="0">
-                  <a:pos x="T0" y="T1"/>
-                </a:cxn>
-                <a:cxn ang="0">
-                  <a:pos x="T2" y="T3"/>
-                </a:cxn>
-                <a:cxn ang="0">
-                  <a:pos x="T4" y="T5"/>
-                </a:cxn>
-                <a:cxn ang="0">
-                  <a:pos x="T6" y="T7"/>
-                </a:cxn>
-                <a:cxn ang="0">
-                  <a:pos x="T8" y="T9"/>
-                </a:cxn>
-                <a:cxn ang="0">
-                  <a:pos x="T10" y="T11"/>
-                </a:cxn>
-                <a:cxn ang="0">
-                  <a:pos x="T12" y="T13"/>
-                </a:cxn>
-                <a:cxn ang="0">
-                  <a:pos x="T14" y="T15"/>
-                </a:cxn>
-                <a:cxn ang="0">
-                  <a:pos x="T16" y="T17"/>
-                </a:cxn>
-                <a:cxn ang="0">
-                  <a:pos x="T18" y="T19"/>
-                </a:cxn>
-                <a:cxn ang="0">
-                  <a:pos x="T20" y="T21"/>
-                </a:cxn>
-                <a:cxn ang="0">
-                  <a:pos x="T22" y="T23"/>
-                </a:cxn>
-                <a:cxn ang="0">
-                  <a:pos x="T24" y="T25"/>
-                </a:cxn>
-              </a:cxnLst>
-              <a:rect l="0" t="0" r="r" b="b"/>
-              <a:pathLst>
-                <a:path w="785" h="692">
-                  <a:moveTo>
-                    <a:pt x="225" y="692"/>
-                  </a:moveTo>
-                  <a:cubicBezTo>
-                    <a:pt x="207" y="692"/>
-                    <a:pt x="185" y="680"/>
-                    <a:pt x="177" y="665"/>
-                  </a:cubicBezTo>
-                  <a:cubicBezTo>
-                    <a:pt x="9" y="374"/>
-                    <a:pt x="9" y="374"/>
-                    <a:pt x="9" y="374"/>
-                  </a:cubicBezTo>
-                  <a:cubicBezTo>
-                    <a:pt x="0" y="358"/>
-                    <a:pt x="0" y="334"/>
-                    <a:pt x="9" y="318"/>
-                  </a:cubicBezTo>
-                  <a:cubicBezTo>
-                    <a:pt x="177" y="27"/>
-                    <a:pt x="177" y="27"/>
-                    <a:pt x="177" y="27"/>
-                  </a:cubicBezTo>
-                  <a:cubicBezTo>
-                    <a:pt x="185" y="12"/>
-                    <a:pt x="207" y="0"/>
-                    <a:pt x="225" y="0"/>
-                  </a:cubicBezTo>
-                  <a:cubicBezTo>
-                    <a:pt x="561" y="0"/>
-                    <a:pt x="561" y="0"/>
-                    <a:pt x="561" y="0"/>
-                  </a:cubicBezTo>
-                  <a:cubicBezTo>
-                    <a:pt x="578" y="0"/>
-                    <a:pt x="600" y="12"/>
-                    <a:pt x="609" y="27"/>
-                  </a:cubicBezTo>
-                  <a:cubicBezTo>
-                    <a:pt x="777" y="318"/>
-                    <a:pt x="777" y="318"/>
-                    <a:pt x="777" y="318"/>
-                  </a:cubicBezTo>
-                  <a:cubicBezTo>
-                    <a:pt x="785" y="334"/>
-                    <a:pt x="785" y="358"/>
-                    <a:pt x="777" y="374"/>
-                  </a:cubicBezTo>
-                  <a:cubicBezTo>
-                    <a:pt x="609" y="665"/>
-                    <a:pt x="609" y="665"/>
-                    <a:pt x="609" y="665"/>
-                  </a:cubicBezTo>
-                  <a:cubicBezTo>
-                    <a:pt x="600" y="680"/>
-                    <a:pt x="578" y="692"/>
-                    <a:pt x="561" y="692"/>
-                  </a:cubicBezTo>
-                  <a:lnTo>
-                    <a:pt x="225" y="692"/>
-                  </a:lnTo>
-                  <a:close/>
-                </a:path>
-              </a:pathLst>
-            </a:custGeom>
-            <a:noFill/>
-            <a:ln w="28575" cmpd="sng">
-              <a:solidFill>
-                <a:schemeClr val="bg1"/>
-              </a:solidFill>
-            </a:ln>
-          </p:spPr>
-          <p:txBody>
-            <a:bodyPr vert="horz" wrap="square" lIns="91440" tIns="45720" rIns="91440" bIns="45720" numCol="1" anchor="t" anchorCtr="0" compatLnSpc="1">
-              <a:prstTxWarp prst="textNoShape">
-                <a:avLst/>
-              </a:prstTxWarp>
-            </a:bodyPr>
-            <a:lstStyle/>
-            <a:p>
-              <a:endParaRPr lang="en-US"/>
-            </a:p>
-          </p:txBody>
-        </p:sp>
-        <p:sp>
-          <p:nvSpPr>
-            <p:cNvPr id="14" name="Freeform 5">
-              <a:extLst>
-                <a:ext uri="{FF2B5EF4-FFF2-40B4-BE49-F238E27FC236}">
-                  <a16:creationId xmlns:a16="http://schemas.microsoft.com/office/drawing/2014/main" id="{196485F7-F277-4123-AC53-98EA4C858774}"/>
-                </a:ext>
-                <a:ext uri="{C183D7F6-B498-43B3-948B-1728B52AA6E4}">
-                  <adec:decorative xmlns:adec="http://schemas.microsoft.com/office/drawing/2017/decorative" val="1"/>
-                </a:ext>
-              </a:extLst>
-            </p:cNvPr>
-            <p:cNvSpPr>
-              <a:spLocks/>
-            </p:cNvSpPr>
-            <p:nvPr>
-              <p:extLst>
-                <p:ext uri="{386F3935-93C4-4BCD-93E2-E3B085C9AB24}">
-                  <p16:designElem xmlns:p16="http://schemas.microsoft.com/office/powerpoint/2015/main" val="1"/>
-                </p:ext>
-              </p:extLst>
-            </p:nvPr>
-          </p:nvSpPr>
-          <p:spPr bwMode="auto">
-            <a:xfrm>
-              <a:off x="1245893" y="1684057"/>
-              <a:ext cx="550492" cy="485306"/>
-            </a:xfrm>
-            <a:custGeom>
-              <a:avLst/>
-              <a:gdLst>
-                <a:gd name="T0" fmla="*/ 225 w 785"/>
-                <a:gd name="T1" fmla="*/ 692 h 692"/>
-                <a:gd name="T2" fmla="*/ 177 w 785"/>
-                <a:gd name="T3" fmla="*/ 665 h 692"/>
-                <a:gd name="T4" fmla="*/ 9 w 785"/>
-                <a:gd name="T5" fmla="*/ 374 h 692"/>
-                <a:gd name="T6" fmla="*/ 9 w 785"/>
-                <a:gd name="T7" fmla="*/ 318 h 692"/>
-                <a:gd name="T8" fmla="*/ 177 w 785"/>
-                <a:gd name="T9" fmla="*/ 27 h 692"/>
-                <a:gd name="T10" fmla="*/ 225 w 785"/>
-                <a:gd name="T11" fmla="*/ 0 h 692"/>
-                <a:gd name="T12" fmla="*/ 561 w 785"/>
-                <a:gd name="T13" fmla="*/ 0 h 692"/>
-                <a:gd name="T14" fmla="*/ 609 w 785"/>
-                <a:gd name="T15" fmla="*/ 27 h 692"/>
-                <a:gd name="T16" fmla="*/ 777 w 785"/>
-                <a:gd name="T17" fmla="*/ 318 h 692"/>
-                <a:gd name="T18" fmla="*/ 777 w 785"/>
-                <a:gd name="T19" fmla="*/ 374 h 692"/>
-                <a:gd name="T20" fmla="*/ 609 w 785"/>
-                <a:gd name="T21" fmla="*/ 665 h 692"/>
-                <a:gd name="T22" fmla="*/ 561 w 785"/>
-                <a:gd name="T23" fmla="*/ 692 h 692"/>
-                <a:gd name="T24" fmla="*/ 225 w 785"/>
-                <a:gd name="T25" fmla="*/ 692 h 692"/>
-              </a:gdLst>
-              <a:ahLst/>
-              <a:cxnLst>
-                <a:cxn ang="0">
-                  <a:pos x="T0" y="T1"/>
-                </a:cxn>
-                <a:cxn ang="0">
-                  <a:pos x="T2" y="T3"/>
-                </a:cxn>
-                <a:cxn ang="0">
-                  <a:pos x="T4" y="T5"/>
-                </a:cxn>
-                <a:cxn ang="0">
-                  <a:pos x="T6" y="T7"/>
-                </a:cxn>
-                <a:cxn ang="0">
-                  <a:pos x="T8" y="T9"/>
-                </a:cxn>
-                <a:cxn ang="0">
-                  <a:pos x="T10" y="T11"/>
-                </a:cxn>
-                <a:cxn ang="0">
-                  <a:pos x="T12" y="T13"/>
-                </a:cxn>
-                <a:cxn ang="0">
-                  <a:pos x="T14" y="T15"/>
-                </a:cxn>
-                <a:cxn ang="0">
-                  <a:pos x="T16" y="T17"/>
-                </a:cxn>
-                <a:cxn ang="0">
-                  <a:pos x="T18" y="T19"/>
-                </a:cxn>
-                <a:cxn ang="0">
-                  <a:pos x="T20" y="T21"/>
-                </a:cxn>
-                <a:cxn ang="0">
-                  <a:pos x="T22" y="T23"/>
-                </a:cxn>
-                <a:cxn ang="0">
-                  <a:pos x="T24" y="T25"/>
-                </a:cxn>
-              </a:cxnLst>
-              <a:rect l="0" t="0" r="r" b="b"/>
-              <a:pathLst>
-                <a:path w="785" h="692">
-                  <a:moveTo>
-                    <a:pt x="225" y="692"/>
-                  </a:moveTo>
-                  <a:cubicBezTo>
-                    <a:pt x="207" y="692"/>
-                    <a:pt x="185" y="680"/>
-                    <a:pt x="177" y="665"/>
-                  </a:cubicBezTo>
-                  <a:cubicBezTo>
-                    <a:pt x="9" y="374"/>
-                    <a:pt x="9" y="374"/>
-                    <a:pt x="9" y="374"/>
-                  </a:cubicBezTo>
-                  <a:cubicBezTo>
-                    <a:pt x="0" y="358"/>
-                    <a:pt x="0" y="334"/>
-                    <a:pt x="9" y="318"/>
-                  </a:cubicBezTo>
-                  <a:cubicBezTo>
-                    <a:pt x="177" y="27"/>
-                    <a:pt x="177" y="27"/>
-                    <a:pt x="177" y="27"/>
-                  </a:cubicBezTo>
-                  <a:cubicBezTo>
-                    <a:pt x="185" y="12"/>
-                    <a:pt x="207" y="0"/>
-                    <a:pt x="225" y="0"/>
-                  </a:cubicBezTo>
-                  <a:cubicBezTo>
-                    <a:pt x="561" y="0"/>
-                    <a:pt x="561" y="0"/>
-                    <a:pt x="561" y="0"/>
-                  </a:cubicBezTo>
-                  <a:cubicBezTo>
-                    <a:pt x="578" y="0"/>
-                    <a:pt x="600" y="12"/>
-                    <a:pt x="609" y="27"/>
-                  </a:cubicBezTo>
-                  <a:cubicBezTo>
-                    <a:pt x="777" y="318"/>
-                    <a:pt x="777" y="318"/>
-                    <a:pt x="777" y="318"/>
-                  </a:cubicBezTo>
-                  <a:cubicBezTo>
-                    <a:pt x="785" y="334"/>
-                    <a:pt x="785" y="358"/>
-                    <a:pt x="777" y="374"/>
-                  </a:cubicBezTo>
-                  <a:cubicBezTo>
-                    <a:pt x="609" y="665"/>
-                    <a:pt x="609" y="665"/>
-                    <a:pt x="609" y="665"/>
-                  </a:cubicBezTo>
-                  <a:cubicBezTo>
-                    <a:pt x="600" y="680"/>
-                    <a:pt x="578" y="692"/>
-                    <a:pt x="561" y="692"/>
-                  </a:cubicBezTo>
-                  <a:lnTo>
-                    <a:pt x="225" y="692"/>
-                  </a:lnTo>
-                  <a:close/>
-                </a:path>
-              </a:pathLst>
-            </a:custGeom>
-            <a:noFill/>
-            <a:ln w="28575" cmpd="sng">
-              <a:solidFill>
-                <a:schemeClr val="bg1"/>
-              </a:solidFill>
-            </a:ln>
-          </p:spPr>
-          <p:txBody>
-            <a:bodyPr vert="horz" wrap="square" lIns="91440" tIns="45720" rIns="91440" bIns="45720" numCol="1" anchor="t" anchorCtr="0" compatLnSpc="1">
-              <a:prstTxWarp prst="textNoShape">
-                <a:avLst/>
-              </a:prstTxWarp>
-            </a:bodyPr>
-            <a:lstStyle/>
-            <a:p>
-              <a:endParaRPr lang="en-US"/>
-            </a:p>
-          </p:txBody>
-        </p:sp>
-      </p:grpSp>
-      <p:sp>
-        <p:nvSpPr>
-          <p:cNvPr id="2" name="Title 1">
-            <a:extLst>
-              <a:ext uri="{FF2B5EF4-FFF2-40B4-BE49-F238E27FC236}">
-                <a16:creationId xmlns:a16="http://schemas.microsoft.com/office/drawing/2014/main" id="{04FE2D99-49C7-41E3-AB50-E93B050C33BE}"/>
-              </a:ext>
-            </a:extLst>
-          </p:cNvPr>
-          <p:cNvSpPr>
-            <a:spLocks noGrp="1"/>
-          </p:cNvSpPr>
-          <p:nvPr>
-            <p:ph type="title"/>
-          </p:nvPr>
-        </p:nvSpPr>
-        <p:spPr>
-          <a:xfrm>
-            <a:off x="767290" y="1166932"/>
-            <a:ext cx="3692743" cy="4279709"/>
-          </a:xfrm>
-        </p:spPr>
-        <p:txBody>
-          <a:bodyPr anchor="ctr">
-            <a:normAutofit/>
-          </a:bodyPr>
-          <a:lstStyle/>
-          <a:p>
-            <a:r>
-              <a:rPr lang="en-US" sz="4800" dirty="0">
-                <a:solidFill>
-                  <a:schemeClr val="bg1"/>
-                </a:solidFill>
-              </a:rPr>
-              <a:t>Preprocessing</a:t>
-            </a:r>
-          </a:p>
-        </p:txBody>
-      </p:sp>
-      <p:pic>
-        <p:nvPicPr>
-          <p:cNvPr id="5" name="Picture 4">
-            <a:extLst>
-              <a:ext uri="{FF2B5EF4-FFF2-40B4-BE49-F238E27FC236}">
-                <a16:creationId xmlns:a16="http://schemas.microsoft.com/office/drawing/2014/main" id="{E04845F3-78F6-48E2-8AE2-70B7D3539E89}"/>
-              </a:ext>
-            </a:extLst>
-          </p:cNvPr>
-          <p:cNvPicPr>
-            <a:picLocks noChangeAspect="1"/>
-          </p:cNvPicPr>
-          <p:nvPr/>
-        </p:nvPicPr>
-        <p:blipFill>
-          <a:blip r:embed="rId2"/>
-          <a:stretch>
-            <a:fillRect/>
-          </a:stretch>
-        </p:blipFill>
-        <p:spPr>
-          <a:xfrm>
-            <a:off x="4694548" y="2709400"/>
-            <a:ext cx="7097115" cy="1105054"/>
-          </a:xfrm>
-          <a:prstGeom prst="rect">
-            <a:avLst/>
-          </a:prstGeom>
-        </p:spPr>
-      </p:pic>
-      <p:pic>
-        <p:nvPicPr>
-          <p:cNvPr id="11" name="Picture 10">
-            <a:extLst>
-              <a:ext uri="{FF2B5EF4-FFF2-40B4-BE49-F238E27FC236}">
-                <a16:creationId xmlns:a16="http://schemas.microsoft.com/office/drawing/2014/main" id="{0A14F37F-B554-4426-9892-C452675CECD4}"/>
-              </a:ext>
-            </a:extLst>
-          </p:cNvPr>
-          <p:cNvPicPr>
-            <a:picLocks noChangeAspect="1"/>
-          </p:cNvPicPr>
-          <p:nvPr/>
-        </p:nvPicPr>
-        <p:blipFill>
-          <a:blip r:embed="rId3"/>
-          <a:stretch>
-            <a:fillRect/>
-          </a:stretch>
-        </p:blipFill>
-        <p:spPr>
-          <a:xfrm>
-            <a:off x="4708053" y="4679302"/>
-            <a:ext cx="7116168" cy="533474"/>
-          </a:xfrm>
-          <a:prstGeom prst="rect">
-            <a:avLst/>
-          </a:prstGeom>
-        </p:spPr>
-      </p:pic>
-      <p:sp>
-        <p:nvSpPr>
-          <p:cNvPr id="15" name="TextBox 14">
-            <a:extLst>
-              <a:ext uri="{FF2B5EF4-FFF2-40B4-BE49-F238E27FC236}">
-                <a16:creationId xmlns:a16="http://schemas.microsoft.com/office/drawing/2014/main" id="{A080007A-E0FA-438E-B242-459C7074A447}"/>
-              </a:ext>
-            </a:extLst>
-          </p:cNvPr>
-          <p:cNvSpPr txBox="1"/>
-          <p:nvPr/>
-        </p:nvSpPr>
-        <p:spPr>
-          <a:xfrm>
-            <a:off x="5369313" y="2063069"/>
-            <a:ext cx="5766637" cy="646331"/>
-          </a:xfrm>
-          <a:prstGeom prst="rect">
-            <a:avLst/>
-          </a:prstGeom>
-          <a:noFill/>
-        </p:spPr>
-        <p:txBody>
-          <a:bodyPr wrap="square" rtlCol="0">
-            <a:spAutoFit/>
-          </a:bodyPr>
-          <a:lstStyle/>
-          <a:p>
-            <a:r>
-              <a:rPr lang="en-US" dirty="0"/>
-              <a:t>Normalizing features and splitting them into training and validation sets with 8 to 2 training to validation ratio. </a:t>
-            </a:r>
-          </a:p>
-        </p:txBody>
-      </p:sp>
-      <p:sp>
-        <p:nvSpPr>
-          <p:cNvPr id="16" name="TextBox 15">
-            <a:extLst>
-              <a:ext uri="{FF2B5EF4-FFF2-40B4-BE49-F238E27FC236}">
-                <a16:creationId xmlns:a16="http://schemas.microsoft.com/office/drawing/2014/main" id="{545DFA09-2C8C-465D-85F0-4B8B40817899}"/>
-              </a:ext>
-            </a:extLst>
-          </p:cNvPr>
-          <p:cNvSpPr txBox="1"/>
-          <p:nvPr/>
-        </p:nvSpPr>
-        <p:spPr>
-          <a:xfrm>
-            <a:off x="5626359" y="4309970"/>
-            <a:ext cx="5112245" cy="369332"/>
-          </a:xfrm>
-          <a:prstGeom prst="rect">
-            <a:avLst/>
-          </a:prstGeom>
-          <a:noFill/>
-        </p:spPr>
-        <p:txBody>
-          <a:bodyPr wrap="square" rtlCol="0">
-            <a:spAutoFit/>
-          </a:bodyPr>
-          <a:lstStyle/>
-          <a:p>
-            <a:r>
-              <a:rPr lang="en-US" dirty="0"/>
-              <a:t>Lists to hold accuracies of each of the three models</a:t>
-            </a:r>
-          </a:p>
-        </p:txBody>
-      </p:sp>
-    </p:spTree>
-    <p:extLst>
-      <p:ext uri="{BB962C8B-B14F-4D97-AF65-F5344CB8AC3E}">
-        <p14:creationId xmlns:p14="http://schemas.microsoft.com/office/powerpoint/2010/main" val="2235975646"/>
-      </p:ext>
-    </p:extLst>
-  </p:cSld>
-  <p:clrMapOvr>
-    <a:masterClrMapping/>
-  </p:clrMapOvr>
-</p:sld>
-</file>
-
-<file path=ppt/slides/slide9.xml><?xml version="1.0" encoding="utf-8"?>
-<p:sld xmlns:a="http://schemas.openxmlformats.org/drawingml/2006/main" xmlns:r="http://schemas.openxmlformats.org/officeDocument/2006/relationships" xmlns:p="http://schemas.openxmlformats.org/presentationml/2006/main">
-  <p:cSld>
-    <p:bg>
-      <p:bgPr>
-        <a:solidFill>
-          <a:schemeClr val="bg1"/>
-        </a:solidFill>
-        <a:effectLst/>
-      </p:bgPr>
-    </p:bg>
-    <p:spTree>
-      <p:nvGrpSpPr>
-        <p:cNvPr id="1" name=""/>
-        <p:cNvGrpSpPr/>
-        <p:nvPr/>
-      </p:nvGrpSpPr>
-      <p:grpSpPr>
-        <a:xfrm>
-          <a:off x="0" y="0"/>
-          <a:ext cx="0" cy="0"/>
-          <a:chOff x="0" y="0"/>
-          <a:chExt cx="0" cy="0"/>
-        </a:xfrm>
-      </p:grpSpPr>
-      <p:sp useBgFill="1">
-        <p:nvSpPr>
-          <p:cNvPr id="17" name="Rectangle 16">
-            <a:extLst>
-              <a:ext uri="{FF2B5EF4-FFF2-40B4-BE49-F238E27FC236}">
-                <a16:creationId xmlns:a16="http://schemas.microsoft.com/office/drawing/2014/main" id="{33CD251C-A887-4D2F-925B-FC097198538B}"/>
-              </a:ext>
-              <a:ext uri="{C183D7F6-B498-43B3-948B-1728B52AA6E4}">
-                <adec:decorative xmlns:adec="http://schemas.microsoft.com/office/drawing/2017/decorative" val="1"/>
-              </a:ext>
-            </a:extLst>
-          </p:cNvPr>
-          <p:cNvSpPr>
-            <a:spLocks noGrp="1" noRot="1" noChangeAspect="1" noMove="1" noResize="1" noEditPoints="1" noAdjustHandles="1" noChangeArrowheads="1" noChangeShapeType="1" noTextEdit="1"/>
-          </p:cNvSpPr>
-          <p:nvPr>
-            <p:extLst>
-              <p:ext uri="{386F3935-93C4-4BCD-93E2-E3B085C9AB24}">
-                <p16:designElem xmlns:p16="http://schemas.microsoft.com/office/powerpoint/2015/main" val="1"/>
-              </p:ext>
-            </p:extLst>
-          </p:nvPr>
-        </p:nvSpPr>
-        <p:spPr>
-          <a:xfrm>
-            <a:off x="0" y="0"/>
-            <a:ext cx="12192000" cy="6858000"/>
-          </a:xfrm>
-          <a:prstGeom prst="rect">
-            <a:avLst/>
-          </a:prstGeom>
-          <a:ln>
-            <a:noFill/>
-          </a:ln>
-        </p:spPr>
-        <p:style>
-          <a:lnRef idx="2">
-            <a:schemeClr val="accent1">
-              <a:shade val="50000"/>
-            </a:schemeClr>
-          </a:lnRef>
-          <a:fillRef idx="1">
-            <a:schemeClr val="accent1"/>
-          </a:fillRef>
-          <a:effectRef idx="0">
-            <a:schemeClr val="accent1"/>
-          </a:effectRef>
-          <a:fontRef idx="minor">
-            <a:schemeClr val="lt1"/>
-          </a:fontRef>
-        </p:style>
-        <p:txBody>
-          <a:bodyPr rtlCol="0" anchor="ctr"/>
-          <a:lstStyle/>
-          <a:p>
-            <a:pPr algn="ctr"/>
-            <a:endParaRPr lang="en-US"/>
-          </a:p>
-        </p:txBody>
-      </p:sp>
-      <p:sp>
-        <p:nvSpPr>
-          <p:cNvPr id="19" name="Rectangle 18">
-            <a:extLst>
-              <a:ext uri="{FF2B5EF4-FFF2-40B4-BE49-F238E27FC236}">
-                <a16:creationId xmlns:a16="http://schemas.microsoft.com/office/drawing/2014/main" id="{B19D093C-27FB-4032-B282-42C4563F257C}"/>
-              </a:ext>
-              <a:ext uri="{C183D7F6-B498-43B3-948B-1728B52AA6E4}">
-                <adec:decorative xmlns:adec="http://schemas.microsoft.com/office/drawing/2017/decorative" val="1"/>
-              </a:ext>
-            </a:extLst>
-          </p:cNvPr>
-          <p:cNvSpPr>
-            <a:spLocks noGrp="1" noRot="1" noChangeAspect="1" noMove="1" noResize="1" noEditPoints="1" noAdjustHandles="1" noChangeArrowheads="1" noChangeShapeType="1" noTextEdit="1"/>
-          </p:cNvSpPr>
-          <p:nvPr>
-            <p:extLst>
-              <p:ext uri="{386F3935-93C4-4BCD-93E2-E3B085C9AB24}">
-                <p16:designElem xmlns:p16="http://schemas.microsoft.com/office/powerpoint/2015/main" val="1"/>
-              </p:ext>
-            </p:extLst>
-          </p:nvPr>
-        </p:nvSpPr>
-        <p:spPr>
-          <a:xfrm>
-            <a:off x="0" y="0"/>
-            <a:ext cx="4694548" cy="6858000"/>
-          </a:xfrm>
-          <a:prstGeom prst="rect">
-            <a:avLst/>
-          </a:prstGeom>
-          <a:solidFill>
-            <a:schemeClr val="tx1"/>
-          </a:solidFill>
-          <a:ln>
-            <a:noFill/>
-          </a:ln>
-        </p:spPr>
-        <p:style>
-          <a:lnRef idx="2">
-            <a:schemeClr val="accent1">
-              <a:shade val="50000"/>
-            </a:schemeClr>
-          </a:lnRef>
-          <a:fillRef idx="1">
-            <a:schemeClr val="accent1"/>
-          </a:fillRef>
-          <a:effectRef idx="0">
-            <a:schemeClr val="accent1"/>
-          </a:effectRef>
-          <a:fontRef idx="minor">
-            <a:schemeClr val="lt1"/>
-          </a:fontRef>
-        </p:style>
-        <p:txBody>
-          <a:bodyPr rtlCol="0" anchor="ctr"/>
-          <a:lstStyle/>
-          <a:p>
-            <a:pPr algn="ctr"/>
-            <a:endParaRPr lang="en-US"/>
-          </a:p>
-        </p:txBody>
-      </p:sp>
-      <p:grpSp>
-        <p:nvGrpSpPr>
-          <p:cNvPr id="21" name="Group 20">
-            <a:extLst>
-              <a:ext uri="{FF2B5EF4-FFF2-40B4-BE49-F238E27FC236}">
-                <a16:creationId xmlns:a16="http://schemas.microsoft.com/office/drawing/2014/main" id="{35EE815E-1BD3-4777-B652-6D98825BF66B}"/>
-              </a:ext>
-              <a:ext uri="{C183D7F6-B498-43B3-948B-1728B52AA6E4}">
-                <adec:decorative xmlns:adec="http://schemas.microsoft.com/office/drawing/2017/decorative" val="1"/>
-              </a:ext>
-            </a:extLst>
-          </p:cNvPr>
-          <p:cNvGrpSpPr>
-            <a:grpSpLocks noGrp="1" noUngrp="1" noRot="1" noChangeAspect="1" noMove="1" noResize="1"/>
-          </p:cNvGrpSpPr>
-          <p:nvPr>
-            <p:extLst>
-              <p:ext uri="{386F3935-93C4-4BCD-93E2-E3B085C9AB24}">
-                <p16:designElem xmlns:p16="http://schemas.microsoft.com/office/powerpoint/2015/main" val="1"/>
-              </p:ext>
-            </p:extLst>
-          </p:nvPr>
-        </p:nvGrpSpPr>
-        <p:grpSpPr>
-          <a:xfrm>
-            <a:off x="767290" y="681628"/>
-            <a:ext cx="1128382" cy="847206"/>
-            <a:chOff x="668003" y="1684057"/>
-            <a:chExt cx="1128382" cy="847206"/>
-          </a:xfrm>
-        </p:grpSpPr>
-        <p:sp>
-          <p:nvSpPr>
-            <p:cNvPr id="22" name="Freeform 5">
-              <a:extLst>
-                <a:ext uri="{FF2B5EF4-FFF2-40B4-BE49-F238E27FC236}">
-                  <a16:creationId xmlns:a16="http://schemas.microsoft.com/office/drawing/2014/main" id="{E6692982-4A7D-4392-87CD-F0CD4B027DDE}"/>
-                </a:ext>
-                <a:ext uri="{C183D7F6-B498-43B3-948B-1728B52AA6E4}">
-                  <adec:decorative xmlns:adec="http://schemas.microsoft.com/office/drawing/2017/decorative" val="1"/>
-                </a:ext>
-              </a:extLst>
-            </p:cNvPr>
-            <p:cNvSpPr>
-              <a:spLocks/>
-            </p:cNvSpPr>
-            <p:nvPr>
-              <p:extLst>
-                <p:ext uri="{386F3935-93C4-4BCD-93E2-E3B085C9AB24}">
-                  <p16:designElem xmlns:p16="http://schemas.microsoft.com/office/powerpoint/2015/main" val="1"/>
-                </p:ext>
-              </p:extLst>
-            </p:nvPr>
-          </p:nvSpPr>
-          <p:spPr bwMode="auto">
-            <a:xfrm>
-              <a:off x="668003" y="1935883"/>
-              <a:ext cx="675351" cy="595380"/>
-            </a:xfrm>
-            <a:custGeom>
-              <a:avLst/>
-              <a:gdLst>
-                <a:gd name="T0" fmla="*/ 225 w 785"/>
-                <a:gd name="T1" fmla="*/ 692 h 692"/>
-                <a:gd name="T2" fmla="*/ 177 w 785"/>
-                <a:gd name="T3" fmla="*/ 665 h 692"/>
-                <a:gd name="T4" fmla="*/ 9 w 785"/>
-                <a:gd name="T5" fmla="*/ 374 h 692"/>
-                <a:gd name="T6" fmla="*/ 9 w 785"/>
-                <a:gd name="T7" fmla="*/ 318 h 692"/>
-                <a:gd name="T8" fmla="*/ 177 w 785"/>
-                <a:gd name="T9" fmla="*/ 27 h 692"/>
-                <a:gd name="T10" fmla="*/ 225 w 785"/>
-                <a:gd name="T11" fmla="*/ 0 h 692"/>
-                <a:gd name="T12" fmla="*/ 561 w 785"/>
-                <a:gd name="T13" fmla="*/ 0 h 692"/>
-                <a:gd name="T14" fmla="*/ 609 w 785"/>
-                <a:gd name="T15" fmla="*/ 27 h 692"/>
-                <a:gd name="T16" fmla="*/ 777 w 785"/>
-                <a:gd name="T17" fmla="*/ 318 h 692"/>
-                <a:gd name="T18" fmla="*/ 777 w 785"/>
-                <a:gd name="T19" fmla="*/ 374 h 692"/>
-                <a:gd name="T20" fmla="*/ 609 w 785"/>
-                <a:gd name="T21" fmla="*/ 665 h 692"/>
-                <a:gd name="T22" fmla="*/ 561 w 785"/>
-                <a:gd name="T23" fmla="*/ 692 h 692"/>
-                <a:gd name="T24" fmla="*/ 225 w 785"/>
-                <a:gd name="T25" fmla="*/ 692 h 692"/>
-              </a:gdLst>
-              <a:ahLst/>
-              <a:cxnLst>
-                <a:cxn ang="0">
-                  <a:pos x="T0" y="T1"/>
-                </a:cxn>
-                <a:cxn ang="0">
-                  <a:pos x="T2" y="T3"/>
-                </a:cxn>
-                <a:cxn ang="0">
-                  <a:pos x="T4" y="T5"/>
-                </a:cxn>
-                <a:cxn ang="0">
-                  <a:pos x="T6" y="T7"/>
-                </a:cxn>
-                <a:cxn ang="0">
-                  <a:pos x="T8" y="T9"/>
-                </a:cxn>
-                <a:cxn ang="0">
-                  <a:pos x="T10" y="T11"/>
-                </a:cxn>
-                <a:cxn ang="0">
-                  <a:pos x="T12" y="T13"/>
-                </a:cxn>
-                <a:cxn ang="0">
-                  <a:pos x="T14" y="T15"/>
-                </a:cxn>
-                <a:cxn ang="0">
-                  <a:pos x="T16" y="T17"/>
-                </a:cxn>
-                <a:cxn ang="0">
-                  <a:pos x="T18" y="T19"/>
-                </a:cxn>
-                <a:cxn ang="0">
-                  <a:pos x="T20" y="T21"/>
-                </a:cxn>
-                <a:cxn ang="0">
-                  <a:pos x="T22" y="T23"/>
-                </a:cxn>
-                <a:cxn ang="0">
-                  <a:pos x="T24" y="T25"/>
-                </a:cxn>
-              </a:cxnLst>
-              <a:rect l="0" t="0" r="r" b="b"/>
-              <a:pathLst>
-                <a:path w="785" h="692">
-                  <a:moveTo>
-                    <a:pt x="225" y="692"/>
-                  </a:moveTo>
-                  <a:cubicBezTo>
-                    <a:pt x="207" y="692"/>
-                    <a:pt x="185" y="680"/>
-                    <a:pt x="177" y="665"/>
-                  </a:cubicBezTo>
-                  <a:cubicBezTo>
-                    <a:pt x="9" y="374"/>
-                    <a:pt x="9" y="374"/>
-                    <a:pt x="9" y="374"/>
-                  </a:cubicBezTo>
-                  <a:cubicBezTo>
-                    <a:pt x="0" y="358"/>
-                    <a:pt x="0" y="334"/>
-                    <a:pt x="9" y="318"/>
-                  </a:cubicBezTo>
-                  <a:cubicBezTo>
-                    <a:pt x="177" y="27"/>
-                    <a:pt x="177" y="27"/>
-                    <a:pt x="177" y="27"/>
-                  </a:cubicBezTo>
-                  <a:cubicBezTo>
-                    <a:pt x="185" y="12"/>
-                    <a:pt x="207" y="0"/>
-                    <a:pt x="225" y="0"/>
-                  </a:cubicBezTo>
-                  <a:cubicBezTo>
-                    <a:pt x="561" y="0"/>
-                    <a:pt x="561" y="0"/>
-                    <a:pt x="561" y="0"/>
-                  </a:cubicBezTo>
-                  <a:cubicBezTo>
-                    <a:pt x="578" y="0"/>
-                    <a:pt x="600" y="12"/>
-                    <a:pt x="609" y="27"/>
-                  </a:cubicBezTo>
-                  <a:cubicBezTo>
-                    <a:pt x="777" y="318"/>
-                    <a:pt x="777" y="318"/>
-                    <a:pt x="777" y="318"/>
-                  </a:cubicBezTo>
-                  <a:cubicBezTo>
-                    <a:pt x="785" y="334"/>
-                    <a:pt x="785" y="358"/>
-                    <a:pt x="777" y="374"/>
-                  </a:cubicBezTo>
-                  <a:cubicBezTo>
-                    <a:pt x="609" y="665"/>
-                    <a:pt x="609" y="665"/>
-                    <a:pt x="609" y="665"/>
-                  </a:cubicBezTo>
-                  <a:cubicBezTo>
-                    <a:pt x="600" y="680"/>
-                    <a:pt x="578" y="692"/>
-                    <a:pt x="561" y="692"/>
-                  </a:cubicBezTo>
-                  <a:lnTo>
-                    <a:pt x="225" y="692"/>
-                  </a:lnTo>
-                  <a:close/>
-                </a:path>
-              </a:pathLst>
-            </a:custGeom>
-            <a:noFill/>
-            <a:ln w="28575" cmpd="sng">
-              <a:solidFill>
-                <a:schemeClr val="bg1"/>
-              </a:solidFill>
-            </a:ln>
-          </p:spPr>
-          <p:txBody>
-            <a:bodyPr vert="horz" wrap="square" lIns="91440" tIns="45720" rIns="91440" bIns="45720" numCol="1" anchor="t" anchorCtr="0" compatLnSpc="1">
-              <a:prstTxWarp prst="textNoShape">
-                <a:avLst/>
-              </a:prstTxWarp>
-            </a:bodyPr>
-            <a:lstStyle/>
-            <a:p>
-              <a:endParaRPr lang="en-US"/>
-            </a:p>
-          </p:txBody>
-        </p:sp>
-        <p:sp>
-          <p:nvSpPr>
-            <p:cNvPr id="27" name="Freeform 5">
-              <a:extLst>
-                <a:ext uri="{FF2B5EF4-FFF2-40B4-BE49-F238E27FC236}">
-                  <a16:creationId xmlns:a16="http://schemas.microsoft.com/office/drawing/2014/main" id="{196485F7-F277-4123-AC53-98EA4C858774}"/>
-                </a:ext>
-                <a:ext uri="{C183D7F6-B498-43B3-948B-1728B52AA6E4}">
-                  <adec:decorative xmlns:adec="http://schemas.microsoft.com/office/drawing/2017/decorative" val="1"/>
-                </a:ext>
-              </a:extLst>
-            </p:cNvPr>
-            <p:cNvSpPr>
-              <a:spLocks/>
-            </p:cNvSpPr>
-            <p:nvPr>
-              <p:extLst>
-                <p:ext uri="{386F3935-93C4-4BCD-93E2-E3B085C9AB24}">
-                  <p16:designElem xmlns:p16="http://schemas.microsoft.com/office/powerpoint/2015/main" val="1"/>
-                </p:ext>
-              </p:extLst>
-            </p:nvPr>
-          </p:nvSpPr>
-          <p:spPr bwMode="auto">
-            <a:xfrm>
-              <a:off x="1245893" y="1684057"/>
-              <a:ext cx="550492" cy="485306"/>
-            </a:xfrm>
-            <a:custGeom>
-              <a:avLst/>
-              <a:gdLst>
-                <a:gd name="T0" fmla="*/ 225 w 785"/>
-                <a:gd name="T1" fmla="*/ 692 h 692"/>
-                <a:gd name="T2" fmla="*/ 177 w 785"/>
-                <a:gd name="T3" fmla="*/ 665 h 692"/>
-                <a:gd name="T4" fmla="*/ 9 w 785"/>
-                <a:gd name="T5" fmla="*/ 374 h 692"/>
-                <a:gd name="T6" fmla="*/ 9 w 785"/>
-                <a:gd name="T7" fmla="*/ 318 h 692"/>
-                <a:gd name="T8" fmla="*/ 177 w 785"/>
-                <a:gd name="T9" fmla="*/ 27 h 692"/>
-                <a:gd name="T10" fmla="*/ 225 w 785"/>
-                <a:gd name="T11" fmla="*/ 0 h 692"/>
-                <a:gd name="T12" fmla="*/ 561 w 785"/>
-                <a:gd name="T13" fmla="*/ 0 h 692"/>
-                <a:gd name="T14" fmla="*/ 609 w 785"/>
-                <a:gd name="T15" fmla="*/ 27 h 692"/>
-                <a:gd name="T16" fmla="*/ 777 w 785"/>
-                <a:gd name="T17" fmla="*/ 318 h 692"/>
-                <a:gd name="T18" fmla="*/ 777 w 785"/>
-                <a:gd name="T19" fmla="*/ 374 h 692"/>
-                <a:gd name="T20" fmla="*/ 609 w 785"/>
-                <a:gd name="T21" fmla="*/ 665 h 692"/>
-                <a:gd name="T22" fmla="*/ 561 w 785"/>
-                <a:gd name="T23" fmla="*/ 692 h 692"/>
-                <a:gd name="T24" fmla="*/ 225 w 785"/>
-                <a:gd name="T25" fmla="*/ 692 h 692"/>
-              </a:gdLst>
-              <a:ahLst/>
-              <a:cxnLst>
-                <a:cxn ang="0">
-                  <a:pos x="T0" y="T1"/>
-                </a:cxn>
-                <a:cxn ang="0">
-                  <a:pos x="T2" y="T3"/>
-                </a:cxn>
-                <a:cxn ang="0">
-                  <a:pos x="T4" y="T5"/>
-                </a:cxn>
-                <a:cxn ang="0">
-                  <a:pos x="T6" y="T7"/>
-                </a:cxn>
-                <a:cxn ang="0">
-                  <a:pos x="T8" y="T9"/>
-                </a:cxn>
-                <a:cxn ang="0">
-                  <a:pos x="T10" y="T11"/>
-                </a:cxn>
-                <a:cxn ang="0">
-                  <a:pos x="T12" y="T13"/>
-                </a:cxn>
-                <a:cxn ang="0">
-                  <a:pos x="T14" y="T15"/>
-                </a:cxn>
-                <a:cxn ang="0">
-                  <a:pos x="T16" y="T17"/>
-                </a:cxn>
-                <a:cxn ang="0">
-                  <a:pos x="T18" y="T19"/>
-                </a:cxn>
-                <a:cxn ang="0">
-                  <a:pos x="T20" y="T21"/>
-                </a:cxn>
-                <a:cxn ang="0">
-                  <a:pos x="T22" y="T23"/>
-                </a:cxn>
-                <a:cxn ang="0">
-                  <a:pos x="T24" y="T25"/>
-                </a:cxn>
-              </a:cxnLst>
-              <a:rect l="0" t="0" r="r" b="b"/>
-              <a:pathLst>
-                <a:path w="785" h="692">
-                  <a:moveTo>
-                    <a:pt x="225" y="692"/>
-                  </a:moveTo>
-                  <a:cubicBezTo>
-                    <a:pt x="207" y="692"/>
-                    <a:pt x="185" y="680"/>
-                    <a:pt x="177" y="665"/>
-                  </a:cubicBezTo>
-                  <a:cubicBezTo>
-                    <a:pt x="9" y="374"/>
-                    <a:pt x="9" y="374"/>
-                    <a:pt x="9" y="374"/>
-                  </a:cubicBezTo>
-                  <a:cubicBezTo>
-                    <a:pt x="0" y="358"/>
-                    <a:pt x="0" y="334"/>
-                    <a:pt x="9" y="318"/>
-                  </a:cubicBezTo>
-                  <a:cubicBezTo>
-                    <a:pt x="177" y="27"/>
-                    <a:pt x="177" y="27"/>
-                    <a:pt x="177" y="27"/>
-                  </a:cubicBezTo>
-                  <a:cubicBezTo>
-                    <a:pt x="185" y="12"/>
-                    <a:pt x="207" y="0"/>
-                    <a:pt x="225" y="0"/>
-                  </a:cubicBezTo>
-                  <a:cubicBezTo>
-                    <a:pt x="561" y="0"/>
-                    <a:pt x="561" y="0"/>
-                    <a:pt x="561" y="0"/>
-                  </a:cubicBezTo>
-                  <a:cubicBezTo>
-                    <a:pt x="578" y="0"/>
-                    <a:pt x="600" y="12"/>
-                    <a:pt x="609" y="27"/>
-                  </a:cubicBezTo>
-                  <a:cubicBezTo>
-                    <a:pt x="777" y="318"/>
-                    <a:pt x="777" y="318"/>
-                    <a:pt x="777" y="318"/>
-                  </a:cubicBezTo>
-                  <a:cubicBezTo>
-                    <a:pt x="785" y="334"/>
-                    <a:pt x="785" y="358"/>
-                    <a:pt x="777" y="374"/>
-                  </a:cubicBezTo>
-                  <a:cubicBezTo>
-                    <a:pt x="609" y="665"/>
-                    <a:pt x="609" y="665"/>
-                    <a:pt x="609" y="665"/>
-                  </a:cubicBezTo>
-                  <a:cubicBezTo>
-                    <a:pt x="600" y="680"/>
-                    <a:pt x="578" y="692"/>
-                    <a:pt x="561" y="692"/>
-                  </a:cubicBezTo>
-                  <a:lnTo>
-                    <a:pt x="225" y="692"/>
-                  </a:lnTo>
-                  <a:close/>
-                </a:path>
-              </a:pathLst>
-            </a:custGeom>
-            <a:noFill/>
-            <a:ln w="28575" cmpd="sng">
-              <a:solidFill>
-                <a:schemeClr val="bg1"/>
-              </a:solidFill>
-            </a:ln>
-          </p:spPr>
-          <p:txBody>
-            <a:bodyPr vert="horz" wrap="square" lIns="91440" tIns="45720" rIns="91440" bIns="45720" numCol="1" anchor="t" anchorCtr="0" compatLnSpc="1">
-              <a:prstTxWarp prst="textNoShape">
-                <a:avLst/>
-              </a:prstTxWarp>
-            </a:bodyPr>
-            <a:lstStyle/>
-            <a:p>
-              <a:endParaRPr lang="en-US"/>
-            </a:p>
-          </p:txBody>
-        </p:sp>
-      </p:grpSp>
-      <p:sp>
-        <p:nvSpPr>
-          <p:cNvPr id="2" name="Title 1">
-            <a:extLst>
-              <a:ext uri="{FF2B5EF4-FFF2-40B4-BE49-F238E27FC236}">
-                <a16:creationId xmlns:a16="http://schemas.microsoft.com/office/drawing/2014/main" id="{D2E1C42A-F6A8-4097-97E4-364CC28E6C8D}"/>
-              </a:ext>
-            </a:extLst>
-          </p:cNvPr>
-          <p:cNvSpPr>
-            <a:spLocks noGrp="1"/>
-          </p:cNvSpPr>
-          <p:nvPr>
-            <p:ph type="title"/>
-          </p:nvPr>
-        </p:nvSpPr>
-        <p:spPr>
-          <a:xfrm>
-            <a:off x="767290" y="1166932"/>
-            <a:ext cx="3582073" cy="4279709"/>
-          </a:xfrm>
-        </p:spPr>
-        <p:txBody>
-          <a:bodyPr anchor="ctr">
-            <a:normAutofit/>
-          </a:bodyPr>
-          <a:lstStyle/>
-          <a:p>
-            <a:r>
-              <a:rPr lang="en-US" sz="4800" dirty="0">
-                <a:solidFill>
-                  <a:schemeClr val="bg1"/>
-                </a:solidFill>
-              </a:rPr>
-              <a:t>Linear Logistic Regression</a:t>
-            </a:r>
-          </a:p>
-        </p:txBody>
-      </p:sp>
-      <p:pic>
-        <p:nvPicPr>
-          <p:cNvPr id="5" name="Picture 4">
-            <a:extLst>
-              <a:ext uri="{FF2B5EF4-FFF2-40B4-BE49-F238E27FC236}">
-                <a16:creationId xmlns:a16="http://schemas.microsoft.com/office/drawing/2014/main" id="{DAB70133-3DA9-4925-A02D-DF7E25F2FCD6}"/>
-              </a:ext>
-            </a:extLst>
-          </p:cNvPr>
-          <p:cNvPicPr>
-            <a:picLocks noChangeAspect="1"/>
-          </p:cNvPicPr>
-          <p:nvPr/>
-        </p:nvPicPr>
-        <p:blipFill>
-          <a:blip r:embed="rId2"/>
-          <a:stretch>
-            <a:fillRect/>
-          </a:stretch>
-        </p:blipFill>
-        <p:spPr>
-          <a:xfrm>
-            <a:off x="4694548" y="2382158"/>
-            <a:ext cx="7497452" cy="1814670"/>
-          </a:xfrm>
-          <a:prstGeom prst="rect">
-            <a:avLst/>
-          </a:prstGeom>
-        </p:spPr>
-      </p:pic>
-    </p:spTree>
-    <p:extLst>
-      <p:ext uri="{BB962C8B-B14F-4D97-AF65-F5344CB8AC3E}">
-        <p14:creationId xmlns:p14="http://schemas.microsoft.com/office/powerpoint/2010/main" val="3853422498"/>
       </p:ext>
     </p:extLst>
   </p:cSld>
